--- a/docs/PMS - Presentation.pptx
+++ b/docs/PMS - Presentation.pptx
@@ -5,32 +5,33 @@
     <p:sldMasterId id="2147483671" r:id="rId1"/>
   </p:sldMasterIdLst>
   <p:notesMasterIdLst>
-    <p:notesMasterId r:id="rId8"/>
+    <p:notesMasterId r:id="rId9"/>
   </p:notesMasterIdLst>
   <p:sldIdLst>
     <p:sldId id="256" r:id="rId2"/>
     <p:sldId id="258" r:id="rId3"/>
     <p:sldId id="259" r:id="rId4"/>
     <p:sldId id="277" r:id="rId5"/>
-    <p:sldId id="278" r:id="rId6"/>
-    <p:sldId id="276" r:id="rId7"/>
+    <p:sldId id="279" r:id="rId6"/>
+    <p:sldId id="278" r:id="rId7"/>
+    <p:sldId id="276" r:id="rId8"/>
   </p:sldIdLst>
   <p:sldSz cx="9144000" cy="5143500" type="screen16x9"/>
   <p:notesSz cx="6858000" cy="9144000"/>
   <p:embeddedFontLst>
     <p:embeddedFont>
       <p:font typeface="Roboto" panose="02000000000000000000" pitchFamily="2" charset="0"/>
-      <p:regular r:id="rId9"/>
-      <p:bold r:id="rId10"/>
-      <p:italic r:id="rId11"/>
-      <p:boldItalic r:id="rId12"/>
+      <p:regular r:id="rId10"/>
+      <p:bold r:id="rId11"/>
+      <p:italic r:id="rId12"/>
+      <p:boldItalic r:id="rId13"/>
     </p:embeddedFont>
     <p:embeddedFont>
       <p:font typeface="Roboto Mono" panose="00000009000000000000" pitchFamily="49" charset="0"/>
-      <p:regular r:id="rId13"/>
-      <p:bold r:id="rId14"/>
-      <p:italic r:id="rId15"/>
-      <p:boldItalic r:id="rId16"/>
+      <p:regular r:id="rId14"/>
+      <p:bold r:id="rId15"/>
+      <p:italic r:id="rId16"/>
+      <p:boldItalic r:id="rId17"/>
     </p:embeddedFont>
   </p:embeddedFontLst>
   <p:defaultTextStyle>
@@ -262,6 +263,11 @@
       </a:defRPr>
     </a:lvl9pPr>
   </p:defaultTextStyle>
+  <p:extLst>
+    <p:ext uri="{EFAFB233-063F-42B5-8137-9DF3F51BA10A}">
+      <p15:sldGuideLst xmlns:p15="http://schemas.microsoft.com/office/powerpoint/2012/main"/>
+    </p:ext>
+  </p:extLst>
 </p:presentation>
 </file>
 
@@ -1226,6 +1232,115 @@
     </p:spTree>
     <p:extLst>
       <p:ext uri="{BB962C8B-B14F-4D97-AF65-F5344CB8AC3E}">
+        <p14:creationId xmlns:p14="http://schemas.microsoft.com/office/powerpoint/2010/main" val="1943854341"/>
+      </p:ext>
+    </p:extLst>
+  </p:cSld>
+  <p:clrMapOvr>
+    <a:masterClrMapping/>
+  </p:clrMapOvr>
+</p:notes>
+</file>
+
+<file path=ppt/notesSlides/notesSlide6.xml><?xml version="1.0" encoding="utf-8"?>
+<p:notes xmlns:a="http://schemas.openxmlformats.org/drawingml/2006/main" xmlns:r="http://schemas.openxmlformats.org/officeDocument/2006/relationships" xmlns:p="http://schemas.openxmlformats.org/presentationml/2006/main" showMasterSp="0" showMasterPhAnim="0">
+  <p:cSld>
+    <p:spTree>
+      <p:nvGrpSpPr>
+        <p:cNvPr id="1" name="Shape 274"/>
+        <p:cNvGrpSpPr/>
+        <p:nvPr/>
+      </p:nvGrpSpPr>
+      <p:grpSpPr>
+        <a:xfrm>
+          <a:off x="0" y="0"/>
+          <a:ext cx="0" cy="0"/>
+          <a:chOff x="0" y="0"/>
+          <a:chExt cx="0" cy="0"/>
+        </a:xfrm>
+      </p:grpSpPr>
+      <p:sp>
+        <p:nvSpPr>
+          <p:cNvPr id="275" name="Google Shape;275;gd362d286f3_1_18:notes"/>
+          <p:cNvSpPr>
+            <a:spLocks noGrp="1" noRot="1" noChangeAspect="1"/>
+          </p:cNvSpPr>
+          <p:nvPr>
+            <p:ph type="sldImg" idx="2"/>
+          </p:nvPr>
+        </p:nvSpPr>
+        <p:spPr>
+          <a:xfrm>
+            <a:off x="381000" y="685800"/>
+            <a:ext cx="6096000" cy="3429000"/>
+          </a:xfrm>
+          <a:custGeom>
+            <a:avLst/>
+            <a:gdLst/>
+            <a:ahLst/>
+            <a:cxnLst/>
+            <a:rect l="l" t="t" r="r" b="b"/>
+            <a:pathLst>
+              <a:path w="120000" h="120000" extrusionOk="0">
+                <a:moveTo>
+                  <a:pt x="0" y="0"/>
+                </a:moveTo>
+                <a:lnTo>
+                  <a:pt x="120000" y="0"/>
+                </a:lnTo>
+                <a:lnTo>
+                  <a:pt x="120000" y="120000"/>
+                </a:lnTo>
+                <a:lnTo>
+                  <a:pt x="0" y="120000"/>
+                </a:lnTo>
+                <a:close/>
+              </a:path>
+            </a:pathLst>
+          </a:custGeom>
+        </p:spPr>
+      </p:sp>
+      <p:sp>
+        <p:nvSpPr>
+          <p:cNvPr id="276" name="Google Shape;276;gd362d286f3_1_18:notes"/>
+          <p:cNvSpPr txBox="1">
+            <a:spLocks noGrp="1"/>
+          </p:cNvSpPr>
+          <p:nvPr>
+            <p:ph type="body" idx="1"/>
+          </p:nvPr>
+        </p:nvSpPr>
+        <p:spPr>
+          <a:xfrm>
+            <a:off x="685800" y="4343400"/>
+            <a:ext cx="5486400" cy="4114800"/>
+          </a:xfrm>
+          <a:prstGeom prst="rect">
+            <a:avLst/>
+          </a:prstGeom>
+        </p:spPr>
+        <p:txBody>
+          <a:bodyPr spcFirstLastPara="1" wrap="square" lIns="91425" tIns="91425" rIns="91425" bIns="91425" anchor="t" anchorCtr="0">
+            <a:noAutofit/>
+          </a:bodyPr>
+          <a:lstStyle/>
+          <a:p>
+            <a:pPr marL="0" lvl="0" indent="0" algn="l" rtl="0">
+              <a:spcBef>
+                <a:spcPts val="0"/>
+              </a:spcBef>
+              <a:spcAft>
+                <a:spcPts val="0"/>
+              </a:spcAft>
+              <a:buNone/>
+            </a:pPr>
+            <a:endParaRPr/>
+          </a:p>
+        </p:txBody>
+      </p:sp>
+    </p:spTree>
+    <p:extLst>
+      <p:ext uri="{BB962C8B-B14F-4D97-AF65-F5344CB8AC3E}">
         <p14:creationId xmlns:p14="http://schemas.microsoft.com/office/powerpoint/2010/main" val="3721417551"/>
       </p:ext>
     </p:extLst>
@@ -1236,7 +1351,7 @@
 </p:notes>
 </file>
 
-<file path=ppt/notesSlides/notesSlide6.xml><?xml version="1.0" encoding="utf-8"?>
+<file path=ppt/notesSlides/notesSlide7.xml><?xml version="1.0" encoding="utf-8"?>
 <p:notes xmlns:a="http://schemas.openxmlformats.org/drawingml/2006/main" xmlns:r="http://schemas.openxmlformats.org/officeDocument/2006/relationships" xmlns:p="http://schemas.openxmlformats.org/presentationml/2006/main" showMasterSp="0" showMasterPhAnim="0">
   <p:cSld>
     <p:spTree>
@@ -29067,6 +29182,557 @@
           <a:chExt cx="0" cy="0"/>
         </a:xfrm>
       </p:grpSpPr>
+      <p:sp>
+        <p:nvSpPr>
+          <p:cNvPr id="281" name="Google Shape;281;p29"/>
+          <p:cNvSpPr txBox="1">
+            <a:spLocks noGrp="1"/>
+          </p:cNvSpPr>
+          <p:nvPr>
+            <p:ph type="title" idx="2"/>
+          </p:nvPr>
+        </p:nvSpPr>
+        <p:spPr>
+          <a:xfrm>
+            <a:off x="938433" y="1042100"/>
+            <a:ext cx="1554000" cy="1155000"/>
+          </a:xfrm>
+          <a:prstGeom prst="rect">
+            <a:avLst/>
+          </a:prstGeom>
+        </p:spPr>
+        <p:txBody>
+          <a:bodyPr spcFirstLastPara="1" wrap="square" lIns="0" tIns="0" rIns="0" bIns="0" anchor="ctr" anchorCtr="0">
+            <a:noAutofit/>
+          </a:bodyPr>
+          <a:lstStyle/>
+          <a:p>
+            <a:pPr marL="0" lvl="0" indent="0" algn="ctr" rtl="0">
+              <a:spcBef>
+                <a:spcPts val="0"/>
+              </a:spcBef>
+              <a:spcAft>
+                <a:spcPts val="0"/>
+              </a:spcAft>
+              <a:buNone/>
+            </a:pPr>
+            <a:r>
+              <a:rPr lang="en" dirty="0"/>
+              <a:t>0</a:t>
+            </a:r>
+            <a:r>
+              <a:rPr lang="en-US" dirty="0"/>
+              <a:t>3</a:t>
+            </a:r>
+            <a:endParaRPr dirty="0"/>
+          </a:p>
+        </p:txBody>
+      </p:sp>
+      <p:sp>
+        <p:nvSpPr>
+          <p:cNvPr id="8" name="TextBox 7">
+            <a:extLst>
+              <a:ext uri="{FF2B5EF4-FFF2-40B4-BE49-F238E27FC236}">
+                <a16:creationId xmlns:a16="http://schemas.microsoft.com/office/drawing/2014/main" id="{CD9964DC-A048-6141-71BE-E48CEE1113FD}"/>
+              </a:ext>
+            </a:extLst>
+          </p:cNvPr>
+          <p:cNvSpPr txBox="1"/>
+          <p:nvPr/>
+        </p:nvSpPr>
+        <p:spPr>
+          <a:xfrm>
+            <a:off x="2286000" y="70485"/>
+            <a:ext cx="4572000" cy="861774"/>
+          </a:xfrm>
+          <a:prstGeom prst="rect">
+            <a:avLst/>
+          </a:prstGeom>
+          <a:noFill/>
+        </p:spPr>
+        <p:txBody>
+          <a:bodyPr wrap="square">
+            <a:spAutoFit/>
+          </a:bodyPr>
+          <a:lstStyle/>
+          <a:p>
+            <a:pPr marL="0" lvl="0" indent="0" algn="l" rtl="0">
+              <a:spcBef>
+                <a:spcPts val="0"/>
+              </a:spcBef>
+              <a:spcAft>
+                <a:spcPts val="0"/>
+              </a:spcAft>
+              <a:buNone/>
+            </a:pPr>
+            <a:r>
+              <a:rPr lang="bg-BG" sz="5000" b="1" dirty="0">
+                <a:solidFill>
+                  <a:schemeClr val="dk1"/>
+                </a:solidFill>
+                <a:latin typeface="Roboto"/>
+                <a:ea typeface="Roboto"/>
+                <a:cs typeface="Roboto"/>
+                <a:sym typeface="Roboto"/>
+              </a:rPr>
+              <a:t>Технологии</a:t>
+            </a:r>
+          </a:p>
+        </p:txBody>
+      </p:sp>
+      <p:pic>
+        <p:nvPicPr>
+          <p:cNvPr id="1026" name="Picture 2" descr="Issue #620 · devicons/devicon · GitHub">
+            <a:extLst>
+              <a:ext uri="{FF2B5EF4-FFF2-40B4-BE49-F238E27FC236}">
+                <a16:creationId xmlns:a16="http://schemas.microsoft.com/office/drawing/2014/main" id="{28816BD8-18EF-CCD2-1B5A-C4F47C25101C}"/>
+              </a:ext>
+            </a:extLst>
+          </p:cNvPr>
+          <p:cNvPicPr>
+            <a:picLocks noChangeAspect="1" noChangeArrowheads="1"/>
+          </p:cNvPicPr>
+          <p:nvPr/>
+        </p:nvPicPr>
+        <p:blipFill>
+          <a:blip r:embed="rId3">
+            <a:extLst>
+              <a:ext uri="{28A0092B-C50C-407E-A947-70E740481C1C}">
+                <a14:useLocalDpi xmlns:a14="http://schemas.microsoft.com/office/drawing/2010/main" val="0"/>
+              </a:ext>
+            </a:extLst>
+          </a:blip>
+          <a:srcRect/>
+          <a:stretch>
+            <a:fillRect/>
+          </a:stretch>
+        </p:blipFill>
+        <p:spPr bwMode="auto">
+          <a:xfrm>
+            <a:off x="7367288" y="879332"/>
+            <a:ext cx="1676558" cy="1018742"/>
+          </a:xfrm>
+          <a:prstGeom prst="rect">
+            <a:avLst/>
+          </a:prstGeom>
+          <a:noFill/>
+          <a:extLst>
+            <a:ext uri="{909E8E84-426E-40DD-AFC4-6F175D3DCCD1}">
+              <a14:hiddenFill xmlns:a14="http://schemas.microsoft.com/office/drawing/2010/main">
+                <a:solidFill>
+                  <a:srgbClr val="FFFFFF"/>
+                </a:solidFill>
+              </a14:hiddenFill>
+            </a:ext>
+          </a:extLst>
+        </p:spPr>
+      </p:pic>
+      <p:pic>
+        <p:nvPicPr>
+          <p:cNvPr id="1028" name="Picture 4" descr="NET - Wikipedia">
+            <a:extLst>
+              <a:ext uri="{FF2B5EF4-FFF2-40B4-BE49-F238E27FC236}">
+                <a16:creationId xmlns:a16="http://schemas.microsoft.com/office/drawing/2014/main" id="{26EB585F-AC72-8719-FB4B-8BC6DB0FB1FF}"/>
+              </a:ext>
+            </a:extLst>
+          </p:cNvPr>
+          <p:cNvPicPr>
+            <a:picLocks noChangeAspect="1" noChangeArrowheads="1"/>
+          </p:cNvPicPr>
+          <p:nvPr/>
+        </p:nvPicPr>
+        <p:blipFill>
+          <a:blip r:embed="rId4">
+            <a:extLst>
+              <a:ext uri="{28A0092B-C50C-407E-A947-70E740481C1C}">
+                <a14:useLocalDpi xmlns:a14="http://schemas.microsoft.com/office/drawing/2010/main" val="0"/>
+              </a:ext>
+            </a:extLst>
+          </a:blip>
+          <a:srcRect/>
+          <a:stretch>
+            <a:fillRect/>
+          </a:stretch>
+        </p:blipFill>
+        <p:spPr bwMode="auto">
+          <a:xfrm>
+            <a:off x="6278275" y="1941088"/>
+            <a:ext cx="933016" cy="933016"/>
+          </a:xfrm>
+          <a:prstGeom prst="rect">
+            <a:avLst/>
+          </a:prstGeom>
+          <a:noFill/>
+          <a:extLst>
+            <a:ext uri="{909E8E84-426E-40DD-AFC4-6F175D3DCCD1}">
+              <a14:hiddenFill xmlns:a14="http://schemas.microsoft.com/office/drawing/2010/main">
+                <a:solidFill>
+                  <a:srgbClr val="FFFFFF"/>
+                </a:solidFill>
+              </a14:hiddenFill>
+            </a:ext>
+          </a:extLst>
+        </p:spPr>
+      </p:pic>
+      <p:pic>
+        <p:nvPicPr>
+          <p:cNvPr id="1030" name="Picture 6" descr="react-native-web · GitHub Topics · GitHub">
+            <a:extLst>
+              <a:ext uri="{FF2B5EF4-FFF2-40B4-BE49-F238E27FC236}">
+                <a16:creationId xmlns:a16="http://schemas.microsoft.com/office/drawing/2014/main" id="{9769DC28-06E1-ED42-D8D3-11E1FFBFF5BD}"/>
+              </a:ext>
+            </a:extLst>
+          </p:cNvPr>
+          <p:cNvPicPr>
+            <a:picLocks noChangeAspect="1" noChangeArrowheads="1"/>
+          </p:cNvPicPr>
+          <p:nvPr/>
+        </p:nvPicPr>
+        <p:blipFill>
+          <a:blip r:embed="rId5">
+            <a:extLst>
+              <a:ext uri="{28A0092B-C50C-407E-A947-70E740481C1C}">
+                <a14:useLocalDpi xmlns:a14="http://schemas.microsoft.com/office/drawing/2010/main" val="0"/>
+              </a:ext>
+            </a:extLst>
+          </a:blip>
+          <a:srcRect/>
+          <a:stretch>
+            <a:fillRect/>
+          </a:stretch>
+        </p:blipFill>
+        <p:spPr bwMode="auto">
+          <a:xfrm>
+            <a:off x="7485427" y="3016395"/>
+            <a:ext cx="1558419" cy="861775"/>
+          </a:xfrm>
+          <a:prstGeom prst="rect">
+            <a:avLst/>
+          </a:prstGeom>
+          <a:noFill/>
+          <a:extLst>
+            <a:ext uri="{909E8E84-426E-40DD-AFC4-6F175D3DCCD1}">
+              <a14:hiddenFill xmlns:a14="http://schemas.microsoft.com/office/drawing/2010/main">
+                <a:solidFill>
+                  <a:srgbClr val="FFFFFF"/>
+                </a:solidFill>
+              </a14:hiddenFill>
+            </a:ext>
+          </a:extLst>
+        </p:spPr>
+      </p:pic>
+      <p:pic>
+        <p:nvPicPr>
+          <p:cNvPr id="1032" name="Picture 8" descr="Learn TypeScript: Why Should I Use It ...">
+            <a:extLst>
+              <a:ext uri="{FF2B5EF4-FFF2-40B4-BE49-F238E27FC236}">
+                <a16:creationId xmlns:a16="http://schemas.microsoft.com/office/drawing/2014/main" id="{43CB3DC5-0934-0659-4C52-F48E78CE65E7}"/>
+              </a:ext>
+            </a:extLst>
+          </p:cNvPr>
+          <p:cNvPicPr>
+            <a:picLocks noChangeAspect="1" noChangeArrowheads="1"/>
+          </p:cNvPicPr>
+          <p:nvPr/>
+        </p:nvPicPr>
+        <p:blipFill>
+          <a:blip r:embed="rId6">
+            <a:extLst>
+              <a:ext uri="{28A0092B-C50C-407E-A947-70E740481C1C}">
+                <a14:useLocalDpi xmlns:a14="http://schemas.microsoft.com/office/drawing/2010/main" val="0"/>
+              </a:ext>
+            </a:extLst>
+          </a:blip>
+          <a:srcRect/>
+          <a:stretch>
+            <a:fillRect/>
+          </a:stretch>
+        </p:blipFill>
+        <p:spPr bwMode="auto">
+          <a:xfrm>
+            <a:off x="5619842" y="3878170"/>
+            <a:ext cx="1124941" cy="782022"/>
+          </a:xfrm>
+          <a:prstGeom prst="rect">
+            <a:avLst/>
+          </a:prstGeom>
+          <a:noFill/>
+          <a:extLst>
+            <a:ext uri="{909E8E84-426E-40DD-AFC4-6F175D3DCCD1}">
+              <a14:hiddenFill xmlns:a14="http://schemas.microsoft.com/office/drawing/2010/main">
+                <a:solidFill>
+                  <a:srgbClr val="FFFFFF"/>
+                </a:solidFill>
+              </a14:hiddenFill>
+            </a:ext>
+          </a:extLst>
+        </p:spPr>
+      </p:pic>
+      <p:pic>
+        <p:nvPicPr>
+          <p:cNvPr id="1034" name="Picture 10" descr="HTML - Wikipedia">
+            <a:extLst>
+              <a:ext uri="{FF2B5EF4-FFF2-40B4-BE49-F238E27FC236}">
+                <a16:creationId xmlns:a16="http://schemas.microsoft.com/office/drawing/2014/main" id="{96D534B8-64CC-E07C-D29E-C2364C6996FA}"/>
+              </a:ext>
+            </a:extLst>
+          </p:cNvPr>
+          <p:cNvPicPr>
+            <a:picLocks noChangeAspect="1" noChangeArrowheads="1"/>
+          </p:cNvPicPr>
+          <p:nvPr/>
+        </p:nvPicPr>
+        <p:blipFill>
+          <a:blip r:embed="rId7">
+            <a:extLst>
+              <a:ext uri="{28A0092B-C50C-407E-A947-70E740481C1C}">
+                <a14:useLocalDpi xmlns:a14="http://schemas.microsoft.com/office/drawing/2010/main" val="0"/>
+              </a:ext>
+            </a:extLst>
+          </a:blip>
+          <a:srcRect/>
+          <a:stretch>
+            <a:fillRect/>
+          </a:stretch>
+        </p:blipFill>
+        <p:spPr bwMode="auto">
+          <a:xfrm>
+            <a:off x="4572000" y="2571750"/>
+            <a:ext cx="836036" cy="836036"/>
+          </a:xfrm>
+          <a:prstGeom prst="rect">
+            <a:avLst/>
+          </a:prstGeom>
+          <a:noFill/>
+          <a:extLst>
+            <a:ext uri="{909E8E84-426E-40DD-AFC4-6F175D3DCCD1}">
+              <a14:hiddenFill xmlns:a14="http://schemas.microsoft.com/office/drawing/2010/main">
+                <a:solidFill>
+                  <a:srgbClr val="FFFFFF"/>
+                </a:solidFill>
+              </a14:hiddenFill>
+            </a:ext>
+          </a:extLst>
+        </p:spPr>
+      </p:pic>
+      <p:pic>
+        <p:nvPicPr>
+          <p:cNvPr id="1036" name="Picture 12" descr="CSS - Wikipedia">
+            <a:extLst>
+              <a:ext uri="{FF2B5EF4-FFF2-40B4-BE49-F238E27FC236}">
+                <a16:creationId xmlns:a16="http://schemas.microsoft.com/office/drawing/2014/main" id="{3E745FED-453F-809A-0D0D-EA1C44DD8278}"/>
+              </a:ext>
+            </a:extLst>
+          </p:cNvPr>
+          <p:cNvPicPr>
+            <a:picLocks noChangeAspect="1" noChangeArrowheads="1"/>
+          </p:cNvPicPr>
+          <p:nvPr/>
+        </p:nvPicPr>
+        <p:blipFill>
+          <a:blip r:embed="rId8">
+            <a:extLst>
+              <a:ext uri="{28A0092B-C50C-407E-A947-70E740481C1C}">
+                <a14:useLocalDpi xmlns:a14="http://schemas.microsoft.com/office/drawing/2010/main" val="0"/>
+              </a:ext>
+            </a:extLst>
+          </a:blip>
+          <a:srcRect/>
+          <a:stretch>
+            <a:fillRect/>
+          </a:stretch>
+        </p:blipFill>
+        <p:spPr bwMode="auto">
+          <a:xfrm>
+            <a:off x="3524159" y="3630423"/>
+            <a:ext cx="769485" cy="1087050"/>
+          </a:xfrm>
+          <a:prstGeom prst="rect">
+            <a:avLst/>
+          </a:prstGeom>
+          <a:noFill/>
+          <a:extLst>
+            <a:ext uri="{909E8E84-426E-40DD-AFC4-6F175D3DCCD1}">
+              <a14:hiddenFill xmlns:a14="http://schemas.microsoft.com/office/drawing/2010/main">
+                <a:solidFill>
+                  <a:srgbClr val="FFFFFF"/>
+                </a:solidFill>
+              </a14:hiddenFill>
+            </a:ext>
+          </a:extLst>
+        </p:spPr>
+      </p:pic>
+      <p:pic>
+        <p:nvPicPr>
+          <p:cNvPr id="1038" name="Picture 14" descr="Toric + Microsoft SQL | Data Integration">
+            <a:extLst>
+              <a:ext uri="{FF2B5EF4-FFF2-40B4-BE49-F238E27FC236}">
+                <a16:creationId xmlns:a16="http://schemas.microsoft.com/office/drawing/2014/main" id="{A21F26AF-E445-1F66-FFF7-922083BD6B43}"/>
+              </a:ext>
+            </a:extLst>
+          </p:cNvPr>
+          <p:cNvPicPr>
+            <a:picLocks noChangeAspect="1" noChangeArrowheads="1"/>
+          </p:cNvPicPr>
+          <p:nvPr/>
+        </p:nvPicPr>
+        <p:blipFill>
+          <a:blip r:embed="rId9">
+            <a:extLst>
+              <a:ext uri="{28A0092B-C50C-407E-A947-70E740481C1C}">
+                <a14:useLocalDpi xmlns:a14="http://schemas.microsoft.com/office/drawing/2010/main" val="0"/>
+              </a:ext>
+            </a:extLst>
+          </a:blip>
+          <a:srcRect/>
+          <a:stretch>
+            <a:fillRect/>
+          </a:stretch>
+        </p:blipFill>
+        <p:spPr bwMode="auto">
+          <a:xfrm>
+            <a:off x="3462842" y="1036300"/>
+            <a:ext cx="2590039" cy="765097"/>
+          </a:xfrm>
+          <a:prstGeom prst="rect">
+            <a:avLst/>
+          </a:prstGeom>
+          <a:noFill/>
+          <a:extLst>
+            <a:ext uri="{909E8E84-426E-40DD-AFC4-6F175D3DCCD1}">
+              <a14:hiddenFill xmlns:a14="http://schemas.microsoft.com/office/drawing/2010/main">
+                <a:solidFill>
+                  <a:srgbClr val="FFFFFF"/>
+                </a:solidFill>
+              </a14:hiddenFill>
+            </a:ext>
+          </a:extLst>
+        </p:spPr>
+      </p:pic>
+      <p:pic>
+        <p:nvPicPr>
+          <p:cNvPr id="1042" name="Picture 18" descr="Vscode">
+            <a:extLst>
+              <a:ext uri="{FF2B5EF4-FFF2-40B4-BE49-F238E27FC236}">
+                <a16:creationId xmlns:a16="http://schemas.microsoft.com/office/drawing/2014/main" id="{F86C7DAA-AFC6-2B65-3C05-A80700A468F7}"/>
+              </a:ext>
+            </a:extLst>
+          </p:cNvPr>
+          <p:cNvPicPr>
+            <a:picLocks noChangeAspect="1" noChangeArrowheads="1"/>
+          </p:cNvPicPr>
+          <p:nvPr/>
+        </p:nvPicPr>
+        <p:blipFill>
+          <a:blip r:embed="rId10">
+            <a:extLst>
+              <a:ext uri="{28A0092B-C50C-407E-A947-70E740481C1C}">
+                <a14:useLocalDpi xmlns:a14="http://schemas.microsoft.com/office/drawing/2010/main" val="0"/>
+              </a:ext>
+            </a:extLst>
+          </a:blip>
+          <a:srcRect/>
+          <a:stretch>
+            <a:fillRect/>
+          </a:stretch>
+        </p:blipFill>
+        <p:spPr bwMode="auto">
+          <a:xfrm>
+            <a:off x="2591142" y="2372561"/>
+            <a:ext cx="933017" cy="933017"/>
+          </a:xfrm>
+          <a:prstGeom prst="rect">
+            <a:avLst/>
+          </a:prstGeom>
+          <a:noFill/>
+          <a:extLst>
+            <a:ext uri="{909E8E84-426E-40DD-AFC4-6F175D3DCCD1}">
+              <a14:hiddenFill xmlns:a14="http://schemas.microsoft.com/office/drawing/2010/main">
+                <a:solidFill>
+                  <a:srgbClr val="FFFFFF"/>
+                </a:solidFill>
+              </a14:hiddenFill>
+            </a:ext>
+          </a:extLst>
+        </p:spPr>
+      </p:pic>
+      <p:pic>
+        <p:nvPicPr>
+          <p:cNvPr id="1044" name="Picture 20" descr="Visual Studio - Wikipedia">
+            <a:extLst>
+              <a:ext uri="{FF2B5EF4-FFF2-40B4-BE49-F238E27FC236}">
+                <a16:creationId xmlns:a16="http://schemas.microsoft.com/office/drawing/2014/main" id="{66F893A1-628E-CE75-857F-59C88A649499}"/>
+              </a:ext>
+            </a:extLst>
+          </p:cNvPr>
+          <p:cNvPicPr>
+            <a:picLocks noChangeAspect="1" noChangeArrowheads="1"/>
+          </p:cNvPicPr>
+          <p:nvPr/>
+        </p:nvPicPr>
+        <p:blipFill>
+          <a:blip r:embed="rId11">
+            <a:extLst>
+              <a:ext uri="{28A0092B-C50C-407E-A947-70E740481C1C}">
+                <a14:useLocalDpi xmlns:a14="http://schemas.microsoft.com/office/drawing/2010/main" val="0"/>
+              </a:ext>
+            </a:extLst>
+          </a:blip>
+          <a:srcRect/>
+          <a:stretch>
+            <a:fillRect/>
+          </a:stretch>
+        </p:blipFill>
+        <p:spPr bwMode="auto">
+          <a:xfrm>
+            <a:off x="1866930" y="3637402"/>
+            <a:ext cx="994130" cy="994130"/>
+          </a:xfrm>
+          <a:prstGeom prst="rect">
+            <a:avLst/>
+          </a:prstGeom>
+          <a:noFill/>
+          <a:extLst>
+            <a:ext uri="{909E8E84-426E-40DD-AFC4-6F175D3DCCD1}">
+              <a14:hiddenFill xmlns:a14="http://schemas.microsoft.com/office/drawing/2010/main">
+                <a:solidFill>
+                  <a:srgbClr val="FFFFFF"/>
+                </a:solidFill>
+              </a14:hiddenFill>
+            </a:ext>
+          </a:extLst>
+        </p:spPr>
+      </p:pic>
+    </p:spTree>
+    <p:extLst>
+      <p:ext uri="{BB962C8B-B14F-4D97-AF65-F5344CB8AC3E}">
+        <p14:creationId xmlns:p14="http://schemas.microsoft.com/office/powerpoint/2010/main" val="4154669693"/>
+      </p:ext>
+    </p:extLst>
+  </p:cSld>
+  <p:clrMapOvr>
+    <a:masterClrMapping/>
+  </p:clrMapOvr>
+</p:sld>
+</file>
+
+<file path=ppt/slides/slide6.xml><?xml version="1.0" encoding="utf-8"?>
+<p:sld xmlns:a="http://schemas.openxmlformats.org/drawingml/2006/main" xmlns:r="http://schemas.openxmlformats.org/officeDocument/2006/relationships" xmlns:p="http://schemas.openxmlformats.org/presentationml/2006/main">
+  <p:cSld>
+    <p:spTree>
+      <p:nvGrpSpPr>
+        <p:cNvPr id="1" name="Shape 277"/>
+        <p:cNvGrpSpPr/>
+        <p:nvPr/>
+      </p:nvGrpSpPr>
+      <p:grpSpPr>
+        <a:xfrm>
+          <a:off x="0" y="0"/>
+          <a:ext cx="0" cy="0"/>
+          <a:chOff x="0" y="0"/>
+          <a:chExt cx="0" cy="0"/>
+        </a:xfrm>
+      </p:grpSpPr>
       <p:pic>
         <p:nvPicPr>
           <p:cNvPr id="1026" name="Picture 2" descr="Demo Icon Royalty-Free Images, Stock Photos &amp; Pictures ...">
@@ -29153,8 +29819,8 @@
               <a:t>0</a:t>
             </a:r>
             <a:r>
-              <a:rPr lang="bg-BG" dirty="0"/>
-              <a:t>3</a:t>
+              <a:rPr lang="en-US" dirty="0"/>
+              <a:t>4</a:t>
             </a:r>
             <a:endParaRPr dirty="0"/>
           </a:p>
@@ -29225,7 +29891,7 @@
 </p:sld>
 </file>
 
-<file path=ppt/slides/slide6.xml><?xml version="1.0" encoding="utf-8"?>
+<file path=ppt/slides/slide7.xml><?xml version="1.0" encoding="utf-8"?>
 <p:sld xmlns:a="http://schemas.openxmlformats.org/drawingml/2006/main" xmlns:r="http://schemas.openxmlformats.org/officeDocument/2006/relationships" xmlns:p="http://schemas.openxmlformats.org/presentationml/2006/main">
   <p:cSld>
     <p:spTree>

--- a/docs/PMS - Presentation.pptx
+++ b/docs/PMS - Presentation.pptx
@@ -5,33 +5,32 @@
     <p:sldMasterId id="2147483671" r:id="rId1"/>
   </p:sldMasterIdLst>
   <p:notesMasterIdLst>
-    <p:notesMasterId r:id="rId9"/>
+    <p:notesMasterId r:id="rId8"/>
   </p:notesMasterIdLst>
   <p:sldIdLst>
     <p:sldId id="256" r:id="rId2"/>
-    <p:sldId id="258" r:id="rId3"/>
-    <p:sldId id="259" r:id="rId4"/>
-    <p:sldId id="277" r:id="rId5"/>
-    <p:sldId id="279" r:id="rId6"/>
-    <p:sldId id="278" r:id="rId7"/>
-    <p:sldId id="276" r:id="rId8"/>
+    <p:sldId id="259" r:id="rId3"/>
+    <p:sldId id="277" r:id="rId4"/>
+    <p:sldId id="279" r:id="rId5"/>
+    <p:sldId id="278" r:id="rId6"/>
+    <p:sldId id="276" r:id="rId7"/>
   </p:sldIdLst>
   <p:sldSz cx="9144000" cy="5143500" type="screen16x9"/>
   <p:notesSz cx="6858000" cy="9144000"/>
   <p:embeddedFontLst>
     <p:embeddedFont>
       <p:font typeface="Roboto" panose="02000000000000000000" pitchFamily="2" charset="0"/>
-      <p:regular r:id="rId10"/>
-      <p:bold r:id="rId11"/>
-      <p:italic r:id="rId12"/>
-      <p:boldItalic r:id="rId13"/>
+      <p:regular r:id="rId9"/>
+      <p:bold r:id="rId10"/>
+      <p:italic r:id="rId11"/>
+      <p:boldItalic r:id="rId12"/>
     </p:embeddedFont>
     <p:embeddedFont>
       <p:font typeface="Roboto Mono" panose="00000009000000000000" pitchFamily="49" charset="0"/>
-      <p:regular r:id="rId14"/>
-      <p:bold r:id="rId15"/>
-      <p:italic r:id="rId16"/>
-      <p:boldItalic r:id="rId17"/>
+      <p:regular r:id="rId13"/>
+      <p:bold r:id="rId14"/>
+      <p:italic r:id="rId15"/>
+      <p:boldItalic r:id="rId16"/>
     </p:embeddedFont>
   </p:embeddedFontLst>
   <p:defaultTextStyle>
@@ -821,7 +820,7 @@
   <p:cSld>
     <p:spTree>
       <p:nvGrpSpPr>
-        <p:cNvPr id="1" name="Shape 202"/>
+        <p:cNvPr id="1" name="Shape 274"/>
         <p:cNvGrpSpPr/>
         <p:nvPr/>
       </p:nvGrpSpPr>
@@ -835,7 +834,7 @@
       </p:grpSpPr>
       <p:sp>
         <p:nvSpPr>
-          <p:cNvPr id="203" name="Google Shape;203;gd362d286f3_1_165:notes"/>
+          <p:cNvPr id="275" name="Google Shape;275;gd362d286f3_1_18:notes"/>
           <p:cNvSpPr>
             <a:spLocks noGrp="1" noRot="1" noChangeAspect="1"/>
           </p:cNvSpPr>
@@ -876,7 +875,7 @@
       </p:sp>
       <p:sp>
         <p:nvSpPr>
-          <p:cNvPr id="204" name="Google Shape;204;gd362d286f3_1_165:notes"/>
+          <p:cNvPr id="276" name="Google Shape;276;gd362d286f3_1_18:notes"/>
           <p:cNvSpPr txBox="1">
             <a:spLocks noGrp="1"/>
           </p:cNvSpPr>
@@ -1017,6 +1016,11 @@
         </p:txBody>
       </p:sp>
     </p:spTree>
+    <p:extLst>
+      <p:ext uri="{BB962C8B-B14F-4D97-AF65-F5344CB8AC3E}">
+        <p14:creationId xmlns:p14="http://schemas.microsoft.com/office/powerpoint/2010/main" val="895038891"/>
+      </p:ext>
+    </p:extLst>
   </p:cSld>
   <p:clrMapOvr>
     <a:masterClrMapping/>
@@ -1123,7 +1127,7 @@
     </p:spTree>
     <p:extLst>
       <p:ext uri="{BB962C8B-B14F-4D97-AF65-F5344CB8AC3E}">
-        <p14:creationId xmlns:p14="http://schemas.microsoft.com/office/powerpoint/2010/main" val="895038891"/>
+        <p14:creationId xmlns:p14="http://schemas.microsoft.com/office/powerpoint/2010/main" val="1943854341"/>
       </p:ext>
     </p:extLst>
   </p:cSld>
@@ -1232,7 +1236,7 @@
     </p:spTree>
     <p:extLst>
       <p:ext uri="{BB962C8B-B14F-4D97-AF65-F5344CB8AC3E}">
-        <p14:creationId xmlns:p14="http://schemas.microsoft.com/office/powerpoint/2010/main" val="1943854341"/>
+        <p14:creationId xmlns:p14="http://schemas.microsoft.com/office/powerpoint/2010/main" val="3721417551"/>
       </p:ext>
     </p:extLst>
   </p:cSld>
@@ -1243,115 +1247,6 @@
 </file>
 
 <file path=ppt/notesSlides/notesSlide6.xml><?xml version="1.0" encoding="utf-8"?>
-<p:notes xmlns:a="http://schemas.openxmlformats.org/drawingml/2006/main" xmlns:r="http://schemas.openxmlformats.org/officeDocument/2006/relationships" xmlns:p="http://schemas.openxmlformats.org/presentationml/2006/main" showMasterSp="0" showMasterPhAnim="0">
-  <p:cSld>
-    <p:spTree>
-      <p:nvGrpSpPr>
-        <p:cNvPr id="1" name="Shape 274"/>
-        <p:cNvGrpSpPr/>
-        <p:nvPr/>
-      </p:nvGrpSpPr>
-      <p:grpSpPr>
-        <a:xfrm>
-          <a:off x="0" y="0"/>
-          <a:ext cx="0" cy="0"/>
-          <a:chOff x="0" y="0"/>
-          <a:chExt cx="0" cy="0"/>
-        </a:xfrm>
-      </p:grpSpPr>
-      <p:sp>
-        <p:nvSpPr>
-          <p:cNvPr id="275" name="Google Shape;275;gd362d286f3_1_18:notes"/>
-          <p:cNvSpPr>
-            <a:spLocks noGrp="1" noRot="1" noChangeAspect="1"/>
-          </p:cNvSpPr>
-          <p:nvPr>
-            <p:ph type="sldImg" idx="2"/>
-          </p:nvPr>
-        </p:nvSpPr>
-        <p:spPr>
-          <a:xfrm>
-            <a:off x="381000" y="685800"/>
-            <a:ext cx="6096000" cy="3429000"/>
-          </a:xfrm>
-          <a:custGeom>
-            <a:avLst/>
-            <a:gdLst/>
-            <a:ahLst/>
-            <a:cxnLst/>
-            <a:rect l="l" t="t" r="r" b="b"/>
-            <a:pathLst>
-              <a:path w="120000" h="120000" extrusionOk="0">
-                <a:moveTo>
-                  <a:pt x="0" y="0"/>
-                </a:moveTo>
-                <a:lnTo>
-                  <a:pt x="120000" y="0"/>
-                </a:lnTo>
-                <a:lnTo>
-                  <a:pt x="120000" y="120000"/>
-                </a:lnTo>
-                <a:lnTo>
-                  <a:pt x="0" y="120000"/>
-                </a:lnTo>
-                <a:close/>
-              </a:path>
-            </a:pathLst>
-          </a:custGeom>
-        </p:spPr>
-      </p:sp>
-      <p:sp>
-        <p:nvSpPr>
-          <p:cNvPr id="276" name="Google Shape;276;gd362d286f3_1_18:notes"/>
-          <p:cNvSpPr txBox="1">
-            <a:spLocks noGrp="1"/>
-          </p:cNvSpPr>
-          <p:nvPr>
-            <p:ph type="body" idx="1"/>
-          </p:nvPr>
-        </p:nvSpPr>
-        <p:spPr>
-          <a:xfrm>
-            <a:off x="685800" y="4343400"/>
-            <a:ext cx="5486400" cy="4114800"/>
-          </a:xfrm>
-          <a:prstGeom prst="rect">
-            <a:avLst/>
-          </a:prstGeom>
-        </p:spPr>
-        <p:txBody>
-          <a:bodyPr spcFirstLastPara="1" wrap="square" lIns="91425" tIns="91425" rIns="91425" bIns="91425" anchor="t" anchorCtr="0">
-            <a:noAutofit/>
-          </a:bodyPr>
-          <a:lstStyle/>
-          <a:p>
-            <a:pPr marL="0" lvl="0" indent="0" algn="l" rtl="0">
-              <a:spcBef>
-                <a:spcPts val="0"/>
-              </a:spcBef>
-              <a:spcAft>
-                <a:spcPts val="0"/>
-              </a:spcAft>
-              <a:buNone/>
-            </a:pPr>
-            <a:endParaRPr/>
-          </a:p>
-        </p:txBody>
-      </p:sp>
-    </p:spTree>
-    <p:extLst>
-      <p:ext uri="{BB962C8B-B14F-4D97-AF65-F5344CB8AC3E}">
-        <p14:creationId xmlns:p14="http://schemas.microsoft.com/office/powerpoint/2010/main" val="3721417551"/>
-      </p:ext>
-    </p:extLst>
-  </p:cSld>
-  <p:clrMapOvr>
-    <a:masterClrMapping/>
-  </p:clrMapOvr>
-</p:notes>
-</file>
-
-<file path=ppt/notesSlides/notesSlide7.xml><?xml version="1.0" encoding="utf-8"?>
 <p:notes xmlns:a="http://schemas.openxmlformats.org/drawingml/2006/main" xmlns:r="http://schemas.openxmlformats.org/officeDocument/2006/relationships" xmlns:p="http://schemas.openxmlformats.org/presentationml/2006/main" showMasterSp="0" showMasterPhAnim="0">
   <p:cSld>
     <p:spTree>
@@ -2848,1972 +2743,6 @@
 </file>
 
 <file path=ppt/slideLayouts/slideLayout5.xml><?xml version="1.0" encoding="utf-8"?>
-<p:sldLayout xmlns:a="http://schemas.openxmlformats.org/drawingml/2006/main" xmlns:r="http://schemas.openxmlformats.org/officeDocument/2006/relationships" xmlns:p="http://schemas.openxmlformats.org/presentationml/2006/main" matchingName="Table of contents">
-  <p:cSld name="BLANK_1">
-    <p:spTree>
-      <p:nvGrpSpPr>
-        <p:cNvPr id="1" name="Shape 67"/>
-        <p:cNvGrpSpPr/>
-        <p:nvPr/>
-      </p:nvGrpSpPr>
-      <p:grpSpPr>
-        <a:xfrm>
-          <a:off x="0" y="0"/>
-          <a:ext cx="0" cy="0"/>
-          <a:chOff x="0" y="0"/>
-          <a:chExt cx="0" cy="0"/>
-        </a:xfrm>
-      </p:grpSpPr>
-      <p:sp>
-        <p:nvSpPr>
-          <p:cNvPr id="68" name="Google Shape;68;p14"/>
-          <p:cNvSpPr/>
-          <p:nvPr/>
-        </p:nvSpPr>
-        <p:spPr>
-          <a:xfrm>
-            <a:off x="4571093" y="1724375"/>
-            <a:ext cx="1167300" cy="1081800"/>
-          </a:xfrm>
-          <a:prstGeom prst="rect">
-            <a:avLst/>
-          </a:prstGeom>
-          <a:noFill/>
-          <a:ln w="9525" cap="flat" cmpd="sng">
-            <a:solidFill>
-              <a:schemeClr val="dk1"/>
-            </a:solidFill>
-            <a:prstDash val="solid"/>
-            <a:round/>
-            <a:headEnd type="none" w="sm" len="sm"/>
-            <a:tailEnd type="none" w="sm" len="sm"/>
-          </a:ln>
-        </p:spPr>
-        <p:txBody>
-          <a:bodyPr spcFirstLastPara="1" wrap="square" lIns="91425" tIns="91425" rIns="91425" bIns="91425" anchor="ctr" anchorCtr="0">
-            <a:noAutofit/>
-          </a:bodyPr>
-          <a:lstStyle/>
-          <a:p>
-            <a:pPr marL="0" lvl="0" indent="0" algn="l" rtl="0">
-              <a:spcBef>
-                <a:spcPts val="0"/>
-              </a:spcBef>
-              <a:spcAft>
-                <a:spcPts val="0"/>
-              </a:spcAft>
-              <a:buNone/>
-            </a:pPr>
-            <a:endParaRPr/>
-          </a:p>
-        </p:txBody>
-      </p:sp>
-      <p:sp>
-        <p:nvSpPr>
-          <p:cNvPr id="69" name="Google Shape;69;p14"/>
-          <p:cNvSpPr/>
-          <p:nvPr/>
-        </p:nvSpPr>
-        <p:spPr>
-          <a:xfrm>
-            <a:off x="7253068" y="1724375"/>
-            <a:ext cx="1167300" cy="1081800"/>
-          </a:xfrm>
-          <a:prstGeom prst="rect">
-            <a:avLst/>
-          </a:prstGeom>
-          <a:noFill/>
-          <a:ln w="9525" cap="flat" cmpd="sng">
-            <a:solidFill>
-              <a:schemeClr val="dk1"/>
-            </a:solidFill>
-            <a:prstDash val="solid"/>
-            <a:round/>
-            <a:headEnd type="none" w="sm" len="sm"/>
-            <a:tailEnd type="none" w="sm" len="sm"/>
-          </a:ln>
-        </p:spPr>
-        <p:txBody>
-          <a:bodyPr spcFirstLastPara="1" wrap="square" lIns="91425" tIns="91425" rIns="91425" bIns="91425" anchor="ctr" anchorCtr="0">
-            <a:noAutofit/>
-          </a:bodyPr>
-          <a:lstStyle/>
-          <a:p>
-            <a:pPr marL="0" lvl="0" indent="0" algn="l" rtl="0">
-              <a:spcBef>
-                <a:spcPts val="0"/>
-              </a:spcBef>
-              <a:spcAft>
-                <a:spcPts val="0"/>
-              </a:spcAft>
-              <a:buNone/>
-            </a:pPr>
-            <a:endParaRPr/>
-          </a:p>
-        </p:txBody>
-      </p:sp>
-      <p:sp>
-        <p:nvSpPr>
-          <p:cNvPr id="70" name="Google Shape;70;p14"/>
-          <p:cNvSpPr/>
-          <p:nvPr/>
-        </p:nvSpPr>
-        <p:spPr>
-          <a:xfrm>
-            <a:off x="1889118" y="1724375"/>
-            <a:ext cx="1167300" cy="1081800"/>
-          </a:xfrm>
-          <a:prstGeom prst="rect">
-            <a:avLst/>
-          </a:prstGeom>
-          <a:noFill/>
-          <a:ln w="9525" cap="flat" cmpd="sng">
-            <a:solidFill>
-              <a:schemeClr val="dk1"/>
-            </a:solidFill>
-            <a:prstDash val="solid"/>
-            <a:round/>
-            <a:headEnd type="none" w="sm" len="sm"/>
-            <a:tailEnd type="none" w="sm" len="sm"/>
-          </a:ln>
-        </p:spPr>
-        <p:txBody>
-          <a:bodyPr spcFirstLastPara="1" wrap="square" lIns="91425" tIns="91425" rIns="91425" bIns="91425" anchor="ctr" anchorCtr="0">
-            <a:noAutofit/>
-          </a:bodyPr>
-          <a:lstStyle/>
-          <a:p>
-            <a:pPr marL="0" lvl="0" indent="0" algn="l" rtl="0">
-              <a:spcBef>
-                <a:spcPts val="0"/>
-              </a:spcBef>
-              <a:spcAft>
-                <a:spcPts val="0"/>
-              </a:spcAft>
-              <a:buNone/>
-            </a:pPr>
-            <a:endParaRPr/>
-          </a:p>
-        </p:txBody>
-      </p:sp>
-      <p:sp>
-        <p:nvSpPr>
-          <p:cNvPr id="71" name="Google Shape;71;p14"/>
-          <p:cNvSpPr txBox="1">
-            <a:spLocks noGrp="1"/>
-          </p:cNvSpPr>
-          <p:nvPr>
-            <p:ph type="title"/>
-          </p:nvPr>
-        </p:nvSpPr>
-        <p:spPr>
-          <a:xfrm>
-            <a:off x="720000" y="2806229"/>
-            <a:ext cx="2336400" cy="527700"/>
-          </a:xfrm>
-          <a:prstGeom prst="rect">
-            <a:avLst/>
-          </a:prstGeom>
-          <a:noFill/>
-          <a:ln w="9525" cap="flat" cmpd="sng">
-            <a:solidFill>
-              <a:schemeClr val="dk1"/>
-            </a:solidFill>
-            <a:prstDash val="solid"/>
-            <a:round/>
-            <a:headEnd type="none" w="sm" len="sm"/>
-            <a:tailEnd type="none" w="sm" len="sm"/>
-          </a:ln>
-        </p:spPr>
-        <p:txBody>
-          <a:bodyPr spcFirstLastPara="1" wrap="square" lIns="0" tIns="0" rIns="0" bIns="0" anchor="ctr" anchorCtr="0">
-            <a:noAutofit/>
-          </a:bodyPr>
-          <a:lstStyle>
-            <a:lvl1pPr lvl="0" algn="ctr" rtl="0">
-              <a:spcBef>
-                <a:spcPts val="0"/>
-              </a:spcBef>
-              <a:spcAft>
-                <a:spcPts val="0"/>
-              </a:spcAft>
-              <a:buSzPts val="2400"/>
-              <a:buNone/>
-              <a:defRPr sz="2200"/>
-            </a:lvl1pPr>
-            <a:lvl2pPr lvl="1" rtl="0">
-              <a:spcBef>
-                <a:spcPts val="0"/>
-              </a:spcBef>
-              <a:spcAft>
-                <a:spcPts val="0"/>
-              </a:spcAft>
-              <a:buSzPts val="2400"/>
-              <a:buNone/>
-              <a:defRPr sz="2400"/>
-            </a:lvl2pPr>
-            <a:lvl3pPr lvl="2" rtl="0">
-              <a:spcBef>
-                <a:spcPts val="0"/>
-              </a:spcBef>
-              <a:spcAft>
-                <a:spcPts val="0"/>
-              </a:spcAft>
-              <a:buSzPts val="2400"/>
-              <a:buNone/>
-              <a:defRPr sz="2400"/>
-            </a:lvl3pPr>
-            <a:lvl4pPr lvl="3" rtl="0">
-              <a:spcBef>
-                <a:spcPts val="0"/>
-              </a:spcBef>
-              <a:spcAft>
-                <a:spcPts val="0"/>
-              </a:spcAft>
-              <a:buSzPts val="2400"/>
-              <a:buNone/>
-              <a:defRPr sz="2400"/>
-            </a:lvl4pPr>
-            <a:lvl5pPr lvl="4" rtl="0">
-              <a:spcBef>
-                <a:spcPts val="0"/>
-              </a:spcBef>
-              <a:spcAft>
-                <a:spcPts val="0"/>
-              </a:spcAft>
-              <a:buSzPts val="2400"/>
-              <a:buNone/>
-              <a:defRPr sz="2400"/>
-            </a:lvl5pPr>
-            <a:lvl6pPr lvl="5" rtl="0">
-              <a:spcBef>
-                <a:spcPts val="0"/>
-              </a:spcBef>
-              <a:spcAft>
-                <a:spcPts val="0"/>
-              </a:spcAft>
-              <a:buSzPts val="2400"/>
-              <a:buNone/>
-              <a:defRPr sz="2400"/>
-            </a:lvl6pPr>
-            <a:lvl7pPr lvl="6" rtl="0">
-              <a:spcBef>
-                <a:spcPts val="0"/>
-              </a:spcBef>
-              <a:spcAft>
-                <a:spcPts val="0"/>
-              </a:spcAft>
-              <a:buSzPts val="2400"/>
-              <a:buNone/>
-              <a:defRPr sz="2400"/>
-            </a:lvl7pPr>
-            <a:lvl8pPr lvl="7" rtl="0">
-              <a:spcBef>
-                <a:spcPts val="0"/>
-              </a:spcBef>
-              <a:spcAft>
-                <a:spcPts val="0"/>
-              </a:spcAft>
-              <a:buSzPts val="2400"/>
-              <a:buNone/>
-              <a:defRPr sz="2400"/>
-            </a:lvl8pPr>
-            <a:lvl9pPr lvl="8" rtl="0">
-              <a:spcBef>
-                <a:spcPts val="0"/>
-              </a:spcBef>
-              <a:spcAft>
-                <a:spcPts val="0"/>
-              </a:spcAft>
-              <a:buSzPts val="2400"/>
-              <a:buNone/>
-              <a:defRPr sz="2400"/>
-            </a:lvl9pPr>
-          </a:lstStyle>
-          <a:p>
-            <a:endParaRPr/>
-          </a:p>
-        </p:txBody>
-      </p:sp>
-      <p:sp>
-        <p:nvSpPr>
-          <p:cNvPr id="72" name="Google Shape;72;p14"/>
-          <p:cNvSpPr txBox="1">
-            <a:spLocks noGrp="1"/>
-          </p:cNvSpPr>
-          <p:nvPr>
-            <p:ph type="title" idx="2" hasCustomPrompt="1"/>
-          </p:nvPr>
-        </p:nvSpPr>
-        <p:spPr>
-          <a:xfrm>
-            <a:off x="720000" y="1724388"/>
-            <a:ext cx="1167300" cy="1081800"/>
-          </a:xfrm>
-          <a:prstGeom prst="rect">
-            <a:avLst/>
-          </a:prstGeom>
-          <a:noFill/>
-          <a:ln w="9525" cap="flat" cmpd="sng">
-            <a:solidFill>
-              <a:schemeClr val="dk1"/>
-            </a:solidFill>
-            <a:prstDash val="solid"/>
-            <a:round/>
-            <a:headEnd type="none" w="sm" len="sm"/>
-            <a:tailEnd type="none" w="sm" len="sm"/>
-          </a:ln>
-        </p:spPr>
-        <p:txBody>
-          <a:bodyPr spcFirstLastPara="1" wrap="square" lIns="0" tIns="0" rIns="0" bIns="0" anchor="ctr" anchorCtr="0">
-            <a:noAutofit/>
-          </a:bodyPr>
-          <a:lstStyle>
-            <a:lvl1pPr lvl="0" algn="ctr" rtl="0">
-              <a:spcBef>
-                <a:spcPts val="0"/>
-              </a:spcBef>
-              <a:spcAft>
-                <a:spcPts val="0"/>
-              </a:spcAft>
-              <a:buClr>
-                <a:schemeClr val="dk1"/>
-              </a:buClr>
-              <a:buSzPts val="3000"/>
-              <a:buNone/>
-              <a:defRPr sz="6000">
-                <a:solidFill>
-                  <a:schemeClr val="lt1"/>
-                </a:solidFill>
-              </a:defRPr>
-            </a:lvl1pPr>
-            <a:lvl2pPr lvl="1" rtl="0">
-              <a:spcBef>
-                <a:spcPts val="0"/>
-              </a:spcBef>
-              <a:spcAft>
-                <a:spcPts val="0"/>
-              </a:spcAft>
-              <a:buClr>
-                <a:schemeClr val="dk1"/>
-              </a:buClr>
-              <a:buSzPts val="3000"/>
-              <a:buNone/>
-              <a:defRPr sz="3000">
-                <a:solidFill>
-                  <a:schemeClr val="dk1"/>
-                </a:solidFill>
-              </a:defRPr>
-            </a:lvl2pPr>
-            <a:lvl3pPr lvl="2" rtl="0">
-              <a:spcBef>
-                <a:spcPts val="0"/>
-              </a:spcBef>
-              <a:spcAft>
-                <a:spcPts val="0"/>
-              </a:spcAft>
-              <a:buClr>
-                <a:schemeClr val="dk1"/>
-              </a:buClr>
-              <a:buSzPts val="3000"/>
-              <a:buNone/>
-              <a:defRPr sz="3000">
-                <a:solidFill>
-                  <a:schemeClr val="dk1"/>
-                </a:solidFill>
-              </a:defRPr>
-            </a:lvl3pPr>
-            <a:lvl4pPr lvl="3" rtl="0">
-              <a:spcBef>
-                <a:spcPts val="0"/>
-              </a:spcBef>
-              <a:spcAft>
-                <a:spcPts val="0"/>
-              </a:spcAft>
-              <a:buClr>
-                <a:schemeClr val="dk1"/>
-              </a:buClr>
-              <a:buSzPts val="3000"/>
-              <a:buNone/>
-              <a:defRPr sz="3000">
-                <a:solidFill>
-                  <a:schemeClr val="dk1"/>
-                </a:solidFill>
-              </a:defRPr>
-            </a:lvl4pPr>
-            <a:lvl5pPr lvl="4" rtl="0">
-              <a:spcBef>
-                <a:spcPts val="0"/>
-              </a:spcBef>
-              <a:spcAft>
-                <a:spcPts val="0"/>
-              </a:spcAft>
-              <a:buClr>
-                <a:schemeClr val="dk1"/>
-              </a:buClr>
-              <a:buSzPts val="3000"/>
-              <a:buNone/>
-              <a:defRPr sz="3000">
-                <a:solidFill>
-                  <a:schemeClr val="dk1"/>
-                </a:solidFill>
-              </a:defRPr>
-            </a:lvl5pPr>
-            <a:lvl6pPr lvl="5" rtl="0">
-              <a:spcBef>
-                <a:spcPts val="0"/>
-              </a:spcBef>
-              <a:spcAft>
-                <a:spcPts val="0"/>
-              </a:spcAft>
-              <a:buClr>
-                <a:schemeClr val="dk1"/>
-              </a:buClr>
-              <a:buSzPts val="3000"/>
-              <a:buNone/>
-              <a:defRPr sz="3000">
-                <a:solidFill>
-                  <a:schemeClr val="dk1"/>
-                </a:solidFill>
-              </a:defRPr>
-            </a:lvl6pPr>
-            <a:lvl7pPr lvl="6" rtl="0">
-              <a:spcBef>
-                <a:spcPts val="0"/>
-              </a:spcBef>
-              <a:spcAft>
-                <a:spcPts val="0"/>
-              </a:spcAft>
-              <a:buClr>
-                <a:schemeClr val="dk1"/>
-              </a:buClr>
-              <a:buSzPts val="3000"/>
-              <a:buNone/>
-              <a:defRPr sz="3000">
-                <a:solidFill>
-                  <a:schemeClr val="dk1"/>
-                </a:solidFill>
-              </a:defRPr>
-            </a:lvl7pPr>
-            <a:lvl8pPr lvl="7" rtl="0">
-              <a:spcBef>
-                <a:spcPts val="0"/>
-              </a:spcBef>
-              <a:spcAft>
-                <a:spcPts val="0"/>
-              </a:spcAft>
-              <a:buClr>
-                <a:schemeClr val="dk1"/>
-              </a:buClr>
-              <a:buSzPts val="3000"/>
-              <a:buNone/>
-              <a:defRPr sz="3000">
-                <a:solidFill>
-                  <a:schemeClr val="dk1"/>
-                </a:solidFill>
-              </a:defRPr>
-            </a:lvl8pPr>
-            <a:lvl9pPr lvl="8" rtl="0">
-              <a:spcBef>
-                <a:spcPts val="0"/>
-              </a:spcBef>
-              <a:spcAft>
-                <a:spcPts val="0"/>
-              </a:spcAft>
-              <a:buClr>
-                <a:schemeClr val="dk1"/>
-              </a:buClr>
-              <a:buSzPts val="3000"/>
-              <a:buNone/>
-              <a:defRPr sz="3000">
-                <a:solidFill>
-                  <a:schemeClr val="dk1"/>
-                </a:solidFill>
-              </a:defRPr>
-            </a:lvl9pPr>
-          </a:lstStyle>
-          <a:p>
-            <a:r>
-              <a:t>xx%</a:t>
-            </a:r>
-          </a:p>
-        </p:txBody>
-      </p:sp>
-      <p:sp>
-        <p:nvSpPr>
-          <p:cNvPr id="73" name="Google Shape;73;p14"/>
-          <p:cNvSpPr txBox="1">
-            <a:spLocks noGrp="1"/>
-          </p:cNvSpPr>
-          <p:nvPr>
-            <p:ph type="subTitle" idx="1"/>
-          </p:nvPr>
-        </p:nvSpPr>
-        <p:spPr>
-          <a:xfrm>
-            <a:off x="720000" y="3444926"/>
-            <a:ext cx="2336400" cy="484800"/>
-          </a:xfrm>
-          <a:prstGeom prst="rect">
-            <a:avLst/>
-          </a:prstGeom>
-        </p:spPr>
-        <p:txBody>
-          <a:bodyPr spcFirstLastPara="1" wrap="square" lIns="91425" tIns="91425" rIns="91425" bIns="91425" anchor="ctr" anchorCtr="0">
-            <a:noAutofit/>
-          </a:bodyPr>
-          <a:lstStyle>
-            <a:lvl1pPr lvl="0" algn="ctr" rtl="0">
-              <a:lnSpc>
-                <a:spcPct val="100000"/>
-              </a:lnSpc>
-              <a:spcBef>
-                <a:spcPts val="0"/>
-              </a:spcBef>
-              <a:spcAft>
-                <a:spcPts val="0"/>
-              </a:spcAft>
-              <a:buSzPts val="1400"/>
-              <a:buNone/>
-              <a:defRPr sz="1400">
-                <a:solidFill>
-                  <a:schemeClr val="dk1"/>
-                </a:solidFill>
-              </a:defRPr>
-            </a:lvl1pPr>
-            <a:lvl2pPr lvl="1" rtl="0">
-              <a:lnSpc>
-                <a:spcPct val="100000"/>
-              </a:lnSpc>
-              <a:spcBef>
-                <a:spcPts val="0"/>
-              </a:spcBef>
-              <a:spcAft>
-                <a:spcPts val="0"/>
-              </a:spcAft>
-              <a:buSzPts val="1400"/>
-              <a:buNone/>
-              <a:defRPr/>
-            </a:lvl2pPr>
-            <a:lvl3pPr lvl="2" rtl="0">
-              <a:lnSpc>
-                <a:spcPct val="100000"/>
-              </a:lnSpc>
-              <a:spcBef>
-                <a:spcPts val="0"/>
-              </a:spcBef>
-              <a:spcAft>
-                <a:spcPts val="0"/>
-              </a:spcAft>
-              <a:buSzPts val="1400"/>
-              <a:buNone/>
-              <a:defRPr/>
-            </a:lvl3pPr>
-            <a:lvl4pPr lvl="3" rtl="0">
-              <a:lnSpc>
-                <a:spcPct val="100000"/>
-              </a:lnSpc>
-              <a:spcBef>
-                <a:spcPts val="0"/>
-              </a:spcBef>
-              <a:spcAft>
-                <a:spcPts val="0"/>
-              </a:spcAft>
-              <a:buSzPts val="1400"/>
-              <a:buNone/>
-              <a:defRPr/>
-            </a:lvl4pPr>
-            <a:lvl5pPr lvl="4" rtl="0">
-              <a:lnSpc>
-                <a:spcPct val="100000"/>
-              </a:lnSpc>
-              <a:spcBef>
-                <a:spcPts val="0"/>
-              </a:spcBef>
-              <a:spcAft>
-                <a:spcPts val="0"/>
-              </a:spcAft>
-              <a:buSzPts val="1400"/>
-              <a:buNone/>
-              <a:defRPr/>
-            </a:lvl5pPr>
-            <a:lvl6pPr lvl="5" rtl="0">
-              <a:lnSpc>
-                <a:spcPct val="100000"/>
-              </a:lnSpc>
-              <a:spcBef>
-                <a:spcPts val="0"/>
-              </a:spcBef>
-              <a:spcAft>
-                <a:spcPts val="0"/>
-              </a:spcAft>
-              <a:buSzPts val="1400"/>
-              <a:buNone/>
-              <a:defRPr/>
-            </a:lvl6pPr>
-            <a:lvl7pPr lvl="6" rtl="0">
-              <a:lnSpc>
-                <a:spcPct val="100000"/>
-              </a:lnSpc>
-              <a:spcBef>
-                <a:spcPts val="0"/>
-              </a:spcBef>
-              <a:spcAft>
-                <a:spcPts val="0"/>
-              </a:spcAft>
-              <a:buSzPts val="1400"/>
-              <a:buNone/>
-              <a:defRPr/>
-            </a:lvl7pPr>
-            <a:lvl8pPr lvl="7" rtl="0">
-              <a:lnSpc>
-                <a:spcPct val="100000"/>
-              </a:lnSpc>
-              <a:spcBef>
-                <a:spcPts val="0"/>
-              </a:spcBef>
-              <a:spcAft>
-                <a:spcPts val="0"/>
-              </a:spcAft>
-              <a:buSzPts val="1400"/>
-              <a:buNone/>
-              <a:defRPr/>
-            </a:lvl8pPr>
-            <a:lvl9pPr lvl="8" rtl="0">
-              <a:lnSpc>
-                <a:spcPct val="100000"/>
-              </a:lnSpc>
-              <a:spcBef>
-                <a:spcPts val="0"/>
-              </a:spcBef>
-              <a:spcAft>
-                <a:spcPts val="0"/>
-              </a:spcAft>
-              <a:buSzPts val="1400"/>
-              <a:buNone/>
-              <a:defRPr/>
-            </a:lvl9pPr>
-          </a:lstStyle>
-          <a:p>
-            <a:endParaRPr/>
-          </a:p>
-        </p:txBody>
-      </p:sp>
-      <p:sp>
-        <p:nvSpPr>
-          <p:cNvPr id="74" name="Google Shape;74;p14"/>
-          <p:cNvSpPr txBox="1">
-            <a:spLocks noGrp="1"/>
-          </p:cNvSpPr>
-          <p:nvPr>
-            <p:ph type="title" idx="3"/>
-          </p:nvPr>
-        </p:nvSpPr>
-        <p:spPr>
-          <a:xfrm>
-            <a:off x="3403800" y="2806229"/>
-            <a:ext cx="2336400" cy="527700"/>
-          </a:xfrm>
-          <a:prstGeom prst="rect">
-            <a:avLst/>
-          </a:prstGeom>
-          <a:noFill/>
-          <a:ln w="9525" cap="flat" cmpd="sng">
-            <a:solidFill>
-              <a:schemeClr val="dk1"/>
-            </a:solidFill>
-            <a:prstDash val="solid"/>
-            <a:round/>
-            <a:headEnd type="none" w="sm" len="sm"/>
-            <a:tailEnd type="none" w="sm" len="sm"/>
-          </a:ln>
-        </p:spPr>
-        <p:txBody>
-          <a:bodyPr spcFirstLastPara="1" wrap="square" lIns="0" tIns="0" rIns="0" bIns="0" anchor="ctr" anchorCtr="0">
-            <a:noAutofit/>
-          </a:bodyPr>
-          <a:lstStyle>
-            <a:lvl1pPr lvl="0" algn="ctr" rtl="0">
-              <a:spcBef>
-                <a:spcPts val="0"/>
-              </a:spcBef>
-              <a:spcAft>
-                <a:spcPts val="0"/>
-              </a:spcAft>
-              <a:buSzPts val="2400"/>
-              <a:buNone/>
-              <a:defRPr sz="2200"/>
-            </a:lvl1pPr>
-            <a:lvl2pPr lvl="1" rtl="0">
-              <a:spcBef>
-                <a:spcPts val="0"/>
-              </a:spcBef>
-              <a:spcAft>
-                <a:spcPts val="0"/>
-              </a:spcAft>
-              <a:buSzPts val="2400"/>
-              <a:buNone/>
-              <a:defRPr sz="2400"/>
-            </a:lvl2pPr>
-            <a:lvl3pPr lvl="2" rtl="0">
-              <a:spcBef>
-                <a:spcPts val="0"/>
-              </a:spcBef>
-              <a:spcAft>
-                <a:spcPts val="0"/>
-              </a:spcAft>
-              <a:buSzPts val="2400"/>
-              <a:buNone/>
-              <a:defRPr sz="2400"/>
-            </a:lvl3pPr>
-            <a:lvl4pPr lvl="3" rtl="0">
-              <a:spcBef>
-                <a:spcPts val="0"/>
-              </a:spcBef>
-              <a:spcAft>
-                <a:spcPts val="0"/>
-              </a:spcAft>
-              <a:buSzPts val="2400"/>
-              <a:buNone/>
-              <a:defRPr sz="2400"/>
-            </a:lvl4pPr>
-            <a:lvl5pPr lvl="4" rtl="0">
-              <a:spcBef>
-                <a:spcPts val="0"/>
-              </a:spcBef>
-              <a:spcAft>
-                <a:spcPts val="0"/>
-              </a:spcAft>
-              <a:buSzPts val="2400"/>
-              <a:buNone/>
-              <a:defRPr sz="2400"/>
-            </a:lvl5pPr>
-            <a:lvl6pPr lvl="5" rtl="0">
-              <a:spcBef>
-                <a:spcPts val="0"/>
-              </a:spcBef>
-              <a:spcAft>
-                <a:spcPts val="0"/>
-              </a:spcAft>
-              <a:buSzPts val="2400"/>
-              <a:buNone/>
-              <a:defRPr sz="2400"/>
-            </a:lvl6pPr>
-            <a:lvl7pPr lvl="6" rtl="0">
-              <a:spcBef>
-                <a:spcPts val="0"/>
-              </a:spcBef>
-              <a:spcAft>
-                <a:spcPts val="0"/>
-              </a:spcAft>
-              <a:buSzPts val="2400"/>
-              <a:buNone/>
-              <a:defRPr sz="2400"/>
-            </a:lvl7pPr>
-            <a:lvl8pPr lvl="7" rtl="0">
-              <a:spcBef>
-                <a:spcPts val="0"/>
-              </a:spcBef>
-              <a:spcAft>
-                <a:spcPts val="0"/>
-              </a:spcAft>
-              <a:buSzPts val="2400"/>
-              <a:buNone/>
-              <a:defRPr sz="2400"/>
-            </a:lvl8pPr>
-            <a:lvl9pPr lvl="8" rtl="0">
-              <a:spcBef>
-                <a:spcPts val="0"/>
-              </a:spcBef>
-              <a:spcAft>
-                <a:spcPts val="0"/>
-              </a:spcAft>
-              <a:buSzPts val="2400"/>
-              <a:buNone/>
-              <a:defRPr sz="2400"/>
-            </a:lvl9pPr>
-          </a:lstStyle>
-          <a:p>
-            <a:endParaRPr/>
-          </a:p>
-        </p:txBody>
-      </p:sp>
-      <p:sp>
-        <p:nvSpPr>
-          <p:cNvPr id="75" name="Google Shape;75;p14"/>
-          <p:cNvSpPr txBox="1">
-            <a:spLocks noGrp="1"/>
-          </p:cNvSpPr>
-          <p:nvPr>
-            <p:ph type="title" idx="4" hasCustomPrompt="1"/>
-          </p:nvPr>
-        </p:nvSpPr>
-        <p:spPr>
-          <a:xfrm>
-            <a:off x="3403800" y="1724375"/>
-            <a:ext cx="1167300" cy="1081800"/>
-          </a:xfrm>
-          <a:prstGeom prst="rect">
-            <a:avLst/>
-          </a:prstGeom>
-          <a:noFill/>
-          <a:ln w="9525" cap="flat" cmpd="sng">
-            <a:solidFill>
-              <a:schemeClr val="dk1"/>
-            </a:solidFill>
-            <a:prstDash val="solid"/>
-            <a:round/>
-            <a:headEnd type="none" w="sm" len="sm"/>
-            <a:tailEnd type="none" w="sm" len="sm"/>
-          </a:ln>
-        </p:spPr>
-        <p:txBody>
-          <a:bodyPr spcFirstLastPara="1" wrap="square" lIns="0" tIns="0" rIns="0" bIns="0" anchor="ctr" anchorCtr="0">
-            <a:noAutofit/>
-          </a:bodyPr>
-          <a:lstStyle>
-            <a:lvl1pPr lvl="0" algn="ctr" rtl="0">
-              <a:spcBef>
-                <a:spcPts val="0"/>
-              </a:spcBef>
-              <a:spcAft>
-                <a:spcPts val="0"/>
-              </a:spcAft>
-              <a:buClr>
-                <a:schemeClr val="dk1"/>
-              </a:buClr>
-              <a:buSzPts val="3000"/>
-              <a:buNone/>
-              <a:defRPr sz="6000">
-                <a:solidFill>
-                  <a:schemeClr val="lt1"/>
-                </a:solidFill>
-              </a:defRPr>
-            </a:lvl1pPr>
-            <a:lvl2pPr lvl="1" rtl="0">
-              <a:spcBef>
-                <a:spcPts val="0"/>
-              </a:spcBef>
-              <a:spcAft>
-                <a:spcPts val="0"/>
-              </a:spcAft>
-              <a:buClr>
-                <a:schemeClr val="dk1"/>
-              </a:buClr>
-              <a:buSzPts val="3000"/>
-              <a:buNone/>
-              <a:defRPr sz="3000">
-                <a:solidFill>
-                  <a:schemeClr val="dk1"/>
-                </a:solidFill>
-              </a:defRPr>
-            </a:lvl2pPr>
-            <a:lvl3pPr lvl="2" rtl="0">
-              <a:spcBef>
-                <a:spcPts val="0"/>
-              </a:spcBef>
-              <a:spcAft>
-                <a:spcPts val="0"/>
-              </a:spcAft>
-              <a:buClr>
-                <a:schemeClr val="dk1"/>
-              </a:buClr>
-              <a:buSzPts val="3000"/>
-              <a:buNone/>
-              <a:defRPr sz="3000">
-                <a:solidFill>
-                  <a:schemeClr val="dk1"/>
-                </a:solidFill>
-              </a:defRPr>
-            </a:lvl3pPr>
-            <a:lvl4pPr lvl="3" rtl="0">
-              <a:spcBef>
-                <a:spcPts val="0"/>
-              </a:spcBef>
-              <a:spcAft>
-                <a:spcPts val="0"/>
-              </a:spcAft>
-              <a:buClr>
-                <a:schemeClr val="dk1"/>
-              </a:buClr>
-              <a:buSzPts val="3000"/>
-              <a:buNone/>
-              <a:defRPr sz="3000">
-                <a:solidFill>
-                  <a:schemeClr val="dk1"/>
-                </a:solidFill>
-              </a:defRPr>
-            </a:lvl4pPr>
-            <a:lvl5pPr lvl="4" rtl="0">
-              <a:spcBef>
-                <a:spcPts val="0"/>
-              </a:spcBef>
-              <a:spcAft>
-                <a:spcPts val="0"/>
-              </a:spcAft>
-              <a:buClr>
-                <a:schemeClr val="dk1"/>
-              </a:buClr>
-              <a:buSzPts val="3000"/>
-              <a:buNone/>
-              <a:defRPr sz="3000">
-                <a:solidFill>
-                  <a:schemeClr val="dk1"/>
-                </a:solidFill>
-              </a:defRPr>
-            </a:lvl5pPr>
-            <a:lvl6pPr lvl="5" rtl="0">
-              <a:spcBef>
-                <a:spcPts val="0"/>
-              </a:spcBef>
-              <a:spcAft>
-                <a:spcPts val="0"/>
-              </a:spcAft>
-              <a:buClr>
-                <a:schemeClr val="dk1"/>
-              </a:buClr>
-              <a:buSzPts val="3000"/>
-              <a:buNone/>
-              <a:defRPr sz="3000">
-                <a:solidFill>
-                  <a:schemeClr val="dk1"/>
-                </a:solidFill>
-              </a:defRPr>
-            </a:lvl6pPr>
-            <a:lvl7pPr lvl="6" rtl="0">
-              <a:spcBef>
-                <a:spcPts val="0"/>
-              </a:spcBef>
-              <a:spcAft>
-                <a:spcPts val="0"/>
-              </a:spcAft>
-              <a:buClr>
-                <a:schemeClr val="dk1"/>
-              </a:buClr>
-              <a:buSzPts val="3000"/>
-              <a:buNone/>
-              <a:defRPr sz="3000">
-                <a:solidFill>
-                  <a:schemeClr val="dk1"/>
-                </a:solidFill>
-              </a:defRPr>
-            </a:lvl7pPr>
-            <a:lvl8pPr lvl="7" rtl="0">
-              <a:spcBef>
-                <a:spcPts val="0"/>
-              </a:spcBef>
-              <a:spcAft>
-                <a:spcPts val="0"/>
-              </a:spcAft>
-              <a:buClr>
-                <a:schemeClr val="dk1"/>
-              </a:buClr>
-              <a:buSzPts val="3000"/>
-              <a:buNone/>
-              <a:defRPr sz="3000">
-                <a:solidFill>
-                  <a:schemeClr val="dk1"/>
-                </a:solidFill>
-              </a:defRPr>
-            </a:lvl8pPr>
-            <a:lvl9pPr lvl="8" rtl="0">
-              <a:spcBef>
-                <a:spcPts val="0"/>
-              </a:spcBef>
-              <a:spcAft>
-                <a:spcPts val="0"/>
-              </a:spcAft>
-              <a:buClr>
-                <a:schemeClr val="dk1"/>
-              </a:buClr>
-              <a:buSzPts val="3000"/>
-              <a:buNone/>
-              <a:defRPr sz="3000">
-                <a:solidFill>
-                  <a:schemeClr val="dk1"/>
-                </a:solidFill>
-              </a:defRPr>
-            </a:lvl9pPr>
-          </a:lstStyle>
-          <a:p>
-            <a:r>
-              <a:t>xx%</a:t>
-            </a:r>
-          </a:p>
-        </p:txBody>
-      </p:sp>
-      <p:sp>
-        <p:nvSpPr>
-          <p:cNvPr id="76" name="Google Shape;76;p14"/>
-          <p:cNvSpPr txBox="1">
-            <a:spLocks noGrp="1"/>
-          </p:cNvSpPr>
-          <p:nvPr>
-            <p:ph type="subTitle" idx="5"/>
-          </p:nvPr>
-        </p:nvSpPr>
-        <p:spPr>
-          <a:xfrm>
-            <a:off x="3403800" y="3444926"/>
-            <a:ext cx="2336400" cy="484800"/>
-          </a:xfrm>
-          <a:prstGeom prst="rect">
-            <a:avLst/>
-          </a:prstGeom>
-        </p:spPr>
-        <p:txBody>
-          <a:bodyPr spcFirstLastPara="1" wrap="square" lIns="91425" tIns="91425" rIns="91425" bIns="91425" anchor="ctr" anchorCtr="0">
-            <a:noAutofit/>
-          </a:bodyPr>
-          <a:lstStyle>
-            <a:lvl1pPr lvl="0" algn="ctr" rtl="0">
-              <a:lnSpc>
-                <a:spcPct val="100000"/>
-              </a:lnSpc>
-              <a:spcBef>
-                <a:spcPts val="0"/>
-              </a:spcBef>
-              <a:spcAft>
-                <a:spcPts val="0"/>
-              </a:spcAft>
-              <a:buSzPts val="1400"/>
-              <a:buNone/>
-              <a:defRPr sz="1400">
-                <a:solidFill>
-                  <a:schemeClr val="dk1"/>
-                </a:solidFill>
-              </a:defRPr>
-            </a:lvl1pPr>
-            <a:lvl2pPr lvl="1" rtl="0">
-              <a:lnSpc>
-                <a:spcPct val="100000"/>
-              </a:lnSpc>
-              <a:spcBef>
-                <a:spcPts val="0"/>
-              </a:spcBef>
-              <a:spcAft>
-                <a:spcPts val="0"/>
-              </a:spcAft>
-              <a:buSzPts val="1400"/>
-              <a:buNone/>
-              <a:defRPr/>
-            </a:lvl2pPr>
-            <a:lvl3pPr lvl="2" rtl="0">
-              <a:lnSpc>
-                <a:spcPct val="100000"/>
-              </a:lnSpc>
-              <a:spcBef>
-                <a:spcPts val="0"/>
-              </a:spcBef>
-              <a:spcAft>
-                <a:spcPts val="0"/>
-              </a:spcAft>
-              <a:buSzPts val="1400"/>
-              <a:buNone/>
-              <a:defRPr/>
-            </a:lvl3pPr>
-            <a:lvl4pPr lvl="3" rtl="0">
-              <a:lnSpc>
-                <a:spcPct val="100000"/>
-              </a:lnSpc>
-              <a:spcBef>
-                <a:spcPts val="0"/>
-              </a:spcBef>
-              <a:spcAft>
-                <a:spcPts val="0"/>
-              </a:spcAft>
-              <a:buSzPts val="1400"/>
-              <a:buNone/>
-              <a:defRPr/>
-            </a:lvl4pPr>
-            <a:lvl5pPr lvl="4" rtl="0">
-              <a:lnSpc>
-                <a:spcPct val="100000"/>
-              </a:lnSpc>
-              <a:spcBef>
-                <a:spcPts val="0"/>
-              </a:spcBef>
-              <a:spcAft>
-                <a:spcPts val="0"/>
-              </a:spcAft>
-              <a:buSzPts val="1400"/>
-              <a:buNone/>
-              <a:defRPr/>
-            </a:lvl5pPr>
-            <a:lvl6pPr lvl="5" rtl="0">
-              <a:lnSpc>
-                <a:spcPct val="100000"/>
-              </a:lnSpc>
-              <a:spcBef>
-                <a:spcPts val="0"/>
-              </a:spcBef>
-              <a:spcAft>
-                <a:spcPts val="0"/>
-              </a:spcAft>
-              <a:buSzPts val="1400"/>
-              <a:buNone/>
-              <a:defRPr/>
-            </a:lvl6pPr>
-            <a:lvl7pPr lvl="6" rtl="0">
-              <a:lnSpc>
-                <a:spcPct val="100000"/>
-              </a:lnSpc>
-              <a:spcBef>
-                <a:spcPts val="0"/>
-              </a:spcBef>
-              <a:spcAft>
-                <a:spcPts val="0"/>
-              </a:spcAft>
-              <a:buSzPts val="1400"/>
-              <a:buNone/>
-              <a:defRPr/>
-            </a:lvl7pPr>
-            <a:lvl8pPr lvl="7" rtl="0">
-              <a:lnSpc>
-                <a:spcPct val="100000"/>
-              </a:lnSpc>
-              <a:spcBef>
-                <a:spcPts val="0"/>
-              </a:spcBef>
-              <a:spcAft>
-                <a:spcPts val="0"/>
-              </a:spcAft>
-              <a:buSzPts val="1400"/>
-              <a:buNone/>
-              <a:defRPr/>
-            </a:lvl8pPr>
-            <a:lvl9pPr lvl="8" rtl="0">
-              <a:lnSpc>
-                <a:spcPct val="100000"/>
-              </a:lnSpc>
-              <a:spcBef>
-                <a:spcPts val="0"/>
-              </a:spcBef>
-              <a:spcAft>
-                <a:spcPts val="0"/>
-              </a:spcAft>
-              <a:buSzPts val="1400"/>
-              <a:buNone/>
-              <a:defRPr/>
-            </a:lvl9pPr>
-          </a:lstStyle>
-          <a:p>
-            <a:endParaRPr/>
-          </a:p>
-        </p:txBody>
-      </p:sp>
-      <p:sp>
-        <p:nvSpPr>
-          <p:cNvPr id="77" name="Google Shape;77;p14"/>
-          <p:cNvSpPr txBox="1">
-            <a:spLocks noGrp="1"/>
-          </p:cNvSpPr>
-          <p:nvPr>
-            <p:ph type="title" idx="6"/>
-          </p:nvPr>
-        </p:nvSpPr>
-        <p:spPr>
-          <a:xfrm>
-            <a:off x="6087600" y="2806229"/>
-            <a:ext cx="2336400" cy="527700"/>
-          </a:xfrm>
-          <a:prstGeom prst="rect">
-            <a:avLst/>
-          </a:prstGeom>
-          <a:noFill/>
-          <a:ln w="9525" cap="flat" cmpd="sng">
-            <a:solidFill>
-              <a:schemeClr val="dk1"/>
-            </a:solidFill>
-            <a:prstDash val="solid"/>
-            <a:round/>
-            <a:headEnd type="none" w="sm" len="sm"/>
-            <a:tailEnd type="none" w="sm" len="sm"/>
-          </a:ln>
-        </p:spPr>
-        <p:txBody>
-          <a:bodyPr spcFirstLastPara="1" wrap="square" lIns="0" tIns="0" rIns="0" bIns="0" anchor="ctr" anchorCtr="0">
-            <a:noAutofit/>
-          </a:bodyPr>
-          <a:lstStyle>
-            <a:lvl1pPr lvl="0" algn="ctr" rtl="0">
-              <a:spcBef>
-                <a:spcPts val="0"/>
-              </a:spcBef>
-              <a:spcAft>
-                <a:spcPts val="0"/>
-              </a:spcAft>
-              <a:buSzPts val="2400"/>
-              <a:buNone/>
-              <a:defRPr sz="2200"/>
-            </a:lvl1pPr>
-            <a:lvl2pPr lvl="1" rtl="0">
-              <a:spcBef>
-                <a:spcPts val="0"/>
-              </a:spcBef>
-              <a:spcAft>
-                <a:spcPts val="0"/>
-              </a:spcAft>
-              <a:buSzPts val="2400"/>
-              <a:buNone/>
-              <a:defRPr sz="2400"/>
-            </a:lvl2pPr>
-            <a:lvl3pPr lvl="2" rtl="0">
-              <a:spcBef>
-                <a:spcPts val="0"/>
-              </a:spcBef>
-              <a:spcAft>
-                <a:spcPts val="0"/>
-              </a:spcAft>
-              <a:buSzPts val="2400"/>
-              <a:buNone/>
-              <a:defRPr sz="2400"/>
-            </a:lvl3pPr>
-            <a:lvl4pPr lvl="3" rtl="0">
-              <a:spcBef>
-                <a:spcPts val="0"/>
-              </a:spcBef>
-              <a:spcAft>
-                <a:spcPts val="0"/>
-              </a:spcAft>
-              <a:buSzPts val="2400"/>
-              <a:buNone/>
-              <a:defRPr sz="2400"/>
-            </a:lvl4pPr>
-            <a:lvl5pPr lvl="4" rtl="0">
-              <a:spcBef>
-                <a:spcPts val="0"/>
-              </a:spcBef>
-              <a:spcAft>
-                <a:spcPts val="0"/>
-              </a:spcAft>
-              <a:buSzPts val="2400"/>
-              <a:buNone/>
-              <a:defRPr sz="2400"/>
-            </a:lvl5pPr>
-            <a:lvl6pPr lvl="5" rtl="0">
-              <a:spcBef>
-                <a:spcPts val="0"/>
-              </a:spcBef>
-              <a:spcAft>
-                <a:spcPts val="0"/>
-              </a:spcAft>
-              <a:buSzPts val="2400"/>
-              <a:buNone/>
-              <a:defRPr sz="2400"/>
-            </a:lvl6pPr>
-            <a:lvl7pPr lvl="6" rtl="0">
-              <a:spcBef>
-                <a:spcPts val="0"/>
-              </a:spcBef>
-              <a:spcAft>
-                <a:spcPts val="0"/>
-              </a:spcAft>
-              <a:buSzPts val="2400"/>
-              <a:buNone/>
-              <a:defRPr sz="2400"/>
-            </a:lvl7pPr>
-            <a:lvl8pPr lvl="7" rtl="0">
-              <a:spcBef>
-                <a:spcPts val="0"/>
-              </a:spcBef>
-              <a:spcAft>
-                <a:spcPts val="0"/>
-              </a:spcAft>
-              <a:buSzPts val="2400"/>
-              <a:buNone/>
-              <a:defRPr sz="2400"/>
-            </a:lvl8pPr>
-            <a:lvl9pPr lvl="8" rtl="0">
-              <a:spcBef>
-                <a:spcPts val="0"/>
-              </a:spcBef>
-              <a:spcAft>
-                <a:spcPts val="0"/>
-              </a:spcAft>
-              <a:buSzPts val="2400"/>
-              <a:buNone/>
-              <a:defRPr sz="2400"/>
-            </a:lvl9pPr>
-          </a:lstStyle>
-          <a:p>
-            <a:endParaRPr/>
-          </a:p>
-        </p:txBody>
-      </p:sp>
-      <p:sp>
-        <p:nvSpPr>
-          <p:cNvPr id="78" name="Google Shape;78;p14"/>
-          <p:cNvSpPr txBox="1">
-            <a:spLocks noGrp="1"/>
-          </p:cNvSpPr>
-          <p:nvPr>
-            <p:ph type="title" idx="7" hasCustomPrompt="1"/>
-          </p:nvPr>
-        </p:nvSpPr>
-        <p:spPr>
-          <a:xfrm>
-            <a:off x="6087600" y="1724375"/>
-            <a:ext cx="1167300" cy="1081800"/>
-          </a:xfrm>
-          <a:prstGeom prst="rect">
-            <a:avLst/>
-          </a:prstGeom>
-          <a:noFill/>
-          <a:ln w="9525" cap="flat" cmpd="sng">
-            <a:solidFill>
-              <a:schemeClr val="dk1"/>
-            </a:solidFill>
-            <a:prstDash val="solid"/>
-            <a:round/>
-            <a:headEnd type="none" w="sm" len="sm"/>
-            <a:tailEnd type="none" w="sm" len="sm"/>
-          </a:ln>
-        </p:spPr>
-        <p:txBody>
-          <a:bodyPr spcFirstLastPara="1" wrap="square" lIns="0" tIns="0" rIns="0" bIns="0" anchor="ctr" anchorCtr="0">
-            <a:noAutofit/>
-          </a:bodyPr>
-          <a:lstStyle>
-            <a:lvl1pPr lvl="0" algn="ctr" rtl="0">
-              <a:spcBef>
-                <a:spcPts val="0"/>
-              </a:spcBef>
-              <a:spcAft>
-                <a:spcPts val="0"/>
-              </a:spcAft>
-              <a:buClr>
-                <a:schemeClr val="dk1"/>
-              </a:buClr>
-              <a:buSzPts val="3000"/>
-              <a:buNone/>
-              <a:defRPr sz="6000">
-                <a:solidFill>
-                  <a:schemeClr val="lt1"/>
-                </a:solidFill>
-              </a:defRPr>
-            </a:lvl1pPr>
-            <a:lvl2pPr lvl="1" rtl="0">
-              <a:spcBef>
-                <a:spcPts val="0"/>
-              </a:spcBef>
-              <a:spcAft>
-                <a:spcPts val="0"/>
-              </a:spcAft>
-              <a:buClr>
-                <a:schemeClr val="dk1"/>
-              </a:buClr>
-              <a:buSzPts val="3000"/>
-              <a:buNone/>
-              <a:defRPr sz="3000">
-                <a:solidFill>
-                  <a:schemeClr val="dk1"/>
-                </a:solidFill>
-              </a:defRPr>
-            </a:lvl2pPr>
-            <a:lvl3pPr lvl="2" rtl="0">
-              <a:spcBef>
-                <a:spcPts val="0"/>
-              </a:spcBef>
-              <a:spcAft>
-                <a:spcPts val="0"/>
-              </a:spcAft>
-              <a:buClr>
-                <a:schemeClr val="dk1"/>
-              </a:buClr>
-              <a:buSzPts val="3000"/>
-              <a:buNone/>
-              <a:defRPr sz="3000">
-                <a:solidFill>
-                  <a:schemeClr val="dk1"/>
-                </a:solidFill>
-              </a:defRPr>
-            </a:lvl3pPr>
-            <a:lvl4pPr lvl="3" rtl="0">
-              <a:spcBef>
-                <a:spcPts val="0"/>
-              </a:spcBef>
-              <a:spcAft>
-                <a:spcPts val="0"/>
-              </a:spcAft>
-              <a:buClr>
-                <a:schemeClr val="dk1"/>
-              </a:buClr>
-              <a:buSzPts val="3000"/>
-              <a:buNone/>
-              <a:defRPr sz="3000">
-                <a:solidFill>
-                  <a:schemeClr val="dk1"/>
-                </a:solidFill>
-              </a:defRPr>
-            </a:lvl4pPr>
-            <a:lvl5pPr lvl="4" rtl="0">
-              <a:spcBef>
-                <a:spcPts val="0"/>
-              </a:spcBef>
-              <a:spcAft>
-                <a:spcPts val="0"/>
-              </a:spcAft>
-              <a:buClr>
-                <a:schemeClr val="dk1"/>
-              </a:buClr>
-              <a:buSzPts val="3000"/>
-              <a:buNone/>
-              <a:defRPr sz="3000">
-                <a:solidFill>
-                  <a:schemeClr val="dk1"/>
-                </a:solidFill>
-              </a:defRPr>
-            </a:lvl5pPr>
-            <a:lvl6pPr lvl="5" rtl="0">
-              <a:spcBef>
-                <a:spcPts val="0"/>
-              </a:spcBef>
-              <a:spcAft>
-                <a:spcPts val="0"/>
-              </a:spcAft>
-              <a:buClr>
-                <a:schemeClr val="dk1"/>
-              </a:buClr>
-              <a:buSzPts val="3000"/>
-              <a:buNone/>
-              <a:defRPr sz="3000">
-                <a:solidFill>
-                  <a:schemeClr val="dk1"/>
-                </a:solidFill>
-              </a:defRPr>
-            </a:lvl6pPr>
-            <a:lvl7pPr lvl="6" rtl="0">
-              <a:spcBef>
-                <a:spcPts val="0"/>
-              </a:spcBef>
-              <a:spcAft>
-                <a:spcPts val="0"/>
-              </a:spcAft>
-              <a:buClr>
-                <a:schemeClr val="dk1"/>
-              </a:buClr>
-              <a:buSzPts val="3000"/>
-              <a:buNone/>
-              <a:defRPr sz="3000">
-                <a:solidFill>
-                  <a:schemeClr val="dk1"/>
-                </a:solidFill>
-              </a:defRPr>
-            </a:lvl7pPr>
-            <a:lvl8pPr lvl="7" rtl="0">
-              <a:spcBef>
-                <a:spcPts val="0"/>
-              </a:spcBef>
-              <a:spcAft>
-                <a:spcPts val="0"/>
-              </a:spcAft>
-              <a:buClr>
-                <a:schemeClr val="dk1"/>
-              </a:buClr>
-              <a:buSzPts val="3000"/>
-              <a:buNone/>
-              <a:defRPr sz="3000">
-                <a:solidFill>
-                  <a:schemeClr val="dk1"/>
-                </a:solidFill>
-              </a:defRPr>
-            </a:lvl8pPr>
-            <a:lvl9pPr lvl="8" rtl="0">
-              <a:spcBef>
-                <a:spcPts val="0"/>
-              </a:spcBef>
-              <a:spcAft>
-                <a:spcPts val="0"/>
-              </a:spcAft>
-              <a:buClr>
-                <a:schemeClr val="dk1"/>
-              </a:buClr>
-              <a:buSzPts val="3000"/>
-              <a:buNone/>
-              <a:defRPr sz="3000">
-                <a:solidFill>
-                  <a:schemeClr val="dk1"/>
-                </a:solidFill>
-              </a:defRPr>
-            </a:lvl9pPr>
-          </a:lstStyle>
-          <a:p>
-            <a:r>
-              <a:t>xx%</a:t>
-            </a:r>
-          </a:p>
-        </p:txBody>
-      </p:sp>
-      <p:sp>
-        <p:nvSpPr>
-          <p:cNvPr id="79" name="Google Shape;79;p14"/>
-          <p:cNvSpPr txBox="1">
-            <a:spLocks noGrp="1"/>
-          </p:cNvSpPr>
-          <p:nvPr>
-            <p:ph type="subTitle" idx="8"/>
-          </p:nvPr>
-        </p:nvSpPr>
-        <p:spPr>
-          <a:xfrm>
-            <a:off x="6087600" y="3444926"/>
-            <a:ext cx="2336400" cy="484800"/>
-          </a:xfrm>
-          <a:prstGeom prst="rect">
-            <a:avLst/>
-          </a:prstGeom>
-        </p:spPr>
-        <p:txBody>
-          <a:bodyPr spcFirstLastPara="1" wrap="square" lIns="91425" tIns="91425" rIns="91425" bIns="91425" anchor="ctr" anchorCtr="0">
-            <a:noAutofit/>
-          </a:bodyPr>
-          <a:lstStyle>
-            <a:lvl1pPr lvl="0" algn="ctr" rtl="0">
-              <a:lnSpc>
-                <a:spcPct val="100000"/>
-              </a:lnSpc>
-              <a:spcBef>
-                <a:spcPts val="0"/>
-              </a:spcBef>
-              <a:spcAft>
-                <a:spcPts val="0"/>
-              </a:spcAft>
-              <a:buSzPts val="1400"/>
-              <a:buNone/>
-              <a:defRPr sz="1400">
-                <a:solidFill>
-                  <a:schemeClr val="dk1"/>
-                </a:solidFill>
-              </a:defRPr>
-            </a:lvl1pPr>
-            <a:lvl2pPr lvl="1" rtl="0">
-              <a:lnSpc>
-                <a:spcPct val="100000"/>
-              </a:lnSpc>
-              <a:spcBef>
-                <a:spcPts val="0"/>
-              </a:spcBef>
-              <a:spcAft>
-                <a:spcPts val="0"/>
-              </a:spcAft>
-              <a:buSzPts val="1400"/>
-              <a:buNone/>
-              <a:defRPr/>
-            </a:lvl2pPr>
-            <a:lvl3pPr lvl="2" rtl="0">
-              <a:lnSpc>
-                <a:spcPct val="100000"/>
-              </a:lnSpc>
-              <a:spcBef>
-                <a:spcPts val="0"/>
-              </a:spcBef>
-              <a:spcAft>
-                <a:spcPts val="0"/>
-              </a:spcAft>
-              <a:buSzPts val="1400"/>
-              <a:buNone/>
-              <a:defRPr/>
-            </a:lvl3pPr>
-            <a:lvl4pPr lvl="3" rtl="0">
-              <a:lnSpc>
-                <a:spcPct val="100000"/>
-              </a:lnSpc>
-              <a:spcBef>
-                <a:spcPts val="0"/>
-              </a:spcBef>
-              <a:spcAft>
-                <a:spcPts val="0"/>
-              </a:spcAft>
-              <a:buSzPts val="1400"/>
-              <a:buNone/>
-              <a:defRPr/>
-            </a:lvl4pPr>
-            <a:lvl5pPr lvl="4" rtl="0">
-              <a:lnSpc>
-                <a:spcPct val="100000"/>
-              </a:lnSpc>
-              <a:spcBef>
-                <a:spcPts val="0"/>
-              </a:spcBef>
-              <a:spcAft>
-                <a:spcPts val="0"/>
-              </a:spcAft>
-              <a:buSzPts val="1400"/>
-              <a:buNone/>
-              <a:defRPr/>
-            </a:lvl5pPr>
-            <a:lvl6pPr lvl="5" rtl="0">
-              <a:lnSpc>
-                <a:spcPct val="100000"/>
-              </a:lnSpc>
-              <a:spcBef>
-                <a:spcPts val="0"/>
-              </a:spcBef>
-              <a:spcAft>
-                <a:spcPts val="0"/>
-              </a:spcAft>
-              <a:buSzPts val="1400"/>
-              <a:buNone/>
-              <a:defRPr/>
-            </a:lvl6pPr>
-            <a:lvl7pPr lvl="6" rtl="0">
-              <a:lnSpc>
-                <a:spcPct val="100000"/>
-              </a:lnSpc>
-              <a:spcBef>
-                <a:spcPts val="0"/>
-              </a:spcBef>
-              <a:spcAft>
-                <a:spcPts val="0"/>
-              </a:spcAft>
-              <a:buSzPts val="1400"/>
-              <a:buNone/>
-              <a:defRPr/>
-            </a:lvl7pPr>
-            <a:lvl8pPr lvl="7" rtl="0">
-              <a:lnSpc>
-                <a:spcPct val="100000"/>
-              </a:lnSpc>
-              <a:spcBef>
-                <a:spcPts val="0"/>
-              </a:spcBef>
-              <a:spcAft>
-                <a:spcPts val="0"/>
-              </a:spcAft>
-              <a:buSzPts val="1400"/>
-              <a:buNone/>
-              <a:defRPr/>
-            </a:lvl8pPr>
-            <a:lvl9pPr lvl="8" rtl="0">
-              <a:lnSpc>
-                <a:spcPct val="100000"/>
-              </a:lnSpc>
-              <a:spcBef>
-                <a:spcPts val="0"/>
-              </a:spcBef>
-              <a:spcAft>
-                <a:spcPts val="0"/>
-              </a:spcAft>
-              <a:buSzPts val="1400"/>
-              <a:buNone/>
-              <a:defRPr/>
-            </a:lvl9pPr>
-          </a:lstStyle>
-          <a:p>
-            <a:endParaRPr/>
-          </a:p>
-        </p:txBody>
-      </p:sp>
-      <p:sp>
-        <p:nvSpPr>
-          <p:cNvPr id="80" name="Google Shape;80;p14"/>
-          <p:cNvSpPr txBox="1">
-            <a:spLocks noGrp="1"/>
-          </p:cNvSpPr>
-          <p:nvPr>
-            <p:ph type="title" idx="9"/>
-          </p:nvPr>
-        </p:nvSpPr>
-        <p:spPr>
-          <a:xfrm>
-            <a:off x="720000" y="445025"/>
-            <a:ext cx="7704000" cy="457200"/>
-          </a:xfrm>
-          <a:prstGeom prst="rect">
-            <a:avLst/>
-          </a:prstGeom>
-        </p:spPr>
-        <p:txBody>
-          <a:bodyPr spcFirstLastPara="1" wrap="square" lIns="0" tIns="0" rIns="0" bIns="0" anchor="t" anchorCtr="0">
-            <a:noAutofit/>
-          </a:bodyPr>
-          <a:lstStyle>
-            <a:lvl1pPr lvl="0" rtl="0">
-              <a:spcBef>
-                <a:spcPts val="0"/>
-              </a:spcBef>
-              <a:spcAft>
-                <a:spcPts val="0"/>
-              </a:spcAft>
-              <a:buSzPts val="3000"/>
-              <a:buNone/>
-              <a:defRPr/>
-            </a:lvl1pPr>
-            <a:lvl2pPr lvl="1" rtl="0">
-              <a:spcBef>
-                <a:spcPts val="0"/>
-              </a:spcBef>
-              <a:spcAft>
-                <a:spcPts val="0"/>
-              </a:spcAft>
-              <a:buSzPts val="3000"/>
-              <a:buNone/>
-              <a:defRPr/>
-            </a:lvl2pPr>
-            <a:lvl3pPr lvl="2" rtl="0">
-              <a:spcBef>
-                <a:spcPts val="0"/>
-              </a:spcBef>
-              <a:spcAft>
-                <a:spcPts val="0"/>
-              </a:spcAft>
-              <a:buSzPts val="3000"/>
-              <a:buNone/>
-              <a:defRPr/>
-            </a:lvl3pPr>
-            <a:lvl4pPr lvl="3" rtl="0">
-              <a:spcBef>
-                <a:spcPts val="0"/>
-              </a:spcBef>
-              <a:spcAft>
-                <a:spcPts val="0"/>
-              </a:spcAft>
-              <a:buSzPts val="3000"/>
-              <a:buNone/>
-              <a:defRPr/>
-            </a:lvl4pPr>
-            <a:lvl5pPr lvl="4" rtl="0">
-              <a:spcBef>
-                <a:spcPts val="0"/>
-              </a:spcBef>
-              <a:spcAft>
-                <a:spcPts val="0"/>
-              </a:spcAft>
-              <a:buSzPts val="3000"/>
-              <a:buNone/>
-              <a:defRPr/>
-            </a:lvl5pPr>
-            <a:lvl6pPr lvl="5" rtl="0">
-              <a:spcBef>
-                <a:spcPts val="0"/>
-              </a:spcBef>
-              <a:spcAft>
-                <a:spcPts val="0"/>
-              </a:spcAft>
-              <a:buSzPts val="3000"/>
-              <a:buNone/>
-              <a:defRPr/>
-            </a:lvl6pPr>
-            <a:lvl7pPr lvl="6" rtl="0">
-              <a:spcBef>
-                <a:spcPts val="0"/>
-              </a:spcBef>
-              <a:spcAft>
-                <a:spcPts val="0"/>
-              </a:spcAft>
-              <a:buSzPts val="3000"/>
-              <a:buNone/>
-              <a:defRPr/>
-            </a:lvl7pPr>
-            <a:lvl8pPr lvl="7" rtl="0">
-              <a:spcBef>
-                <a:spcPts val="0"/>
-              </a:spcBef>
-              <a:spcAft>
-                <a:spcPts val="0"/>
-              </a:spcAft>
-              <a:buSzPts val="3000"/>
-              <a:buNone/>
-              <a:defRPr/>
-            </a:lvl8pPr>
-            <a:lvl9pPr lvl="8" rtl="0">
-              <a:spcBef>
-                <a:spcPts val="0"/>
-              </a:spcBef>
-              <a:spcAft>
-                <a:spcPts val="0"/>
-              </a:spcAft>
-              <a:buSzPts val="3000"/>
-              <a:buNone/>
-              <a:defRPr/>
-            </a:lvl9pPr>
-          </a:lstStyle>
-          <a:p>
-            <a:endParaRPr/>
-          </a:p>
-        </p:txBody>
-      </p:sp>
-      <p:sp>
-        <p:nvSpPr>
-          <p:cNvPr id="81" name="Google Shape;81;p14"/>
-          <p:cNvSpPr/>
-          <p:nvPr/>
-        </p:nvSpPr>
-        <p:spPr>
-          <a:xfrm flipH="1">
-            <a:off x="197439" y="536511"/>
-            <a:ext cx="274325" cy="274228"/>
-          </a:xfrm>
-          <a:custGeom>
-            <a:avLst/>
-            <a:gdLst/>
-            <a:ahLst/>
-            <a:cxnLst/>
-            <a:rect l="l" t="t" r="r" b="b"/>
-            <a:pathLst>
-              <a:path w="87784" h="87753" extrusionOk="0">
-                <a:moveTo>
-                  <a:pt x="27782" y="1"/>
-                </a:moveTo>
-                <a:lnTo>
-                  <a:pt x="27782" y="27782"/>
-                </a:lnTo>
-                <a:lnTo>
-                  <a:pt x="1" y="27782"/>
-                </a:lnTo>
-                <a:lnTo>
-                  <a:pt x="1" y="59971"/>
-                </a:lnTo>
-                <a:lnTo>
-                  <a:pt x="27782" y="59971"/>
-                </a:lnTo>
-                <a:lnTo>
-                  <a:pt x="27782" y="87753"/>
-                </a:lnTo>
-                <a:lnTo>
-                  <a:pt x="59971" y="87753"/>
-                </a:lnTo>
-                <a:lnTo>
-                  <a:pt x="59971" y="59971"/>
-                </a:lnTo>
-                <a:lnTo>
-                  <a:pt x="87783" y="59971"/>
-                </a:lnTo>
-                <a:lnTo>
-                  <a:pt x="87783" y="27782"/>
-                </a:lnTo>
-                <a:lnTo>
-                  <a:pt x="59971" y="27782"/>
-                </a:lnTo>
-                <a:lnTo>
-                  <a:pt x="59971" y="1"/>
-                </a:lnTo>
-                <a:close/>
-              </a:path>
-            </a:pathLst>
-          </a:custGeom>
-          <a:solidFill>
-            <a:schemeClr val="dk2"/>
-          </a:solidFill>
-          <a:ln>
-            <a:noFill/>
-          </a:ln>
-        </p:spPr>
-        <p:txBody>
-          <a:bodyPr spcFirstLastPara="1" wrap="square" lIns="91425" tIns="91425" rIns="91425" bIns="91425" anchor="ctr" anchorCtr="0">
-            <a:noAutofit/>
-          </a:bodyPr>
-          <a:lstStyle/>
-          <a:p>
-            <a:pPr marL="0" lvl="0" indent="0" algn="l" rtl="0">
-              <a:spcBef>
-                <a:spcPts val="0"/>
-              </a:spcBef>
-              <a:spcAft>
-                <a:spcPts val="0"/>
-              </a:spcAft>
-              <a:buNone/>
-            </a:pPr>
-            <a:endParaRPr/>
-          </a:p>
-        </p:txBody>
-      </p:sp>
-      <p:sp>
-        <p:nvSpPr>
-          <p:cNvPr id="82" name="Google Shape;82;p14"/>
-          <p:cNvSpPr/>
-          <p:nvPr/>
-        </p:nvSpPr>
-        <p:spPr>
-          <a:xfrm rot="10800000">
-            <a:off x="8759400" y="225"/>
-            <a:ext cx="384600" cy="384600"/>
-          </a:xfrm>
-          <a:prstGeom prst="corner">
-            <a:avLst>
-              <a:gd name="adj1" fmla="val 50000"/>
-              <a:gd name="adj2" fmla="val 50000"/>
-            </a:avLst>
-          </a:prstGeom>
-          <a:solidFill>
-            <a:schemeClr val="dk2"/>
-          </a:solidFill>
-          <a:ln>
-            <a:noFill/>
-          </a:ln>
-        </p:spPr>
-        <p:txBody>
-          <a:bodyPr spcFirstLastPara="1" wrap="square" lIns="91425" tIns="91425" rIns="91425" bIns="91425" anchor="ctr" anchorCtr="0">
-            <a:noAutofit/>
-          </a:bodyPr>
-          <a:lstStyle/>
-          <a:p>
-            <a:pPr marL="0" lvl="0" indent="0" algn="l" rtl="0">
-              <a:spcBef>
-                <a:spcPts val="0"/>
-              </a:spcBef>
-              <a:spcAft>
-                <a:spcPts val="0"/>
-              </a:spcAft>
-              <a:buNone/>
-            </a:pPr>
-            <a:endParaRPr/>
-          </a:p>
-        </p:txBody>
-      </p:sp>
-      <p:sp>
-        <p:nvSpPr>
-          <p:cNvPr id="83" name="Google Shape;83;p14"/>
-          <p:cNvSpPr/>
-          <p:nvPr/>
-        </p:nvSpPr>
-        <p:spPr>
-          <a:xfrm>
-            <a:off x="0" y="4758900"/>
-            <a:ext cx="384600" cy="384600"/>
-          </a:xfrm>
-          <a:prstGeom prst="corner">
-            <a:avLst>
-              <a:gd name="adj1" fmla="val 50000"/>
-              <a:gd name="adj2" fmla="val 50000"/>
-            </a:avLst>
-          </a:prstGeom>
-          <a:solidFill>
-            <a:schemeClr val="dk2"/>
-          </a:solidFill>
-          <a:ln>
-            <a:noFill/>
-          </a:ln>
-        </p:spPr>
-        <p:txBody>
-          <a:bodyPr spcFirstLastPara="1" wrap="square" lIns="91425" tIns="91425" rIns="91425" bIns="91425" anchor="ctr" anchorCtr="0">
-            <a:noAutofit/>
-          </a:bodyPr>
-          <a:lstStyle/>
-          <a:p>
-            <a:pPr marL="0" lvl="0" indent="0" algn="l" rtl="0">
-              <a:spcBef>
-                <a:spcPts val="0"/>
-              </a:spcBef>
-              <a:spcAft>
-                <a:spcPts val="0"/>
-              </a:spcAft>
-              <a:buNone/>
-            </a:pPr>
-            <a:endParaRPr/>
-          </a:p>
-        </p:txBody>
-      </p:sp>
-    </p:spTree>
-  </p:cSld>
-  <p:clrMapOvr>
-    <a:masterClrMapping/>
-  </p:clrMapOvr>
-</p:sldLayout>
-</file>
-
-<file path=ppt/slideLayouts/slideLayout6.xml><?xml version="1.0" encoding="utf-8"?>
 <p:sldLayout xmlns:a="http://schemas.openxmlformats.org/drawingml/2006/main" xmlns:r="http://schemas.openxmlformats.org/officeDocument/2006/relationships" xmlns:p="http://schemas.openxmlformats.org/presentationml/2006/main" matchingName="Quote">
   <p:cSld name="BLANK_1_1">
     <p:spTree>
@@ -5209,7 +3138,7 @@
 </p:sldLayout>
 </file>
 
-<file path=ppt/slideLayouts/slideLayout7.xml><?xml version="1.0" encoding="utf-8"?>
+<file path=ppt/slideLayouts/slideLayout6.xml><?xml version="1.0" encoding="utf-8"?>
 <p:sldLayout xmlns:a="http://schemas.openxmlformats.org/drawingml/2006/main" xmlns:r="http://schemas.openxmlformats.org/officeDocument/2006/relationships" xmlns:p="http://schemas.openxmlformats.org/presentationml/2006/main" matchingName="Thanks">
   <p:cSld name="BLANK_1_1_1_1_1_1_2">
     <p:spTree>
@@ -5765,7 +3694,7 @@
 </p:sldLayout>
 </file>
 
-<file path=ppt/slideLayouts/slideLayout8.xml><?xml version="1.0" encoding="utf-8"?>
+<file path=ppt/slideLayouts/slideLayout7.xml><?xml version="1.0" encoding="utf-8"?>
 <p:sldLayout xmlns:a="http://schemas.openxmlformats.org/drawingml/2006/main" xmlns:r="http://schemas.openxmlformats.org/officeDocument/2006/relationships" xmlns:p="http://schemas.openxmlformats.org/presentationml/2006/main" matchingName="Background">
   <p:cSld name="BLANK_1_1_1_1_1_1_1">
     <p:spTree>
@@ -6443,10 +4372,9 @@
     <p:sldLayoutId id="2147483649" r:id="rId2"/>
     <p:sldLayoutId id="2147483655" r:id="rId3"/>
     <p:sldLayoutId id="2147483658" r:id="rId4"/>
-    <p:sldLayoutId id="2147483660" r:id="rId5"/>
-    <p:sldLayoutId id="2147483661" r:id="rId6"/>
-    <p:sldLayoutId id="2147483668" r:id="rId7"/>
-    <p:sldLayoutId id="2147483669" r:id="rId8"/>
+    <p:sldLayoutId id="2147483661" r:id="rId5"/>
+    <p:sldLayoutId id="2147483668" r:id="rId6"/>
+    <p:sldLayoutId id="2147483669" r:id="rId7"/>
   </p:sldLayoutIdLst>
   <p:hf hdr="0" ftr="0" dt="0"/>
   <p:txStyles>
@@ -21204,5785 +19132,6 @@
   <p:cSld>
     <p:spTree>
       <p:nvGrpSpPr>
-        <p:cNvPr id="1" name="Shape 205"/>
-        <p:cNvGrpSpPr/>
-        <p:nvPr/>
-      </p:nvGrpSpPr>
-      <p:grpSpPr>
-        <a:xfrm>
-          <a:off x="0" y="0"/>
-          <a:ext cx="0" cy="0"/>
-          <a:chOff x="0" y="0"/>
-          <a:chExt cx="0" cy="0"/>
-        </a:xfrm>
-      </p:grpSpPr>
-      <p:sp>
-        <p:nvSpPr>
-          <p:cNvPr id="206" name="Google Shape;206;p28"/>
-          <p:cNvSpPr/>
-          <p:nvPr/>
-        </p:nvSpPr>
-        <p:spPr>
-          <a:xfrm flipH="1">
-            <a:off x="7767143" y="1838550"/>
-            <a:ext cx="443968" cy="443811"/>
-          </a:xfrm>
-          <a:custGeom>
-            <a:avLst/>
-            <a:gdLst/>
-            <a:ahLst/>
-            <a:cxnLst/>
-            <a:rect l="l" t="t" r="r" b="b"/>
-            <a:pathLst>
-              <a:path w="87784" h="87753" extrusionOk="0">
-                <a:moveTo>
-                  <a:pt x="27782" y="1"/>
-                </a:moveTo>
-                <a:lnTo>
-                  <a:pt x="27782" y="27782"/>
-                </a:lnTo>
-                <a:lnTo>
-                  <a:pt x="1" y="27782"/>
-                </a:lnTo>
-                <a:lnTo>
-                  <a:pt x="1" y="59971"/>
-                </a:lnTo>
-                <a:lnTo>
-                  <a:pt x="27782" y="59971"/>
-                </a:lnTo>
-                <a:lnTo>
-                  <a:pt x="27782" y="87753"/>
-                </a:lnTo>
-                <a:lnTo>
-                  <a:pt x="59971" y="87753"/>
-                </a:lnTo>
-                <a:lnTo>
-                  <a:pt x="59971" y="59971"/>
-                </a:lnTo>
-                <a:lnTo>
-                  <a:pt x="87783" y="59971"/>
-                </a:lnTo>
-                <a:lnTo>
-                  <a:pt x="87783" y="27782"/>
-                </a:lnTo>
-                <a:lnTo>
-                  <a:pt x="59971" y="27782"/>
-                </a:lnTo>
-                <a:lnTo>
-                  <a:pt x="59971" y="1"/>
-                </a:lnTo>
-                <a:close/>
-              </a:path>
-            </a:pathLst>
-          </a:custGeom>
-          <a:solidFill>
-            <a:schemeClr val="dk2"/>
-          </a:solidFill>
-          <a:ln>
-            <a:noFill/>
-          </a:ln>
-        </p:spPr>
-        <p:txBody>
-          <a:bodyPr spcFirstLastPara="1" wrap="square" lIns="91425" tIns="91425" rIns="91425" bIns="91425" anchor="ctr" anchorCtr="0">
-            <a:noAutofit/>
-          </a:bodyPr>
-          <a:lstStyle/>
-          <a:p>
-            <a:pPr marL="0" lvl="0" indent="0" algn="l" rtl="0">
-              <a:spcBef>
-                <a:spcPts val="0"/>
-              </a:spcBef>
-              <a:spcAft>
-                <a:spcPts val="0"/>
-              </a:spcAft>
-              <a:buNone/>
-            </a:pPr>
-            <a:endParaRPr/>
-          </a:p>
-        </p:txBody>
-      </p:sp>
-      <p:sp>
-        <p:nvSpPr>
-          <p:cNvPr id="207" name="Google Shape;207;p28"/>
-          <p:cNvSpPr/>
-          <p:nvPr/>
-        </p:nvSpPr>
-        <p:spPr>
-          <a:xfrm flipH="1">
-            <a:off x="5085168" y="1838550"/>
-            <a:ext cx="443968" cy="443811"/>
-          </a:xfrm>
-          <a:custGeom>
-            <a:avLst/>
-            <a:gdLst/>
-            <a:ahLst/>
-            <a:cxnLst/>
-            <a:rect l="l" t="t" r="r" b="b"/>
-            <a:pathLst>
-              <a:path w="87784" h="87753" extrusionOk="0">
-                <a:moveTo>
-                  <a:pt x="27782" y="1"/>
-                </a:moveTo>
-                <a:lnTo>
-                  <a:pt x="27782" y="27782"/>
-                </a:lnTo>
-                <a:lnTo>
-                  <a:pt x="1" y="27782"/>
-                </a:lnTo>
-                <a:lnTo>
-                  <a:pt x="1" y="59971"/>
-                </a:lnTo>
-                <a:lnTo>
-                  <a:pt x="27782" y="59971"/>
-                </a:lnTo>
-                <a:lnTo>
-                  <a:pt x="27782" y="87753"/>
-                </a:lnTo>
-                <a:lnTo>
-                  <a:pt x="59971" y="87753"/>
-                </a:lnTo>
-                <a:lnTo>
-                  <a:pt x="59971" y="59971"/>
-                </a:lnTo>
-                <a:lnTo>
-                  <a:pt x="87783" y="59971"/>
-                </a:lnTo>
-                <a:lnTo>
-                  <a:pt x="87783" y="27782"/>
-                </a:lnTo>
-                <a:lnTo>
-                  <a:pt x="59971" y="27782"/>
-                </a:lnTo>
-                <a:lnTo>
-                  <a:pt x="59971" y="1"/>
-                </a:lnTo>
-                <a:close/>
-              </a:path>
-            </a:pathLst>
-          </a:custGeom>
-          <a:solidFill>
-            <a:schemeClr val="dk2"/>
-          </a:solidFill>
-          <a:ln>
-            <a:noFill/>
-          </a:ln>
-        </p:spPr>
-        <p:txBody>
-          <a:bodyPr spcFirstLastPara="1" wrap="square" lIns="91425" tIns="91425" rIns="91425" bIns="91425" anchor="ctr" anchorCtr="0">
-            <a:noAutofit/>
-          </a:bodyPr>
-          <a:lstStyle/>
-          <a:p>
-            <a:pPr marL="0" lvl="0" indent="0" algn="l" rtl="0">
-              <a:spcBef>
-                <a:spcPts val="0"/>
-              </a:spcBef>
-              <a:spcAft>
-                <a:spcPts val="0"/>
-              </a:spcAft>
-              <a:buNone/>
-            </a:pPr>
-            <a:endParaRPr/>
-          </a:p>
-        </p:txBody>
-      </p:sp>
-      <p:sp>
-        <p:nvSpPr>
-          <p:cNvPr id="208" name="Google Shape;208;p28"/>
-          <p:cNvSpPr txBox="1">
-            <a:spLocks noGrp="1"/>
-          </p:cNvSpPr>
-          <p:nvPr>
-            <p:ph type="title" idx="4"/>
-          </p:nvPr>
-        </p:nvSpPr>
-        <p:spPr>
-          <a:xfrm>
-            <a:off x="3403800" y="1724375"/>
-            <a:ext cx="1167300" cy="1081800"/>
-          </a:xfrm>
-          <a:prstGeom prst="rect">
-            <a:avLst/>
-          </a:prstGeom>
-        </p:spPr>
-        <p:txBody>
-          <a:bodyPr spcFirstLastPara="1" wrap="square" lIns="0" tIns="0" rIns="0" bIns="0" anchor="ctr" anchorCtr="0">
-            <a:noAutofit/>
-          </a:bodyPr>
-          <a:lstStyle/>
-          <a:p>
-            <a:pPr marL="0" lvl="0" indent="0" algn="ctr" rtl="0">
-              <a:spcBef>
-                <a:spcPts val="0"/>
-              </a:spcBef>
-              <a:spcAft>
-                <a:spcPts val="0"/>
-              </a:spcAft>
-              <a:buNone/>
-            </a:pPr>
-            <a:r>
-              <a:rPr lang="en"/>
-              <a:t>02</a:t>
-            </a:r>
-            <a:endParaRPr/>
-          </a:p>
-        </p:txBody>
-      </p:sp>
-      <p:sp>
-        <p:nvSpPr>
-          <p:cNvPr id="209" name="Google Shape;209;p28"/>
-          <p:cNvSpPr txBox="1">
-            <a:spLocks noGrp="1"/>
-          </p:cNvSpPr>
-          <p:nvPr>
-            <p:ph type="title" idx="7"/>
-          </p:nvPr>
-        </p:nvSpPr>
-        <p:spPr>
-          <a:xfrm>
-            <a:off x="6087600" y="1724375"/>
-            <a:ext cx="1167300" cy="1081800"/>
-          </a:xfrm>
-          <a:prstGeom prst="rect">
-            <a:avLst/>
-          </a:prstGeom>
-        </p:spPr>
-        <p:txBody>
-          <a:bodyPr spcFirstLastPara="1" wrap="square" lIns="0" tIns="0" rIns="0" bIns="0" anchor="ctr" anchorCtr="0">
-            <a:noAutofit/>
-          </a:bodyPr>
-          <a:lstStyle/>
-          <a:p>
-            <a:pPr marL="0" lvl="0" indent="0" algn="ctr" rtl="0">
-              <a:spcBef>
-                <a:spcPts val="0"/>
-              </a:spcBef>
-              <a:spcAft>
-                <a:spcPts val="0"/>
-              </a:spcAft>
-              <a:buNone/>
-            </a:pPr>
-            <a:r>
-              <a:rPr lang="en"/>
-              <a:t>03</a:t>
-            </a:r>
-            <a:endParaRPr/>
-          </a:p>
-        </p:txBody>
-      </p:sp>
-      <p:sp>
-        <p:nvSpPr>
-          <p:cNvPr id="210" name="Google Shape;210;p28"/>
-          <p:cNvSpPr/>
-          <p:nvPr/>
-        </p:nvSpPr>
-        <p:spPr>
-          <a:xfrm flipH="1">
-            <a:off x="2402243" y="1838550"/>
-            <a:ext cx="443968" cy="443811"/>
-          </a:xfrm>
-          <a:custGeom>
-            <a:avLst/>
-            <a:gdLst/>
-            <a:ahLst/>
-            <a:cxnLst/>
-            <a:rect l="l" t="t" r="r" b="b"/>
-            <a:pathLst>
-              <a:path w="87784" h="87753" extrusionOk="0">
-                <a:moveTo>
-                  <a:pt x="27782" y="1"/>
-                </a:moveTo>
-                <a:lnTo>
-                  <a:pt x="27782" y="27782"/>
-                </a:lnTo>
-                <a:lnTo>
-                  <a:pt x="1" y="27782"/>
-                </a:lnTo>
-                <a:lnTo>
-                  <a:pt x="1" y="59971"/>
-                </a:lnTo>
-                <a:lnTo>
-                  <a:pt x="27782" y="59971"/>
-                </a:lnTo>
-                <a:lnTo>
-                  <a:pt x="27782" y="87753"/>
-                </a:lnTo>
-                <a:lnTo>
-                  <a:pt x="59971" y="87753"/>
-                </a:lnTo>
-                <a:lnTo>
-                  <a:pt x="59971" y="59971"/>
-                </a:lnTo>
-                <a:lnTo>
-                  <a:pt x="87783" y="59971"/>
-                </a:lnTo>
-                <a:lnTo>
-                  <a:pt x="87783" y="27782"/>
-                </a:lnTo>
-                <a:lnTo>
-                  <a:pt x="59971" y="27782"/>
-                </a:lnTo>
-                <a:lnTo>
-                  <a:pt x="59971" y="1"/>
-                </a:lnTo>
-                <a:close/>
-              </a:path>
-            </a:pathLst>
-          </a:custGeom>
-          <a:solidFill>
-            <a:schemeClr val="dk2"/>
-          </a:solidFill>
-          <a:ln>
-            <a:noFill/>
-          </a:ln>
-        </p:spPr>
-        <p:txBody>
-          <a:bodyPr spcFirstLastPara="1" wrap="square" lIns="91425" tIns="91425" rIns="91425" bIns="91425" anchor="ctr" anchorCtr="0">
-            <a:noAutofit/>
-          </a:bodyPr>
-          <a:lstStyle/>
-          <a:p>
-            <a:pPr marL="0" lvl="0" indent="0" algn="l" rtl="0">
-              <a:spcBef>
-                <a:spcPts val="0"/>
-              </a:spcBef>
-              <a:spcAft>
-                <a:spcPts val="0"/>
-              </a:spcAft>
-              <a:buNone/>
-            </a:pPr>
-            <a:endParaRPr/>
-          </a:p>
-        </p:txBody>
-      </p:sp>
-      <p:sp>
-        <p:nvSpPr>
-          <p:cNvPr id="211" name="Google Shape;211;p28"/>
-          <p:cNvSpPr txBox="1">
-            <a:spLocks noGrp="1"/>
-          </p:cNvSpPr>
-          <p:nvPr>
-            <p:ph type="title"/>
-          </p:nvPr>
-        </p:nvSpPr>
-        <p:spPr>
-          <a:xfrm>
-            <a:off x="720000" y="2806229"/>
-            <a:ext cx="2336400" cy="527700"/>
-          </a:xfrm>
-          <a:prstGeom prst="rect">
-            <a:avLst/>
-          </a:prstGeom>
-        </p:spPr>
-        <p:txBody>
-          <a:bodyPr spcFirstLastPara="1" wrap="square" lIns="0" tIns="0" rIns="0" bIns="0" anchor="ctr" anchorCtr="0">
-            <a:noAutofit/>
-          </a:bodyPr>
-          <a:lstStyle/>
-          <a:p>
-            <a:pPr marL="0" lvl="0" indent="0" algn="ctr" rtl="0">
-              <a:spcBef>
-                <a:spcPts val="0"/>
-              </a:spcBef>
-              <a:spcAft>
-                <a:spcPts val="0"/>
-              </a:spcAft>
-              <a:buNone/>
-            </a:pPr>
-            <a:r>
-              <a:rPr lang="bg-BG" dirty="0"/>
-              <a:t>Идея</a:t>
-            </a:r>
-            <a:endParaRPr dirty="0"/>
-          </a:p>
-        </p:txBody>
-      </p:sp>
-      <p:sp>
-        <p:nvSpPr>
-          <p:cNvPr id="212" name="Google Shape;212;p28"/>
-          <p:cNvSpPr txBox="1">
-            <a:spLocks noGrp="1"/>
-          </p:cNvSpPr>
-          <p:nvPr>
-            <p:ph type="title" idx="2"/>
-          </p:nvPr>
-        </p:nvSpPr>
-        <p:spPr>
-          <a:xfrm>
-            <a:off x="720000" y="1724388"/>
-            <a:ext cx="1167300" cy="1081800"/>
-          </a:xfrm>
-          <a:prstGeom prst="rect">
-            <a:avLst/>
-          </a:prstGeom>
-        </p:spPr>
-        <p:txBody>
-          <a:bodyPr spcFirstLastPara="1" wrap="square" lIns="0" tIns="0" rIns="0" bIns="0" anchor="ctr" anchorCtr="0">
-            <a:noAutofit/>
-          </a:bodyPr>
-          <a:lstStyle/>
-          <a:p>
-            <a:pPr marL="0" lvl="0" indent="0" algn="ctr" rtl="0">
-              <a:spcBef>
-                <a:spcPts val="0"/>
-              </a:spcBef>
-              <a:spcAft>
-                <a:spcPts val="0"/>
-              </a:spcAft>
-              <a:buNone/>
-            </a:pPr>
-            <a:r>
-              <a:rPr lang="en"/>
-              <a:t>01</a:t>
-            </a:r>
-            <a:endParaRPr/>
-          </a:p>
-        </p:txBody>
-      </p:sp>
-      <p:sp>
-        <p:nvSpPr>
-          <p:cNvPr id="213" name="Google Shape;213;p28"/>
-          <p:cNvSpPr txBox="1">
-            <a:spLocks noGrp="1"/>
-          </p:cNvSpPr>
-          <p:nvPr>
-            <p:ph type="subTitle" idx="1"/>
-          </p:nvPr>
-        </p:nvSpPr>
-        <p:spPr>
-          <a:xfrm>
-            <a:off x="720000" y="3444926"/>
-            <a:ext cx="2336400" cy="484800"/>
-          </a:xfrm>
-          <a:prstGeom prst="rect">
-            <a:avLst/>
-          </a:prstGeom>
-        </p:spPr>
-        <p:txBody>
-          <a:bodyPr spcFirstLastPara="1" wrap="square" lIns="0" tIns="0" rIns="0" bIns="0" anchor="ctr" anchorCtr="0">
-            <a:noAutofit/>
-          </a:bodyPr>
-          <a:lstStyle/>
-          <a:p>
-            <a:pPr marL="0" lvl="0" indent="0" algn="ctr" rtl="0">
-              <a:spcBef>
-                <a:spcPts val="0"/>
-              </a:spcBef>
-              <a:spcAft>
-                <a:spcPts val="0"/>
-              </a:spcAft>
-              <a:buNone/>
-            </a:pPr>
-            <a:r>
-              <a:rPr lang="bg-BG" dirty="0"/>
-              <a:t>Идеята на проекта</a:t>
-            </a:r>
-            <a:endParaRPr dirty="0"/>
-          </a:p>
-        </p:txBody>
-      </p:sp>
-      <p:sp>
-        <p:nvSpPr>
-          <p:cNvPr id="214" name="Google Shape;214;p28"/>
-          <p:cNvSpPr txBox="1">
-            <a:spLocks noGrp="1"/>
-          </p:cNvSpPr>
-          <p:nvPr>
-            <p:ph type="title" idx="3"/>
-          </p:nvPr>
-        </p:nvSpPr>
-        <p:spPr>
-          <a:xfrm>
-            <a:off x="3403800" y="2806229"/>
-            <a:ext cx="2336400" cy="527700"/>
-          </a:xfrm>
-          <a:prstGeom prst="rect">
-            <a:avLst/>
-          </a:prstGeom>
-        </p:spPr>
-        <p:txBody>
-          <a:bodyPr spcFirstLastPara="1" wrap="square" lIns="0" tIns="0" rIns="0" bIns="0" anchor="ctr" anchorCtr="0">
-            <a:noAutofit/>
-          </a:bodyPr>
-          <a:lstStyle/>
-          <a:p>
-            <a:pPr marL="0" lvl="0" indent="0" algn="ctr" rtl="0">
-              <a:spcBef>
-                <a:spcPts val="0"/>
-              </a:spcBef>
-              <a:spcAft>
-                <a:spcPts val="0"/>
-              </a:spcAft>
-              <a:buNone/>
-            </a:pPr>
-            <a:r>
-              <a:rPr lang="bg-BG" dirty="0"/>
-              <a:t>Архитектура</a:t>
-            </a:r>
-            <a:endParaRPr dirty="0"/>
-          </a:p>
-        </p:txBody>
-      </p:sp>
-      <p:sp>
-        <p:nvSpPr>
-          <p:cNvPr id="215" name="Google Shape;215;p28"/>
-          <p:cNvSpPr txBox="1">
-            <a:spLocks noGrp="1"/>
-          </p:cNvSpPr>
-          <p:nvPr>
-            <p:ph type="subTitle" idx="5"/>
-          </p:nvPr>
-        </p:nvSpPr>
-        <p:spPr>
-          <a:xfrm>
-            <a:off x="3403800" y="3444926"/>
-            <a:ext cx="2336400" cy="484800"/>
-          </a:xfrm>
-          <a:prstGeom prst="rect">
-            <a:avLst/>
-          </a:prstGeom>
-        </p:spPr>
-        <p:txBody>
-          <a:bodyPr spcFirstLastPara="1" wrap="square" lIns="0" tIns="0" rIns="0" bIns="0" anchor="ctr" anchorCtr="0">
-            <a:noAutofit/>
-          </a:bodyPr>
-          <a:lstStyle/>
-          <a:p>
-            <a:pPr marL="0" lvl="0" indent="0" algn="ctr" rtl="0">
-              <a:spcBef>
-                <a:spcPts val="0"/>
-              </a:spcBef>
-              <a:spcAft>
-                <a:spcPts val="0"/>
-              </a:spcAft>
-              <a:buNone/>
-            </a:pPr>
-            <a:r>
-              <a:rPr lang="bg-BG" dirty="0"/>
-              <a:t>Архитектурата на проекта</a:t>
-            </a:r>
-            <a:endParaRPr dirty="0"/>
-          </a:p>
-        </p:txBody>
-      </p:sp>
-      <p:sp>
-        <p:nvSpPr>
-          <p:cNvPr id="216" name="Google Shape;216;p28"/>
-          <p:cNvSpPr txBox="1">
-            <a:spLocks noGrp="1"/>
-          </p:cNvSpPr>
-          <p:nvPr>
-            <p:ph type="title" idx="6"/>
-          </p:nvPr>
-        </p:nvSpPr>
-        <p:spPr>
-          <a:xfrm>
-            <a:off x="6087600" y="2806229"/>
-            <a:ext cx="2336400" cy="527700"/>
-          </a:xfrm>
-          <a:prstGeom prst="rect">
-            <a:avLst/>
-          </a:prstGeom>
-        </p:spPr>
-        <p:txBody>
-          <a:bodyPr spcFirstLastPara="1" wrap="square" lIns="0" tIns="0" rIns="0" bIns="0" anchor="ctr" anchorCtr="0">
-            <a:noAutofit/>
-          </a:bodyPr>
-          <a:lstStyle/>
-          <a:p>
-            <a:pPr marL="0" lvl="0" indent="0" algn="ctr" rtl="0">
-              <a:spcBef>
-                <a:spcPts val="0"/>
-              </a:spcBef>
-              <a:spcAft>
-                <a:spcPts val="0"/>
-              </a:spcAft>
-              <a:buNone/>
-            </a:pPr>
-            <a:r>
-              <a:rPr lang="bg-BG" dirty="0"/>
-              <a:t>Демо</a:t>
-            </a:r>
-            <a:endParaRPr dirty="0"/>
-          </a:p>
-        </p:txBody>
-      </p:sp>
-      <p:sp>
-        <p:nvSpPr>
-          <p:cNvPr id="217" name="Google Shape;217;p28"/>
-          <p:cNvSpPr txBox="1">
-            <a:spLocks noGrp="1"/>
-          </p:cNvSpPr>
-          <p:nvPr>
-            <p:ph type="subTitle" idx="8"/>
-          </p:nvPr>
-        </p:nvSpPr>
-        <p:spPr>
-          <a:xfrm>
-            <a:off x="6087600" y="3444926"/>
-            <a:ext cx="2336400" cy="484800"/>
-          </a:xfrm>
-          <a:prstGeom prst="rect">
-            <a:avLst/>
-          </a:prstGeom>
-        </p:spPr>
-        <p:txBody>
-          <a:bodyPr spcFirstLastPara="1" wrap="square" lIns="0" tIns="0" rIns="0" bIns="0" anchor="ctr" anchorCtr="0">
-            <a:noAutofit/>
-          </a:bodyPr>
-          <a:lstStyle/>
-          <a:p>
-            <a:pPr marL="0" lvl="0" indent="0" algn="ctr" rtl="0">
-              <a:spcBef>
-                <a:spcPts val="0"/>
-              </a:spcBef>
-              <a:spcAft>
-                <a:spcPts val="0"/>
-              </a:spcAft>
-              <a:buNone/>
-            </a:pPr>
-            <a:r>
-              <a:rPr lang="bg-BG" dirty="0"/>
-              <a:t>Представяне на проекта</a:t>
-            </a:r>
-            <a:endParaRPr dirty="0"/>
-          </a:p>
-        </p:txBody>
-      </p:sp>
-      <p:sp>
-        <p:nvSpPr>
-          <p:cNvPr id="218" name="Google Shape;218;p28"/>
-          <p:cNvSpPr txBox="1">
-            <a:spLocks noGrp="1"/>
-          </p:cNvSpPr>
-          <p:nvPr>
-            <p:ph type="title" idx="9"/>
-          </p:nvPr>
-        </p:nvSpPr>
-        <p:spPr>
-          <a:xfrm>
-            <a:off x="720000" y="445025"/>
-            <a:ext cx="7704000" cy="457200"/>
-          </a:xfrm>
-          <a:prstGeom prst="rect">
-            <a:avLst/>
-          </a:prstGeom>
-          <a:ln>
-            <a:noFill/>
-          </a:ln>
-        </p:spPr>
-        <p:txBody>
-          <a:bodyPr spcFirstLastPara="1" wrap="square" lIns="0" tIns="0" rIns="91425" bIns="91425" anchor="t" anchorCtr="0">
-            <a:noAutofit/>
-          </a:bodyPr>
-          <a:lstStyle/>
-          <a:p>
-            <a:pPr marL="0" lvl="0" indent="0" algn="l" rtl="0">
-              <a:spcBef>
-                <a:spcPts val="0"/>
-              </a:spcBef>
-              <a:spcAft>
-                <a:spcPts val="0"/>
-              </a:spcAft>
-              <a:buNone/>
-            </a:pPr>
-            <a:r>
-              <a:rPr lang="en"/>
-              <a:t>TABLE OF CONTENTS</a:t>
-            </a:r>
-            <a:endParaRPr/>
-          </a:p>
-        </p:txBody>
-      </p:sp>
-      <p:grpSp>
-        <p:nvGrpSpPr>
-          <p:cNvPr id="220" name="Google Shape;220;p28"/>
-          <p:cNvGrpSpPr/>
-          <p:nvPr/>
-        </p:nvGrpSpPr>
-        <p:grpSpPr>
-          <a:xfrm>
-            <a:off x="2235598" y="1990954"/>
-            <a:ext cx="472442" cy="548624"/>
-            <a:chOff x="2113434" y="1970135"/>
-            <a:chExt cx="283086" cy="333733"/>
-          </a:xfrm>
-        </p:grpSpPr>
-        <p:sp>
-          <p:nvSpPr>
-            <p:cNvPr id="221" name="Google Shape;221;p28"/>
-            <p:cNvSpPr/>
-            <p:nvPr/>
-          </p:nvSpPr>
-          <p:spPr>
-            <a:xfrm>
-              <a:off x="2272670" y="2045701"/>
-              <a:ext cx="83636" cy="208296"/>
-            </a:xfrm>
-            <a:custGeom>
-              <a:avLst/>
-              <a:gdLst/>
-              <a:ahLst/>
-              <a:cxnLst/>
-              <a:rect l="l" t="t" r="r" b="b"/>
-              <a:pathLst>
-                <a:path w="2477" h="6169" extrusionOk="0">
-                  <a:moveTo>
-                    <a:pt x="1239" y="286"/>
-                  </a:moveTo>
-                  <a:cubicBezTo>
-                    <a:pt x="1763" y="286"/>
-                    <a:pt x="2191" y="715"/>
-                    <a:pt x="2191" y="1239"/>
-                  </a:cubicBezTo>
-                  <a:lnTo>
-                    <a:pt x="2191" y="4930"/>
-                  </a:lnTo>
-                  <a:cubicBezTo>
-                    <a:pt x="2191" y="5454"/>
-                    <a:pt x="1763" y="5883"/>
-                    <a:pt x="1239" y="5883"/>
-                  </a:cubicBezTo>
-                  <a:cubicBezTo>
-                    <a:pt x="715" y="5883"/>
-                    <a:pt x="286" y="5454"/>
-                    <a:pt x="286" y="4930"/>
-                  </a:cubicBezTo>
-                  <a:lnTo>
-                    <a:pt x="286" y="1239"/>
-                  </a:lnTo>
-                  <a:cubicBezTo>
-                    <a:pt x="286" y="715"/>
-                    <a:pt x="715" y="286"/>
-                    <a:pt x="1239" y="286"/>
-                  </a:cubicBezTo>
-                  <a:close/>
-                  <a:moveTo>
-                    <a:pt x="1239" y="1"/>
-                  </a:moveTo>
-                  <a:cubicBezTo>
-                    <a:pt x="548" y="1"/>
-                    <a:pt x="0" y="548"/>
-                    <a:pt x="0" y="1239"/>
-                  </a:cubicBezTo>
-                  <a:lnTo>
-                    <a:pt x="0" y="4930"/>
-                  </a:lnTo>
-                  <a:cubicBezTo>
-                    <a:pt x="0" y="5621"/>
-                    <a:pt x="548" y="6169"/>
-                    <a:pt x="1239" y="6169"/>
-                  </a:cubicBezTo>
-                  <a:cubicBezTo>
-                    <a:pt x="1905" y="6169"/>
-                    <a:pt x="2477" y="5621"/>
-                    <a:pt x="2477" y="4930"/>
-                  </a:cubicBezTo>
-                  <a:lnTo>
-                    <a:pt x="2477" y="1239"/>
-                  </a:lnTo>
-                  <a:cubicBezTo>
-                    <a:pt x="2477" y="548"/>
-                    <a:pt x="1905" y="1"/>
-                    <a:pt x="1239" y="1"/>
-                  </a:cubicBezTo>
-                  <a:close/>
-                </a:path>
-              </a:pathLst>
-            </a:custGeom>
-            <a:solidFill>
-              <a:schemeClr val="dk1"/>
-            </a:solidFill>
-            <a:ln>
-              <a:noFill/>
-            </a:ln>
-          </p:spPr>
-          <p:txBody>
-            <a:bodyPr spcFirstLastPara="1" wrap="square" lIns="91425" tIns="91425" rIns="91425" bIns="91425" anchor="ctr" anchorCtr="0">
-              <a:noAutofit/>
-            </a:bodyPr>
-            <a:lstStyle/>
-            <a:p>
-              <a:pPr marL="0" lvl="0" indent="0" algn="l" rtl="0">
-                <a:spcBef>
-                  <a:spcPts val="0"/>
-                </a:spcBef>
-                <a:spcAft>
-                  <a:spcPts val="0"/>
-                </a:spcAft>
-                <a:buNone/>
-              </a:pPr>
-              <a:endParaRPr/>
-            </a:p>
-          </p:txBody>
-        </p:sp>
-        <p:sp>
-          <p:nvSpPr>
-            <p:cNvPr id="222" name="Google Shape;222;p28"/>
-            <p:cNvSpPr/>
-            <p:nvPr/>
-          </p:nvSpPr>
-          <p:spPr>
-            <a:xfrm>
-              <a:off x="2290363" y="2089934"/>
-              <a:ext cx="12898" cy="9691"/>
-            </a:xfrm>
-            <a:custGeom>
-              <a:avLst/>
-              <a:gdLst/>
-              <a:ahLst/>
-              <a:cxnLst/>
-              <a:rect l="l" t="t" r="r" b="b"/>
-              <a:pathLst>
-                <a:path w="382" h="287" extrusionOk="0">
-                  <a:moveTo>
-                    <a:pt x="143" y="1"/>
-                  </a:moveTo>
-                  <a:cubicBezTo>
-                    <a:pt x="48" y="1"/>
-                    <a:pt x="0" y="72"/>
-                    <a:pt x="0" y="143"/>
-                  </a:cubicBezTo>
-                  <a:cubicBezTo>
-                    <a:pt x="0" y="239"/>
-                    <a:pt x="48" y="286"/>
-                    <a:pt x="143" y="286"/>
-                  </a:cubicBezTo>
-                  <a:lnTo>
-                    <a:pt x="238" y="286"/>
-                  </a:lnTo>
-                  <a:cubicBezTo>
-                    <a:pt x="334" y="286"/>
-                    <a:pt x="381" y="239"/>
-                    <a:pt x="381" y="143"/>
-                  </a:cubicBezTo>
-                  <a:cubicBezTo>
-                    <a:pt x="381" y="72"/>
-                    <a:pt x="334" y="1"/>
-                    <a:pt x="238" y="1"/>
-                  </a:cubicBezTo>
-                  <a:close/>
-                </a:path>
-              </a:pathLst>
-            </a:custGeom>
-            <a:solidFill>
-              <a:schemeClr val="dk1"/>
-            </a:solidFill>
-            <a:ln>
-              <a:noFill/>
-            </a:ln>
-          </p:spPr>
-          <p:txBody>
-            <a:bodyPr spcFirstLastPara="1" wrap="square" lIns="91425" tIns="91425" rIns="91425" bIns="91425" anchor="ctr" anchorCtr="0">
-              <a:noAutofit/>
-            </a:bodyPr>
-            <a:lstStyle/>
-            <a:p>
-              <a:pPr marL="0" lvl="0" indent="0" algn="l" rtl="0">
-                <a:spcBef>
-                  <a:spcPts val="0"/>
-                </a:spcBef>
-                <a:spcAft>
-                  <a:spcPts val="0"/>
-                </a:spcAft>
-                <a:buNone/>
-              </a:pPr>
-              <a:endParaRPr/>
-            </a:p>
-          </p:txBody>
-        </p:sp>
-        <p:sp>
-          <p:nvSpPr>
-            <p:cNvPr id="223" name="Google Shape;223;p28"/>
-            <p:cNvSpPr/>
-            <p:nvPr/>
-          </p:nvSpPr>
-          <p:spPr>
-            <a:xfrm>
-              <a:off x="2307245" y="2089934"/>
-              <a:ext cx="13709" cy="9691"/>
-            </a:xfrm>
-            <a:custGeom>
-              <a:avLst/>
-              <a:gdLst/>
-              <a:ahLst/>
-              <a:cxnLst/>
-              <a:rect l="l" t="t" r="r" b="b"/>
-              <a:pathLst>
-                <a:path w="406" h="287" extrusionOk="0">
-                  <a:moveTo>
-                    <a:pt x="167" y="1"/>
-                  </a:moveTo>
-                  <a:cubicBezTo>
-                    <a:pt x="72" y="1"/>
-                    <a:pt x="0" y="72"/>
-                    <a:pt x="0" y="143"/>
-                  </a:cubicBezTo>
-                  <a:cubicBezTo>
-                    <a:pt x="0" y="239"/>
-                    <a:pt x="72" y="286"/>
-                    <a:pt x="167" y="286"/>
-                  </a:cubicBezTo>
-                  <a:lnTo>
-                    <a:pt x="262" y="286"/>
-                  </a:lnTo>
-                  <a:cubicBezTo>
-                    <a:pt x="334" y="286"/>
-                    <a:pt x="405" y="239"/>
-                    <a:pt x="405" y="143"/>
-                  </a:cubicBezTo>
-                  <a:cubicBezTo>
-                    <a:pt x="405" y="72"/>
-                    <a:pt x="334" y="1"/>
-                    <a:pt x="262" y="1"/>
-                  </a:cubicBezTo>
-                  <a:close/>
-                </a:path>
-              </a:pathLst>
-            </a:custGeom>
-            <a:solidFill>
-              <a:schemeClr val="dk1"/>
-            </a:solidFill>
-            <a:ln>
-              <a:noFill/>
-            </a:ln>
-          </p:spPr>
-          <p:txBody>
-            <a:bodyPr spcFirstLastPara="1" wrap="square" lIns="91425" tIns="91425" rIns="91425" bIns="91425" anchor="ctr" anchorCtr="0">
-              <a:noAutofit/>
-            </a:bodyPr>
-            <a:lstStyle/>
-            <a:p>
-              <a:pPr marL="0" lvl="0" indent="0" algn="l" rtl="0">
-                <a:spcBef>
-                  <a:spcPts val="0"/>
-                </a:spcBef>
-                <a:spcAft>
-                  <a:spcPts val="0"/>
-                </a:spcAft>
-                <a:buNone/>
-              </a:pPr>
-              <a:endParaRPr/>
-            </a:p>
-          </p:txBody>
-        </p:sp>
-        <p:sp>
-          <p:nvSpPr>
-            <p:cNvPr id="224" name="Google Shape;224;p28"/>
-            <p:cNvSpPr/>
-            <p:nvPr/>
-          </p:nvSpPr>
-          <p:spPr>
-            <a:xfrm>
-              <a:off x="2324938" y="2089934"/>
-              <a:ext cx="13709" cy="9691"/>
-            </a:xfrm>
-            <a:custGeom>
-              <a:avLst/>
-              <a:gdLst/>
-              <a:ahLst/>
-              <a:cxnLst/>
-              <a:rect l="l" t="t" r="r" b="b"/>
-              <a:pathLst>
-                <a:path w="406" h="287" extrusionOk="0">
-                  <a:moveTo>
-                    <a:pt x="143" y="1"/>
-                  </a:moveTo>
-                  <a:cubicBezTo>
-                    <a:pt x="72" y="1"/>
-                    <a:pt x="0" y="72"/>
-                    <a:pt x="0" y="143"/>
-                  </a:cubicBezTo>
-                  <a:cubicBezTo>
-                    <a:pt x="0" y="239"/>
-                    <a:pt x="72" y="286"/>
-                    <a:pt x="143" y="286"/>
-                  </a:cubicBezTo>
-                  <a:lnTo>
-                    <a:pt x="262" y="286"/>
-                  </a:lnTo>
-                  <a:cubicBezTo>
-                    <a:pt x="334" y="286"/>
-                    <a:pt x="405" y="239"/>
-                    <a:pt x="405" y="143"/>
-                  </a:cubicBezTo>
-                  <a:cubicBezTo>
-                    <a:pt x="405" y="72"/>
-                    <a:pt x="334" y="1"/>
-                    <a:pt x="262" y="1"/>
-                  </a:cubicBezTo>
-                  <a:close/>
-                </a:path>
-              </a:pathLst>
-            </a:custGeom>
-            <a:solidFill>
-              <a:schemeClr val="dk1"/>
-            </a:solidFill>
-            <a:ln>
-              <a:noFill/>
-            </a:ln>
-          </p:spPr>
-          <p:txBody>
-            <a:bodyPr spcFirstLastPara="1" wrap="square" lIns="91425" tIns="91425" rIns="91425" bIns="91425" anchor="ctr" anchorCtr="0">
-              <a:noAutofit/>
-            </a:bodyPr>
-            <a:lstStyle/>
-            <a:p>
-              <a:pPr marL="0" lvl="0" indent="0" algn="l" rtl="0">
-                <a:spcBef>
-                  <a:spcPts val="0"/>
-                </a:spcBef>
-                <a:spcAft>
-                  <a:spcPts val="0"/>
-                </a:spcAft>
-                <a:buNone/>
-              </a:pPr>
-              <a:endParaRPr/>
-            </a:p>
-          </p:txBody>
-        </p:sp>
-        <p:sp>
-          <p:nvSpPr>
-            <p:cNvPr id="225" name="Google Shape;225;p28"/>
-            <p:cNvSpPr/>
-            <p:nvPr/>
-          </p:nvSpPr>
-          <p:spPr>
-            <a:xfrm>
-              <a:off x="2299209" y="2071430"/>
-              <a:ext cx="12898" cy="9691"/>
-            </a:xfrm>
-            <a:custGeom>
-              <a:avLst/>
-              <a:gdLst/>
-              <a:ahLst/>
-              <a:cxnLst/>
-              <a:rect l="l" t="t" r="r" b="b"/>
-              <a:pathLst>
-                <a:path w="382" h="287" extrusionOk="0">
-                  <a:moveTo>
-                    <a:pt x="143" y="1"/>
-                  </a:moveTo>
-                  <a:cubicBezTo>
-                    <a:pt x="48" y="1"/>
-                    <a:pt x="0" y="48"/>
-                    <a:pt x="0" y="144"/>
-                  </a:cubicBezTo>
-                  <a:cubicBezTo>
-                    <a:pt x="0" y="215"/>
-                    <a:pt x="48" y="287"/>
-                    <a:pt x="143" y="287"/>
-                  </a:cubicBezTo>
-                  <a:lnTo>
-                    <a:pt x="238" y="287"/>
-                  </a:lnTo>
-                  <a:cubicBezTo>
-                    <a:pt x="334" y="287"/>
-                    <a:pt x="381" y="215"/>
-                    <a:pt x="381" y="144"/>
-                  </a:cubicBezTo>
-                  <a:cubicBezTo>
-                    <a:pt x="381" y="48"/>
-                    <a:pt x="334" y="1"/>
-                    <a:pt x="238" y="1"/>
-                  </a:cubicBezTo>
-                  <a:close/>
-                </a:path>
-              </a:pathLst>
-            </a:custGeom>
-            <a:solidFill>
-              <a:schemeClr val="dk1"/>
-            </a:solidFill>
-            <a:ln>
-              <a:noFill/>
-            </a:ln>
-          </p:spPr>
-          <p:txBody>
-            <a:bodyPr spcFirstLastPara="1" wrap="square" lIns="91425" tIns="91425" rIns="91425" bIns="91425" anchor="ctr" anchorCtr="0">
-              <a:noAutofit/>
-            </a:bodyPr>
-            <a:lstStyle/>
-            <a:p>
-              <a:pPr marL="0" lvl="0" indent="0" algn="l" rtl="0">
-                <a:spcBef>
-                  <a:spcPts val="0"/>
-                </a:spcBef>
-                <a:spcAft>
-                  <a:spcPts val="0"/>
-                </a:spcAft>
-                <a:buNone/>
-              </a:pPr>
-              <a:endParaRPr/>
-            </a:p>
-          </p:txBody>
-        </p:sp>
-        <p:sp>
-          <p:nvSpPr>
-            <p:cNvPr id="226" name="Google Shape;226;p28"/>
-            <p:cNvSpPr/>
-            <p:nvPr/>
-          </p:nvSpPr>
-          <p:spPr>
-            <a:xfrm>
-              <a:off x="2316092" y="2071430"/>
-              <a:ext cx="13709" cy="9691"/>
-            </a:xfrm>
-            <a:custGeom>
-              <a:avLst/>
-              <a:gdLst/>
-              <a:ahLst/>
-              <a:cxnLst/>
-              <a:rect l="l" t="t" r="r" b="b"/>
-              <a:pathLst>
-                <a:path w="406" h="287" extrusionOk="0">
-                  <a:moveTo>
-                    <a:pt x="143" y="1"/>
-                  </a:moveTo>
-                  <a:cubicBezTo>
-                    <a:pt x="72" y="1"/>
-                    <a:pt x="0" y="48"/>
-                    <a:pt x="0" y="144"/>
-                  </a:cubicBezTo>
-                  <a:cubicBezTo>
-                    <a:pt x="0" y="215"/>
-                    <a:pt x="72" y="287"/>
-                    <a:pt x="143" y="287"/>
-                  </a:cubicBezTo>
-                  <a:lnTo>
-                    <a:pt x="262" y="287"/>
-                  </a:lnTo>
-                  <a:cubicBezTo>
-                    <a:pt x="334" y="287"/>
-                    <a:pt x="405" y="215"/>
-                    <a:pt x="405" y="144"/>
-                  </a:cubicBezTo>
-                  <a:cubicBezTo>
-                    <a:pt x="405" y="48"/>
-                    <a:pt x="334" y="1"/>
-                    <a:pt x="262" y="1"/>
-                  </a:cubicBezTo>
-                  <a:close/>
-                </a:path>
-              </a:pathLst>
-            </a:custGeom>
-            <a:solidFill>
-              <a:schemeClr val="dk1"/>
-            </a:solidFill>
-            <a:ln>
-              <a:noFill/>
-            </a:ln>
-          </p:spPr>
-          <p:txBody>
-            <a:bodyPr spcFirstLastPara="1" wrap="square" lIns="91425" tIns="91425" rIns="91425" bIns="91425" anchor="ctr" anchorCtr="0">
-              <a:noAutofit/>
-            </a:bodyPr>
-            <a:lstStyle/>
-            <a:p>
-              <a:pPr marL="0" lvl="0" indent="0" algn="l" rtl="0">
-                <a:spcBef>
-                  <a:spcPts val="0"/>
-                </a:spcBef>
-                <a:spcAft>
-                  <a:spcPts val="0"/>
-                </a:spcAft>
-                <a:buNone/>
-              </a:pPr>
-              <a:endParaRPr/>
-            </a:p>
-          </p:txBody>
-        </p:sp>
-        <p:sp>
-          <p:nvSpPr>
-            <p:cNvPr id="227" name="Google Shape;227;p28"/>
-            <p:cNvSpPr/>
-            <p:nvPr/>
-          </p:nvSpPr>
-          <p:spPr>
-            <a:xfrm>
-              <a:off x="2290363" y="2200109"/>
-              <a:ext cx="12898" cy="9657"/>
-            </a:xfrm>
-            <a:custGeom>
-              <a:avLst/>
-              <a:gdLst/>
-              <a:ahLst/>
-              <a:cxnLst/>
-              <a:rect l="l" t="t" r="r" b="b"/>
-              <a:pathLst>
-                <a:path w="382" h="286" extrusionOk="0">
-                  <a:moveTo>
-                    <a:pt x="143" y="0"/>
-                  </a:moveTo>
-                  <a:cubicBezTo>
-                    <a:pt x="48" y="0"/>
-                    <a:pt x="0" y="72"/>
-                    <a:pt x="0" y="143"/>
-                  </a:cubicBezTo>
-                  <a:cubicBezTo>
-                    <a:pt x="0" y="214"/>
-                    <a:pt x="48" y="286"/>
-                    <a:pt x="143" y="286"/>
-                  </a:cubicBezTo>
-                  <a:lnTo>
-                    <a:pt x="238" y="286"/>
-                  </a:lnTo>
-                  <a:cubicBezTo>
-                    <a:pt x="334" y="286"/>
-                    <a:pt x="381" y="214"/>
-                    <a:pt x="381" y="143"/>
-                  </a:cubicBezTo>
-                  <a:cubicBezTo>
-                    <a:pt x="381" y="72"/>
-                    <a:pt x="334" y="0"/>
-                    <a:pt x="238" y="0"/>
-                  </a:cubicBezTo>
-                  <a:close/>
-                </a:path>
-              </a:pathLst>
-            </a:custGeom>
-            <a:solidFill>
-              <a:schemeClr val="dk1"/>
-            </a:solidFill>
-            <a:ln>
-              <a:noFill/>
-            </a:ln>
-          </p:spPr>
-          <p:txBody>
-            <a:bodyPr spcFirstLastPara="1" wrap="square" lIns="91425" tIns="91425" rIns="91425" bIns="91425" anchor="ctr" anchorCtr="0">
-              <a:noAutofit/>
-            </a:bodyPr>
-            <a:lstStyle/>
-            <a:p>
-              <a:pPr marL="0" lvl="0" indent="0" algn="l" rtl="0">
-                <a:spcBef>
-                  <a:spcPts val="0"/>
-                </a:spcBef>
-                <a:spcAft>
-                  <a:spcPts val="0"/>
-                </a:spcAft>
-                <a:buNone/>
-              </a:pPr>
-              <a:endParaRPr/>
-            </a:p>
-          </p:txBody>
-        </p:sp>
-        <p:sp>
-          <p:nvSpPr>
-            <p:cNvPr id="228" name="Google Shape;228;p28"/>
-            <p:cNvSpPr/>
-            <p:nvPr/>
-          </p:nvSpPr>
-          <p:spPr>
-            <a:xfrm>
-              <a:off x="2307245" y="2200109"/>
-              <a:ext cx="13709" cy="9657"/>
-            </a:xfrm>
-            <a:custGeom>
-              <a:avLst/>
-              <a:gdLst/>
-              <a:ahLst/>
-              <a:cxnLst/>
-              <a:rect l="l" t="t" r="r" b="b"/>
-              <a:pathLst>
-                <a:path w="406" h="286" extrusionOk="0">
-                  <a:moveTo>
-                    <a:pt x="143" y="0"/>
-                  </a:moveTo>
-                  <a:cubicBezTo>
-                    <a:pt x="72" y="0"/>
-                    <a:pt x="0" y="72"/>
-                    <a:pt x="0" y="143"/>
-                  </a:cubicBezTo>
-                  <a:cubicBezTo>
-                    <a:pt x="0" y="214"/>
-                    <a:pt x="72" y="286"/>
-                    <a:pt x="143" y="286"/>
-                  </a:cubicBezTo>
-                  <a:lnTo>
-                    <a:pt x="262" y="286"/>
-                  </a:lnTo>
-                  <a:cubicBezTo>
-                    <a:pt x="334" y="286"/>
-                    <a:pt x="405" y="214"/>
-                    <a:pt x="405" y="143"/>
-                  </a:cubicBezTo>
-                  <a:cubicBezTo>
-                    <a:pt x="405" y="72"/>
-                    <a:pt x="334" y="0"/>
-                    <a:pt x="262" y="0"/>
-                  </a:cubicBezTo>
-                  <a:close/>
-                </a:path>
-              </a:pathLst>
-            </a:custGeom>
-            <a:solidFill>
-              <a:schemeClr val="dk1"/>
-            </a:solidFill>
-            <a:ln>
-              <a:noFill/>
-            </a:ln>
-          </p:spPr>
-          <p:txBody>
-            <a:bodyPr spcFirstLastPara="1" wrap="square" lIns="91425" tIns="91425" rIns="91425" bIns="91425" anchor="ctr" anchorCtr="0">
-              <a:noAutofit/>
-            </a:bodyPr>
-            <a:lstStyle/>
-            <a:p>
-              <a:pPr marL="0" lvl="0" indent="0" algn="l" rtl="0">
-                <a:spcBef>
-                  <a:spcPts val="0"/>
-                </a:spcBef>
-                <a:spcAft>
-                  <a:spcPts val="0"/>
-                </a:spcAft>
-                <a:buNone/>
-              </a:pPr>
-              <a:endParaRPr/>
-            </a:p>
-          </p:txBody>
-        </p:sp>
-        <p:sp>
-          <p:nvSpPr>
-            <p:cNvPr id="229" name="Google Shape;229;p28"/>
-            <p:cNvSpPr/>
-            <p:nvPr/>
-          </p:nvSpPr>
-          <p:spPr>
-            <a:xfrm>
-              <a:off x="2324938" y="2200109"/>
-              <a:ext cx="13709" cy="9657"/>
-            </a:xfrm>
-            <a:custGeom>
-              <a:avLst/>
-              <a:gdLst/>
-              <a:ahLst/>
-              <a:cxnLst/>
-              <a:rect l="l" t="t" r="r" b="b"/>
-              <a:pathLst>
-                <a:path w="406" h="286" extrusionOk="0">
-                  <a:moveTo>
-                    <a:pt x="143" y="0"/>
-                  </a:moveTo>
-                  <a:cubicBezTo>
-                    <a:pt x="72" y="0"/>
-                    <a:pt x="0" y="72"/>
-                    <a:pt x="0" y="143"/>
-                  </a:cubicBezTo>
-                  <a:cubicBezTo>
-                    <a:pt x="0" y="214"/>
-                    <a:pt x="72" y="286"/>
-                    <a:pt x="143" y="286"/>
-                  </a:cubicBezTo>
-                  <a:lnTo>
-                    <a:pt x="262" y="286"/>
-                  </a:lnTo>
-                  <a:cubicBezTo>
-                    <a:pt x="334" y="286"/>
-                    <a:pt x="405" y="214"/>
-                    <a:pt x="405" y="143"/>
-                  </a:cubicBezTo>
-                  <a:cubicBezTo>
-                    <a:pt x="405" y="72"/>
-                    <a:pt x="334" y="0"/>
-                    <a:pt x="262" y="0"/>
-                  </a:cubicBezTo>
-                  <a:close/>
-                </a:path>
-              </a:pathLst>
-            </a:custGeom>
-            <a:solidFill>
-              <a:schemeClr val="dk1"/>
-            </a:solidFill>
-            <a:ln>
-              <a:noFill/>
-            </a:ln>
-          </p:spPr>
-          <p:txBody>
-            <a:bodyPr spcFirstLastPara="1" wrap="square" lIns="91425" tIns="91425" rIns="91425" bIns="91425" anchor="ctr" anchorCtr="0">
-              <a:noAutofit/>
-            </a:bodyPr>
-            <a:lstStyle/>
-            <a:p>
-              <a:pPr marL="0" lvl="0" indent="0" algn="l" rtl="0">
-                <a:spcBef>
-                  <a:spcPts val="0"/>
-                </a:spcBef>
-                <a:spcAft>
-                  <a:spcPts val="0"/>
-                </a:spcAft>
-                <a:buNone/>
-              </a:pPr>
-              <a:endParaRPr/>
-            </a:p>
-          </p:txBody>
-        </p:sp>
-        <p:sp>
-          <p:nvSpPr>
-            <p:cNvPr id="230" name="Google Shape;230;p28"/>
-            <p:cNvSpPr/>
-            <p:nvPr/>
-          </p:nvSpPr>
-          <p:spPr>
-            <a:xfrm>
-              <a:off x="2298399" y="2219389"/>
-              <a:ext cx="13709" cy="9691"/>
-            </a:xfrm>
-            <a:custGeom>
-              <a:avLst/>
-              <a:gdLst/>
-              <a:ahLst/>
-              <a:cxnLst/>
-              <a:rect l="l" t="t" r="r" b="b"/>
-              <a:pathLst>
-                <a:path w="406" h="287" extrusionOk="0">
-                  <a:moveTo>
-                    <a:pt x="167" y="1"/>
-                  </a:moveTo>
-                  <a:cubicBezTo>
-                    <a:pt x="72" y="1"/>
-                    <a:pt x="0" y="48"/>
-                    <a:pt x="0" y="144"/>
-                  </a:cubicBezTo>
-                  <a:cubicBezTo>
-                    <a:pt x="0" y="215"/>
-                    <a:pt x="72" y="286"/>
-                    <a:pt x="167" y="286"/>
-                  </a:cubicBezTo>
-                  <a:lnTo>
-                    <a:pt x="262" y="286"/>
-                  </a:lnTo>
-                  <a:cubicBezTo>
-                    <a:pt x="358" y="286"/>
-                    <a:pt x="405" y="215"/>
-                    <a:pt x="405" y="144"/>
-                  </a:cubicBezTo>
-                  <a:cubicBezTo>
-                    <a:pt x="405" y="48"/>
-                    <a:pt x="358" y="1"/>
-                    <a:pt x="262" y="1"/>
-                  </a:cubicBezTo>
-                  <a:close/>
-                </a:path>
-              </a:pathLst>
-            </a:custGeom>
-            <a:solidFill>
-              <a:schemeClr val="dk1"/>
-            </a:solidFill>
-            <a:ln>
-              <a:noFill/>
-            </a:ln>
-          </p:spPr>
-          <p:txBody>
-            <a:bodyPr spcFirstLastPara="1" wrap="square" lIns="91425" tIns="91425" rIns="91425" bIns="91425" anchor="ctr" anchorCtr="0">
-              <a:noAutofit/>
-            </a:bodyPr>
-            <a:lstStyle/>
-            <a:p>
-              <a:pPr marL="0" lvl="0" indent="0" algn="l" rtl="0">
-                <a:spcBef>
-                  <a:spcPts val="0"/>
-                </a:spcBef>
-                <a:spcAft>
-                  <a:spcPts val="0"/>
-                </a:spcAft>
-                <a:buNone/>
-              </a:pPr>
-              <a:endParaRPr/>
-            </a:p>
-          </p:txBody>
-        </p:sp>
-        <p:sp>
-          <p:nvSpPr>
-            <p:cNvPr id="231" name="Google Shape;231;p28"/>
-            <p:cNvSpPr/>
-            <p:nvPr/>
-          </p:nvSpPr>
-          <p:spPr>
-            <a:xfrm>
-              <a:off x="2316092" y="2219389"/>
-              <a:ext cx="13709" cy="9691"/>
-            </a:xfrm>
-            <a:custGeom>
-              <a:avLst/>
-              <a:gdLst/>
-              <a:ahLst/>
-              <a:cxnLst/>
-              <a:rect l="l" t="t" r="r" b="b"/>
-              <a:pathLst>
-                <a:path w="406" h="287" extrusionOk="0">
-                  <a:moveTo>
-                    <a:pt x="143" y="1"/>
-                  </a:moveTo>
-                  <a:cubicBezTo>
-                    <a:pt x="72" y="1"/>
-                    <a:pt x="0" y="48"/>
-                    <a:pt x="0" y="144"/>
-                  </a:cubicBezTo>
-                  <a:cubicBezTo>
-                    <a:pt x="0" y="215"/>
-                    <a:pt x="72" y="286"/>
-                    <a:pt x="143" y="286"/>
-                  </a:cubicBezTo>
-                  <a:lnTo>
-                    <a:pt x="262" y="286"/>
-                  </a:lnTo>
-                  <a:cubicBezTo>
-                    <a:pt x="334" y="286"/>
-                    <a:pt x="405" y="215"/>
-                    <a:pt x="405" y="144"/>
-                  </a:cubicBezTo>
-                  <a:cubicBezTo>
-                    <a:pt x="405" y="48"/>
-                    <a:pt x="334" y="1"/>
-                    <a:pt x="262" y="1"/>
-                  </a:cubicBezTo>
-                  <a:close/>
-                </a:path>
-              </a:pathLst>
-            </a:custGeom>
-            <a:solidFill>
-              <a:schemeClr val="dk1"/>
-            </a:solidFill>
-            <a:ln>
-              <a:noFill/>
-            </a:ln>
-          </p:spPr>
-          <p:txBody>
-            <a:bodyPr spcFirstLastPara="1" wrap="square" lIns="91425" tIns="91425" rIns="91425" bIns="91425" anchor="ctr" anchorCtr="0">
-              <a:noAutofit/>
-            </a:bodyPr>
-            <a:lstStyle/>
-            <a:p>
-              <a:pPr marL="0" lvl="0" indent="0" algn="l" rtl="0">
-                <a:spcBef>
-                  <a:spcPts val="0"/>
-                </a:spcBef>
-                <a:spcAft>
-                  <a:spcPts val="0"/>
-                </a:spcAft>
-                <a:buNone/>
-              </a:pPr>
-              <a:endParaRPr/>
-            </a:p>
-          </p:txBody>
-        </p:sp>
-        <p:sp>
-          <p:nvSpPr>
-            <p:cNvPr id="232" name="Google Shape;232;p28"/>
-            <p:cNvSpPr/>
-            <p:nvPr/>
-          </p:nvSpPr>
-          <p:spPr>
-            <a:xfrm>
-              <a:off x="2173772" y="2113265"/>
-              <a:ext cx="44232" cy="73203"/>
-            </a:xfrm>
-            <a:custGeom>
-              <a:avLst/>
-              <a:gdLst/>
-              <a:ahLst/>
-              <a:cxnLst/>
-              <a:rect l="l" t="t" r="r" b="b"/>
-              <a:pathLst>
-                <a:path w="1310" h="2168" extrusionOk="0">
-                  <a:moveTo>
-                    <a:pt x="976" y="286"/>
-                  </a:moveTo>
-                  <a:cubicBezTo>
-                    <a:pt x="1000" y="286"/>
-                    <a:pt x="1024" y="310"/>
-                    <a:pt x="1024" y="334"/>
-                  </a:cubicBezTo>
-                  <a:lnTo>
-                    <a:pt x="1024" y="1834"/>
-                  </a:lnTo>
-                  <a:cubicBezTo>
-                    <a:pt x="1024" y="1858"/>
-                    <a:pt x="1000" y="1881"/>
-                    <a:pt x="976" y="1881"/>
-                  </a:cubicBezTo>
-                  <a:lnTo>
-                    <a:pt x="333" y="1881"/>
-                  </a:lnTo>
-                  <a:cubicBezTo>
-                    <a:pt x="310" y="1881"/>
-                    <a:pt x="286" y="1858"/>
-                    <a:pt x="286" y="1834"/>
-                  </a:cubicBezTo>
-                  <a:lnTo>
-                    <a:pt x="286" y="334"/>
-                  </a:lnTo>
-                  <a:cubicBezTo>
-                    <a:pt x="286" y="310"/>
-                    <a:pt x="310" y="286"/>
-                    <a:pt x="333" y="286"/>
-                  </a:cubicBezTo>
-                  <a:close/>
-                  <a:moveTo>
-                    <a:pt x="333" y="0"/>
-                  </a:moveTo>
-                  <a:cubicBezTo>
-                    <a:pt x="143" y="0"/>
-                    <a:pt x="0" y="143"/>
-                    <a:pt x="0" y="334"/>
-                  </a:cubicBezTo>
-                  <a:lnTo>
-                    <a:pt x="0" y="1834"/>
-                  </a:lnTo>
-                  <a:cubicBezTo>
-                    <a:pt x="0" y="2024"/>
-                    <a:pt x="143" y="2167"/>
-                    <a:pt x="333" y="2167"/>
-                  </a:cubicBezTo>
-                  <a:lnTo>
-                    <a:pt x="976" y="2167"/>
-                  </a:lnTo>
-                  <a:cubicBezTo>
-                    <a:pt x="1167" y="2167"/>
-                    <a:pt x="1310" y="2024"/>
-                    <a:pt x="1310" y="1834"/>
-                  </a:cubicBezTo>
-                  <a:lnTo>
-                    <a:pt x="1310" y="334"/>
-                  </a:lnTo>
-                  <a:cubicBezTo>
-                    <a:pt x="1310" y="143"/>
-                    <a:pt x="1167" y="0"/>
-                    <a:pt x="976" y="0"/>
-                  </a:cubicBezTo>
-                  <a:close/>
-                </a:path>
-              </a:pathLst>
-            </a:custGeom>
-            <a:solidFill>
-              <a:schemeClr val="dk1"/>
-            </a:solidFill>
-            <a:ln>
-              <a:noFill/>
-            </a:ln>
-          </p:spPr>
-          <p:txBody>
-            <a:bodyPr spcFirstLastPara="1" wrap="square" lIns="91425" tIns="91425" rIns="91425" bIns="91425" anchor="ctr" anchorCtr="0">
-              <a:noAutofit/>
-            </a:bodyPr>
-            <a:lstStyle/>
-            <a:p>
-              <a:pPr marL="0" lvl="0" indent="0" algn="l" rtl="0">
-                <a:spcBef>
-                  <a:spcPts val="0"/>
-                </a:spcBef>
-                <a:spcAft>
-                  <a:spcPts val="0"/>
-                </a:spcAft>
-                <a:buNone/>
-              </a:pPr>
-              <a:endParaRPr/>
-            </a:p>
-          </p:txBody>
-        </p:sp>
-        <p:sp>
-          <p:nvSpPr>
-            <p:cNvPr id="233" name="Google Shape;233;p28"/>
-            <p:cNvSpPr/>
-            <p:nvPr/>
-          </p:nvSpPr>
-          <p:spPr>
-            <a:xfrm>
-              <a:off x="2171341" y="2089934"/>
-              <a:ext cx="13709" cy="9691"/>
-            </a:xfrm>
-            <a:custGeom>
-              <a:avLst/>
-              <a:gdLst/>
-              <a:ahLst/>
-              <a:cxnLst/>
-              <a:rect l="l" t="t" r="r" b="b"/>
-              <a:pathLst>
-                <a:path w="406" h="287" extrusionOk="0">
-                  <a:moveTo>
-                    <a:pt x="167" y="1"/>
-                  </a:moveTo>
-                  <a:cubicBezTo>
-                    <a:pt x="72" y="1"/>
-                    <a:pt x="1" y="72"/>
-                    <a:pt x="1" y="143"/>
-                  </a:cubicBezTo>
-                  <a:cubicBezTo>
-                    <a:pt x="1" y="239"/>
-                    <a:pt x="72" y="286"/>
-                    <a:pt x="167" y="286"/>
-                  </a:cubicBezTo>
-                  <a:lnTo>
-                    <a:pt x="263" y="286"/>
-                  </a:lnTo>
-                  <a:cubicBezTo>
-                    <a:pt x="334" y="286"/>
-                    <a:pt x="405" y="239"/>
-                    <a:pt x="405" y="143"/>
-                  </a:cubicBezTo>
-                  <a:cubicBezTo>
-                    <a:pt x="405" y="72"/>
-                    <a:pt x="334" y="1"/>
-                    <a:pt x="263" y="1"/>
-                  </a:cubicBezTo>
-                  <a:close/>
-                </a:path>
-              </a:pathLst>
-            </a:custGeom>
-            <a:solidFill>
-              <a:schemeClr val="dk1"/>
-            </a:solidFill>
-            <a:ln>
-              <a:noFill/>
-            </a:ln>
-          </p:spPr>
-          <p:txBody>
-            <a:bodyPr spcFirstLastPara="1" wrap="square" lIns="91425" tIns="91425" rIns="91425" bIns="91425" anchor="ctr" anchorCtr="0">
-              <a:noAutofit/>
-            </a:bodyPr>
-            <a:lstStyle/>
-            <a:p>
-              <a:pPr marL="0" lvl="0" indent="0" algn="l" rtl="0">
-                <a:spcBef>
-                  <a:spcPts val="0"/>
-                </a:spcBef>
-                <a:spcAft>
-                  <a:spcPts val="0"/>
-                </a:spcAft>
-                <a:buNone/>
-              </a:pPr>
-              <a:endParaRPr/>
-            </a:p>
-          </p:txBody>
-        </p:sp>
-        <p:sp>
-          <p:nvSpPr>
-            <p:cNvPr id="234" name="Google Shape;234;p28"/>
-            <p:cNvSpPr/>
-            <p:nvPr/>
-          </p:nvSpPr>
-          <p:spPr>
-            <a:xfrm>
-              <a:off x="2189034" y="2089934"/>
-              <a:ext cx="13709" cy="9691"/>
-            </a:xfrm>
-            <a:custGeom>
-              <a:avLst/>
-              <a:gdLst/>
-              <a:ahLst/>
-              <a:cxnLst/>
-              <a:rect l="l" t="t" r="r" b="b"/>
-              <a:pathLst>
-                <a:path w="406" h="287" extrusionOk="0">
-                  <a:moveTo>
-                    <a:pt x="143" y="1"/>
-                  </a:moveTo>
-                  <a:cubicBezTo>
-                    <a:pt x="72" y="1"/>
-                    <a:pt x="1" y="72"/>
-                    <a:pt x="1" y="143"/>
-                  </a:cubicBezTo>
-                  <a:cubicBezTo>
-                    <a:pt x="1" y="239"/>
-                    <a:pt x="72" y="286"/>
-                    <a:pt x="143" y="286"/>
-                  </a:cubicBezTo>
-                  <a:lnTo>
-                    <a:pt x="262" y="286"/>
-                  </a:lnTo>
-                  <a:cubicBezTo>
-                    <a:pt x="334" y="286"/>
-                    <a:pt x="405" y="239"/>
-                    <a:pt x="405" y="143"/>
-                  </a:cubicBezTo>
-                  <a:cubicBezTo>
-                    <a:pt x="405" y="72"/>
-                    <a:pt x="334" y="1"/>
-                    <a:pt x="262" y="1"/>
-                  </a:cubicBezTo>
-                  <a:close/>
-                </a:path>
-              </a:pathLst>
-            </a:custGeom>
-            <a:solidFill>
-              <a:schemeClr val="dk1"/>
-            </a:solidFill>
-            <a:ln>
-              <a:noFill/>
-            </a:ln>
-          </p:spPr>
-          <p:txBody>
-            <a:bodyPr spcFirstLastPara="1" wrap="square" lIns="91425" tIns="91425" rIns="91425" bIns="91425" anchor="ctr" anchorCtr="0">
-              <a:noAutofit/>
-            </a:bodyPr>
-            <a:lstStyle/>
-            <a:p>
-              <a:pPr marL="0" lvl="0" indent="0" algn="l" rtl="0">
-                <a:spcBef>
-                  <a:spcPts val="0"/>
-                </a:spcBef>
-                <a:spcAft>
-                  <a:spcPts val="0"/>
-                </a:spcAft>
-                <a:buNone/>
-              </a:pPr>
-              <a:endParaRPr/>
-            </a:p>
-          </p:txBody>
-        </p:sp>
-        <p:sp>
-          <p:nvSpPr>
-            <p:cNvPr id="235" name="Google Shape;235;p28"/>
-            <p:cNvSpPr/>
-            <p:nvPr/>
-          </p:nvSpPr>
-          <p:spPr>
-            <a:xfrm>
-              <a:off x="2206727" y="2089934"/>
-              <a:ext cx="13709" cy="9691"/>
-            </a:xfrm>
-            <a:custGeom>
-              <a:avLst/>
-              <a:gdLst/>
-              <a:ahLst/>
-              <a:cxnLst/>
-              <a:rect l="l" t="t" r="r" b="b"/>
-              <a:pathLst>
-                <a:path w="406" h="287" extrusionOk="0">
-                  <a:moveTo>
-                    <a:pt x="143" y="1"/>
-                  </a:moveTo>
-                  <a:cubicBezTo>
-                    <a:pt x="72" y="1"/>
-                    <a:pt x="0" y="72"/>
-                    <a:pt x="0" y="143"/>
-                  </a:cubicBezTo>
-                  <a:cubicBezTo>
-                    <a:pt x="0" y="239"/>
-                    <a:pt x="72" y="286"/>
-                    <a:pt x="143" y="286"/>
-                  </a:cubicBezTo>
-                  <a:lnTo>
-                    <a:pt x="239" y="286"/>
-                  </a:lnTo>
-                  <a:cubicBezTo>
-                    <a:pt x="334" y="286"/>
-                    <a:pt x="405" y="239"/>
-                    <a:pt x="405" y="143"/>
-                  </a:cubicBezTo>
-                  <a:cubicBezTo>
-                    <a:pt x="405" y="72"/>
-                    <a:pt x="334" y="1"/>
-                    <a:pt x="239" y="1"/>
-                  </a:cubicBezTo>
-                  <a:close/>
-                </a:path>
-              </a:pathLst>
-            </a:custGeom>
-            <a:solidFill>
-              <a:schemeClr val="dk1"/>
-            </a:solidFill>
-            <a:ln>
-              <a:noFill/>
-            </a:ln>
-          </p:spPr>
-          <p:txBody>
-            <a:bodyPr spcFirstLastPara="1" wrap="square" lIns="91425" tIns="91425" rIns="91425" bIns="91425" anchor="ctr" anchorCtr="0">
-              <a:noAutofit/>
-            </a:bodyPr>
-            <a:lstStyle/>
-            <a:p>
-              <a:pPr marL="0" lvl="0" indent="0" algn="l" rtl="0">
-                <a:spcBef>
-                  <a:spcPts val="0"/>
-                </a:spcBef>
-                <a:spcAft>
-                  <a:spcPts val="0"/>
-                </a:spcAft>
-                <a:buNone/>
-              </a:pPr>
-              <a:endParaRPr/>
-            </a:p>
-          </p:txBody>
-        </p:sp>
-        <p:sp>
-          <p:nvSpPr>
-            <p:cNvPr id="236" name="Google Shape;236;p28"/>
-            <p:cNvSpPr/>
-            <p:nvPr/>
-          </p:nvSpPr>
-          <p:spPr>
-            <a:xfrm>
-              <a:off x="2180188" y="2071430"/>
-              <a:ext cx="13709" cy="9691"/>
-            </a:xfrm>
-            <a:custGeom>
-              <a:avLst/>
-              <a:gdLst/>
-              <a:ahLst/>
-              <a:cxnLst/>
-              <a:rect l="l" t="t" r="r" b="b"/>
-              <a:pathLst>
-                <a:path w="406" h="287" extrusionOk="0">
-                  <a:moveTo>
-                    <a:pt x="143" y="1"/>
-                  </a:moveTo>
-                  <a:cubicBezTo>
-                    <a:pt x="72" y="1"/>
-                    <a:pt x="1" y="48"/>
-                    <a:pt x="1" y="144"/>
-                  </a:cubicBezTo>
-                  <a:cubicBezTo>
-                    <a:pt x="1" y="215"/>
-                    <a:pt x="72" y="287"/>
-                    <a:pt x="143" y="287"/>
-                  </a:cubicBezTo>
-                  <a:lnTo>
-                    <a:pt x="263" y="287"/>
-                  </a:lnTo>
-                  <a:cubicBezTo>
-                    <a:pt x="334" y="287"/>
-                    <a:pt x="405" y="215"/>
-                    <a:pt x="405" y="144"/>
-                  </a:cubicBezTo>
-                  <a:cubicBezTo>
-                    <a:pt x="405" y="48"/>
-                    <a:pt x="334" y="1"/>
-                    <a:pt x="263" y="1"/>
-                  </a:cubicBezTo>
-                  <a:close/>
-                </a:path>
-              </a:pathLst>
-            </a:custGeom>
-            <a:solidFill>
-              <a:schemeClr val="dk1"/>
-            </a:solidFill>
-            <a:ln>
-              <a:noFill/>
-            </a:ln>
-          </p:spPr>
-          <p:txBody>
-            <a:bodyPr spcFirstLastPara="1" wrap="square" lIns="91425" tIns="91425" rIns="91425" bIns="91425" anchor="ctr" anchorCtr="0">
-              <a:noAutofit/>
-            </a:bodyPr>
-            <a:lstStyle/>
-            <a:p>
-              <a:pPr marL="0" lvl="0" indent="0" algn="l" rtl="0">
-                <a:spcBef>
-                  <a:spcPts val="0"/>
-                </a:spcBef>
-                <a:spcAft>
-                  <a:spcPts val="0"/>
-                </a:spcAft>
-                <a:buNone/>
-              </a:pPr>
-              <a:endParaRPr/>
-            </a:p>
-          </p:txBody>
-        </p:sp>
-        <p:sp>
-          <p:nvSpPr>
-            <p:cNvPr id="237" name="Google Shape;237;p28"/>
-            <p:cNvSpPr/>
-            <p:nvPr/>
-          </p:nvSpPr>
-          <p:spPr>
-            <a:xfrm>
-              <a:off x="2197881" y="2071430"/>
-              <a:ext cx="13709" cy="9691"/>
-            </a:xfrm>
-            <a:custGeom>
-              <a:avLst/>
-              <a:gdLst/>
-              <a:ahLst/>
-              <a:cxnLst/>
-              <a:rect l="l" t="t" r="r" b="b"/>
-              <a:pathLst>
-                <a:path w="406" h="287" extrusionOk="0">
-                  <a:moveTo>
-                    <a:pt x="143" y="1"/>
-                  </a:moveTo>
-                  <a:cubicBezTo>
-                    <a:pt x="72" y="1"/>
-                    <a:pt x="0" y="48"/>
-                    <a:pt x="0" y="144"/>
-                  </a:cubicBezTo>
-                  <a:cubicBezTo>
-                    <a:pt x="0" y="215"/>
-                    <a:pt x="72" y="287"/>
-                    <a:pt x="143" y="287"/>
-                  </a:cubicBezTo>
-                  <a:lnTo>
-                    <a:pt x="262" y="287"/>
-                  </a:lnTo>
-                  <a:cubicBezTo>
-                    <a:pt x="334" y="287"/>
-                    <a:pt x="405" y="215"/>
-                    <a:pt x="405" y="144"/>
-                  </a:cubicBezTo>
-                  <a:cubicBezTo>
-                    <a:pt x="405" y="48"/>
-                    <a:pt x="334" y="1"/>
-                    <a:pt x="262" y="1"/>
-                  </a:cubicBezTo>
-                  <a:close/>
-                </a:path>
-              </a:pathLst>
-            </a:custGeom>
-            <a:solidFill>
-              <a:schemeClr val="dk1"/>
-            </a:solidFill>
-            <a:ln>
-              <a:noFill/>
-            </a:ln>
-          </p:spPr>
-          <p:txBody>
-            <a:bodyPr spcFirstLastPara="1" wrap="square" lIns="91425" tIns="91425" rIns="91425" bIns="91425" anchor="ctr" anchorCtr="0">
-              <a:noAutofit/>
-            </a:bodyPr>
-            <a:lstStyle/>
-            <a:p>
-              <a:pPr marL="0" lvl="0" indent="0" algn="l" rtl="0">
-                <a:spcBef>
-                  <a:spcPts val="0"/>
-                </a:spcBef>
-                <a:spcAft>
-                  <a:spcPts val="0"/>
-                </a:spcAft>
-                <a:buNone/>
-              </a:pPr>
-              <a:endParaRPr/>
-            </a:p>
-          </p:txBody>
-        </p:sp>
-        <p:sp>
-          <p:nvSpPr>
-            <p:cNvPr id="238" name="Google Shape;238;p28"/>
-            <p:cNvSpPr/>
-            <p:nvPr/>
-          </p:nvSpPr>
-          <p:spPr>
-            <a:xfrm>
-              <a:off x="2171341" y="2200109"/>
-              <a:ext cx="13709" cy="9657"/>
-            </a:xfrm>
-            <a:custGeom>
-              <a:avLst/>
-              <a:gdLst/>
-              <a:ahLst/>
-              <a:cxnLst/>
-              <a:rect l="l" t="t" r="r" b="b"/>
-              <a:pathLst>
-                <a:path w="406" h="286" extrusionOk="0">
-                  <a:moveTo>
-                    <a:pt x="167" y="0"/>
-                  </a:moveTo>
-                  <a:cubicBezTo>
-                    <a:pt x="72" y="0"/>
-                    <a:pt x="1" y="72"/>
-                    <a:pt x="1" y="143"/>
-                  </a:cubicBezTo>
-                  <a:cubicBezTo>
-                    <a:pt x="24" y="214"/>
-                    <a:pt x="72" y="286"/>
-                    <a:pt x="167" y="286"/>
-                  </a:cubicBezTo>
-                  <a:lnTo>
-                    <a:pt x="263" y="286"/>
-                  </a:lnTo>
-                  <a:cubicBezTo>
-                    <a:pt x="334" y="286"/>
-                    <a:pt x="405" y="214"/>
-                    <a:pt x="405" y="143"/>
-                  </a:cubicBezTo>
-                  <a:cubicBezTo>
-                    <a:pt x="405" y="72"/>
-                    <a:pt x="334" y="0"/>
-                    <a:pt x="263" y="0"/>
-                  </a:cubicBezTo>
-                  <a:close/>
-                </a:path>
-              </a:pathLst>
-            </a:custGeom>
-            <a:solidFill>
-              <a:schemeClr val="dk1"/>
-            </a:solidFill>
-            <a:ln>
-              <a:noFill/>
-            </a:ln>
-          </p:spPr>
-          <p:txBody>
-            <a:bodyPr spcFirstLastPara="1" wrap="square" lIns="91425" tIns="91425" rIns="91425" bIns="91425" anchor="ctr" anchorCtr="0">
-              <a:noAutofit/>
-            </a:bodyPr>
-            <a:lstStyle/>
-            <a:p>
-              <a:pPr marL="0" lvl="0" indent="0" algn="l" rtl="0">
-                <a:spcBef>
-                  <a:spcPts val="0"/>
-                </a:spcBef>
-                <a:spcAft>
-                  <a:spcPts val="0"/>
-                </a:spcAft>
-                <a:buNone/>
-              </a:pPr>
-              <a:endParaRPr/>
-            </a:p>
-          </p:txBody>
-        </p:sp>
-        <p:sp>
-          <p:nvSpPr>
-            <p:cNvPr id="239" name="Google Shape;239;p28"/>
-            <p:cNvSpPr/>
-            <p:nvPr/>
-          </p:nvSpPr>
-          <p:spPr>
-            <a:xfrm>
-              <a:off x="2189034" y="2200109"/>
-              <a:ext cx="13709" cy="9657"/>
-            </a:xfrm>
-            <a:custGeom>
-              <a:avLst/>
-              <a:gdLst/>
-              <a:ahLst/>
-              <a:cxnLst/>
-              <a:rect l="l" t="t" r="r" b="b"/>
-              <a:pathLst>
-                <a:path w="406" h="286" extrusionOk="0">
-                  <a:moveTo>
-                    <a:pt x="143" y="0"/>
-                  </a:moveTo>
-                  <a:cubicBezTo>
-                    <a:pt x="72" y="0"/>
-                    <a:pt x="1" y="72"/>
-                    <a:pt x="1" y="143"/>
-                  </a:cubicBezTo>
-                  <a:cubicBezTo>
-                    <a:pt x="1" y="214"/>
-                    <a:pt x="72" y="286"/>
-                    <a:pt x="143" y="286"/>
-                  </a:cubicBezTo>
-                  <a:lnTo>
-                    <a:pt x="262" y="286"/>
-                  </a:lnTo>
-                  <a:cubicBezTo>
-                    <a:pt x="334" y="286"/>
-                    <a:pt x="405" y="214"/>
-                    <a:pt x="405" y="143"/>
-                  </a:cubicBezTo>
-                  <a:cubicBezTo>
-                    <a:pt x="405" y="72"/>
-                    <a:pt x="334" y="0"/>
-                    <a:pt x="262" y="0"/>
-                  </a:cubicBezTo>
-                  <a:close/>
-                </a:path>
-              </a:pathLst>
-            </a:custGeom>
-            <a:solidFill>
-              <a:schemeClr val="dk1"/>
-            </a:solidFill>
-            <a:ln>
-              <a:noFill/>
-            </a:ln>
-          </p:spPr>
-          <p:txBody>
-            <a:bodyPr spcFirstLastPara="1" wrap="square" lIns="91425" tIns="91425" rIns="91425" bIns="91425" anchor="ctr" anchorCtr="0">
-              <a:noAutofit/>
-            </a:bodyPr>
-            <a:lstStyle/>
-            <a:p>
-              <a:pPr marL="0" lvl="0" indent="0" algn="l" rtl="0">
-                <a:spcBef>
-                  <a:spcPts val="0"/>
-                </a:spcBef>
-                <a:spcAft>
-                  <a:spcPts val="0"/>
-                </a:spcAft>
-                <a:buNone/>
-              </a:pPr>
-              <a:endParaRPr/>
-            </a:p>
-          </p:txBody>
-        </p:sp>
-        <p:sp>
-          <p:nvSpPr>
-            <p:cNvPr id="240" name="Google Shape;240;p28"/>
-            <p:cNvSpPr/>
-            <p:nvPr/>
-          </p:nvSpPr>
-          <p:spPr>
-            <a:xfrm>
-              <a:off x="2206727" y="2200109"/>
-              <a:ext cx="13709" cy="9657"/>
-            </a:xfrm>
-            <a:custGeom>
-              <a:avLst/>
-              <a:gdLst/>
-              <a:ahLst/>
-              <a:cxnLst/>
-              <a:rect l="l" t="t" r="r" b="b"/>
-              <a:pathLst>
-                <a:path w="406" h="286" extrusionOk="0">
-                  <a:moveTo>
-                    <a:pt x="143" y="0"/>
-                  </a:moveTo>
-                  <a:cubicBezTo>
-                    <a:pt x="72" y="0"/>
-                    <a:pt x="0" y="72"/>
-                    <a:pt x="0" y="143"/>
-                  </a:cubicBezTo>
-                  <a:cubicBezTo>
-                    <a:pt x="0" y="214"/>
-                    <a:pt x="72" y="286"/>
-                    <a:pt x="143" y="286"/>
-                  </a:cubicBezTo>
-                  <a:lnTo>
-                    <a:pt x="239" y="286"/>
-                  </a:lnTo>
-                  <a:cubicBezTo>
-                    <a:pt x="334" y="286"/>
-                    <a:pt x="405" y="214"/>
-                    <a:pt x="405" y="143"/>
-                  </a:cubicBezTo>
-                  <a:cubicBezTo>
-                    <a:pt x="405" y="72"/>
-                    <a:pt x="334" y="0"/>
-                    <a:pt x="239" y="0"/>
-                  </a:cubicBezTo>
-                  <a:close/>
-                </a:path>
-              </a:pathLst>
-            </a:custGeom>
-            <a:solidFill>
-              <a:schemeClr val="dk1"/>
-            </a:solidFill>
-            <a:ln>
-              <a:noFill/>
-            </a:ln>
-          </p:spPr>
-          <p:txBody>
-            <a:bodyPr spcFirstLastPara="1" wrap="square" lIns="91425" tIns="91425" rIns="91425" bIns="91425" anchor="ctr" anchorCtr="0">
-              <a:noAutofit/>
-            </a:bodyPr>
-            <a:lstStyle/>
-            <a:p>
-              <a:pPr marL="0" lvl="0" indent="0" algn="l" rtl="0">
-                <a:spcBef>
-                  <a:spcPts val="0"/>
-                </a:spcBef>
-                <a:spcAft>
-                  <a:spcPts val="0"/>
-                </a:spcAft>
-                <a:buNone/>
-              </a:pPr>
-              <a:endParaRPr/>
-            </a:p>
-          </p:txBody>
-        </p:sp>
-        <p:sp>
-          <p:nvSpPr>
-            <p:cNvPr id="241" name="Google Shape;241;p28"/>
-            <p:cNvSpPr/>
-            <p:nvPr/>
-          </p:nvSpPr>
-          <p:spPr>
-            <a:xfrm>
-              <a:off x="2180188" y="2218578"/>
-              <a:ext cx="13709" cy="10501"/>
-            </a:xfrm>
-            <a:custGeom>
-              <a:avLst/>
-              <a:gdLst/>
-              <a:ahLst/>
-              <a:cxnLst/>
-              <a:rect l="l" t="t" r="r" b="b"/>
-              <a:pathLst>
-                <a:path w="406" h="311" extrusionOk="0">
-                  <a:moveTo>
-                    <a:pt x="167" y="1"/>
-                  </a:moveTo>
-                  <a:cubicBezTo>
-                    <a:pt x="72" y="25"/>
-                    <a:pt x="1" y="72"/>
-                    <a:pt x="1" y="168"/>
-                  </a:cubicBezTo>
-                  <a:cubicBezTo>
-                    <a:pt x="1" y="239"/>
-                    <a:pt x="72" y="310"/>
-                    <a:pt x="167" y="310"/>
-                  </a:cubicBezTo>
-                  <a:lnTo>
-                    <a:pt x="263" y="310"/>
-                  </a:lnTo>
-                  <a:cubicBezTo>
-                    <a:pt x="334" y="310"/>
-                    <a:pt x="405" y="239"/>
-                    <a:pt x="405" y="168"/>
-                  </a:cubicBezTo>
-                  <a:cubicBezTo>
-                    <a:pt x="405" y="72"/>
-                    <a:pt x="334" y="1"/>
-                    <a:pt x="263" y="1"/>
-                  </a:cubicBezTo>
-                  <a:close/>
-                </a:path>
-              </a:pathLst>
-            </a:custGeom>
-            <a:solidFill>
-              <a:schemeClr val="dk1"/>
-            </a:solidFill>
-            <a:ln>
-              <a:noFill/>
-            </a:ln>
-          </p:spPr>
-          <p:txBody>
-            <a:bodyPr spcFirstLastPara="1" wrap="square" lIns="91425" tIns="91425" rIns="91425" bIns="91425" anchor="ctr" anchorCtr="0">
-              <a:noAutofit/>
-            </a:bodyPr>
-            <a:lstStyle/>
-            <a:p>
-              <a:pPr marL="0" lvl="0" indent="0" algn="l" rtl="0">
-                <a:spcBef>
-                  <a:spcPts val="0"/>
-                </a:spcBef>
-                <a:spcAft>
-                  <a:spcPts val="0"/>
-                </a:spcAft>
-                <a:buNone/>
-              </a:pPr>
-              <a:endParaRPr/>
-            </a:p>
-          </p:txBody>
-        </p:sp>
-        <p:sp>
-          <p:nvSpPr>
-            <p:cNvPr id="242" name="Google Shape;242;p28"/>
-            <p:cNvSpPr/>
-            <p:nvPr/>
-          </p:nvSpPr>
-          <p:spPr>
-            <a:xfrm>
-              <a:off x="2197881" y="2218578"/>
-              <a:ext cx="13709" cy="10501"/>
-            </a:xfrm>
-            <a:custGeom>
-              <a:avLst/>
-              <a:gdLst/>
-              <a:ahLst/>
-              <a:cxnLst/>
-              <a:rect l="l" t="t" r="r" b="b"/>
-              <a:pathLst>
-                <a:path w="406" h="311" extrusionOk="0">
-                  <a:moveTo>
-                    <a:pt x="143" y="1"/>
-                  </a:moveTo>
-                  <a:cubicBezTo>
-                    <a:pt x="72" y="1"/>
-                    <a:pt x="0" y="72"/>
-                    <a:pt x="0" y="168"/>
-                  </a:cubicBezTo>
-                  <a:cubicBezTo>
-                    <a:pt x="0" y="239"/>
-                    <a:pt x="72" y="310"/>
-                    <a:pt x="143" y="310"/>
-                  </a:cubicBezTo>
-                  <a:lnTo>
-                    <a:pt x="262" y="310"/>
-                  </a:lnTo>
-                  <a:cubicBezTo>
-                    <a:pt x="334" y="310"/>
-                    <a:pt x="405" y="239"/>
-                    <a:pt x="405" y="168"/>
-                  </a:cubicBezTo>
-                  <a:cubicBezTo>
-                    <a:pt x="405" y="72"/>
-                    <a:pt x="334" y="1"/>
-                    <a:pt x="262" y="1"/>
-                  </a:cubicBezTo>
-                  <a:close/>
-                </a:path>
-              </a:pathLst>
-            </a:custGeom>
-            <a:solidFill>
-              <a:schemeClr val="dk1"/>
-            </a:solidFill>
-            <a:ln>
-              <a:noFill/>
-            </a:ln>
-          </p:spPr>
-          <p:txBody>
-            <a:bodyPr spcFirstLastPara="1" wrap="square" lIns="91425" tIns="91425" rIns="91425" bIns="91425" anchor="ctr" anchorCtr="0">
-              <a:noAutofit/>
-            </a:bodyPr>
-            <a:lstStyle/>
-            <a:p>
-              <a:pPr marL="0" lvl="0" indent="0" algn="l" rtl="0">
-                <a:spcBef>
-                  <a:spcPts val="0"/>
-                </a:spcBef>
-                <a:spcAft>
-                  <a:spcPts val="0"/>
-                </a:spcAft>
-                <a:buNone/>
-              </a:pPr>
-              <a:endParaRPr/>
-            </a:p>
-          </p:txBody>
-        </p:sp>
-        <p:sp>
-          <p:nvSpPr>
-            <p:cNvPr id="243" name="Google Shape;243;p28"/>
-            <p:cNvSpPr/>
-            <p:nvPr/>
-          </p:nvSpPr>
-          <p:spPr>
-            <a:xfrm>
-              <a:off x="2335372" y="2009201"/>
-              <a:ext cx="25763" cy="16444"/>
-            </a:xfrm>
-            <a:custGeom>
-              <a:avLst/>
-              <a:gdLst/>
-              <a:ahLst/>
-              <a:cxnLst/>
-              <a:rect l="l" t="t" r="r" b="b"/>
-              <a:pathLst>
-                <a:path w="763" h="487" extrusionOk="0">
-                  <a:moveTo>
-                    <a:pt x="176" y="1"/>
-                  </a:moveTo>
-                  <a:cubicBezTo>
-                    <a:pt x="134" y="1"/>
-                    <a:pt x="88" y="18"/>
-                    <a:pt x="48" y="58"/>
-                  </a:cubicBezTo>
-                  <a:cubicBezTo>
-                    <a:pt x="1" y="105"/>
-                    <a:pt x="1" y="201"/>
-                    <a:pt x="72" y="248"/>
-                  </a:cubicBezTo>
-                  <a:lnTo>
-                    <a:pt x="287" y="439"/>
-                  </a:lnTo>
-                  <a:cubicBezTo>
-                    <a:pt x="310" y="486"/>
-                    <a:pt x="358" y="486"/>
-                    <a:pt x="382" y="486"/>
-                  </a:cubicBezTo>
-                  <a:cubicBezTo>
-                    <a:pt x="429" y="486"/>
-                    <a:pt x="453" y="486"/>
-                    <a:pt x="477" y="439"/>
-                  </a:cubicBezTo>
-                  <a:lnTo>
-                    <a:pt x="715" y="248"/>
-                  </a:lnTo>
-                  <a:cubicBezTo>
-                    <a:pt x="763" y="201"/>
-                    <a:pt x="763" y="105"/>
-                    <a:pt x="715" y="58"/>
-                  </a:cubicBezTo>
-                  <a:cubicBezTo>
-                    <a:pt x="689" y="18"/>
-                    <a:pt x="648" y="1"/>
-                    <a:pt x="605" y="1"/>
-                  </a:cubicBezTo>
-                  <a:cubicBezTo>
-                    <a:pt x="570" y="1"/>
-                    <a:pt x="533" y="12"/>
-                    <a:pt x="501" y="34"/>
-                  </a:cubicBezTo>
-                  <a:lnTo>
-                    <a:pt x="382" y="153"/>
-                  </a:lnTo>
-                  <a:lnTo>
-                    <a:pt x="263" y="34"/>
-                  </a:lnTo>
-                  <a:cubicBezTo>
-                    <a:pt x="241" y="12"/>
-                    <a:pt x="210" y="1"/>
-                    <a:pt x="176" y="1"/>
-                  </a:cubicBezTo>
-                  <a:close/>
-                </a:path>
-              </a:pathLst>
-            </a:custGeom>
-            <a:solidFill>
-              <a:schemeClr val="dk1"/>
-            </a:solidFill>
-            <a:ln>
-              <a:noFill/>
-            </a:ln>
-          </p:spPr>
-          <p:txBody>
-            <a:bodyPr spcFirstLastPara="1" wrap="square" lIns="91425" tIns="91425" rIns="91425" bIns="91425" anchor="ctr" anchorCtr="0">
-              <a:noAutofit/>
-            </a:bodyPr>
-            <a:lstStyle/>
-            <a:p>
-              <a:pPr marL="0" lvl="0" indent="0" algn="l" rtl="0">
-                <a:spcBef>
-                  <a:spcPts val="0"/>
-                </a:spcBef>
-                <a:spcAft>
-                  <a:spcPts val="0"/>
-                </a:spcAft>
-                <a:buNone/>
-              </a:pPr>
-              <a:endParaRPr/>
-            </a:p>
-          </p:txBody>
-        </p:sp>
-        <p:sp>
-          <p:nvSpPr>
-            <p:cNvPr id="244" name="Google Shape;244;p28"/>
-            <p:cNvSpPr/>
-            <p:nvPr/>
-          </p:nvSpPr>
-          <p:spPr>
-            <a:xfrm>
-              <a:off x="2148820" y="2009201"/>
-              <a:ext cx="25763" cy="16444"/>
-            </a:xfrm>
-            <a:custGeom>
-              <a:avLst/>
-              <a:gdLst/>
-              <a:ahLst/>
-              <a:cxnLst/>
-              <a:rect l="l" t="t" r="r" b="b"/>
-              <a:pathLst>
-                <a:path w="763" h="487" extrusionOk="0">
-                  <a:moveTo>
-                    <a:pt x="158" y="1"/>
-                  </a:moveTo>
-                  <a:cubicBezTo>
-                    <a:pt x="115" y="1"/>
-                    <a:pt x="75" y="18"/>
-                    <a:pt x="48" y="58"/>
-                  </a:cubicBezTo>
-                  <a:cubicBezTo>
-                    <a:pt x="1" y="105"/>
-                    <a:pt x="1" y="201"/>
-                    <a:pt x="48" y="248"/>
-                  </a:cubicBezTo>
-                  <a:lnTo>
-                    <a:pt x="287" y="463"/>
-                  </a:lnTo>
-                  <a:cubicBezTo>
-                    <a:pt x="310" y="486"/>
-                    <a:pt x="358" y="486"/>
-                    <a:pt x="382" y="486"/>
-                  </a:cubicBezTo>
-                  <a:cubicBezTo>
-                    <a:pt x="406" y="486"/>
-                    <a:pt x="453" y="486"/>
-                    <a:pt x="477" y="463"/>
-                  </a:cubicBezTo>
-                  <a:lnTo>
-                    <a:pt x="691" y="248"/>
-                  </a:lnTo>
-                  <a:cubicBezTo>
-                    <a:pt x="763" y="201"/>
-                    <a:pt x="763" y="105"/>
-                    <a:pt x="715" y="58"/>
-                  </a:cubicBezTo>
-                  <a:cubicBezTo>
-                    <a:pt x="676" y="18"/>
-                    <a:pt x="637" y="1"/>
-                    <a:pt x="597" y="1"/>
-                  </a:cubicBezTo>
-                  <a:cubicBezTo>
-                    <a:pt x="565" y="1"/>
-                    <a:pt x="533" y="12"/>
-                    <a:pt x="501" y="34"/>
-                  </a:cubicBezTo>
-                  <a:lnTo>
-                    <a:pt x="382" y="153"/>
-                  </a:lnTo>
-                  <a:lnTo>
-                    <a:pt x="263" y="34"/>
-                  </a:lnTo>
-                  <a:cubicBezTo>
-                    <a:pt x="231" y="12"/>
-                    <a:pt x="194" y="1"/>
-                    <a:pt x="158" y="1"/>
-                  </a:cubicBezTo>
-                  <a:close/>
-                </a:path>
-              </a:pathLst>
-            </a:custGeom>
-            <a:solidFill>
-              <a:schemeClr val="dk1"/>
-            </a:solidFill>
-            <a:ln>
-              <a:noFill/>
-            </a:ln>
-          </p:spPr>
-          <p:txBody>
-            <a:bodyPr spcFirstLastPara="1" wrap="square" lIns="91425" tIns="91425" rIns="91425" bIns="91425" anchor="ctr" anchorCtr="0">
-              <a:noAutofit/>
-            </a:bodyPr>
-            <a:lstStyle/>
-            <a:p>
-              <a:pPr marL="0" lvl="0" indent="0" algn="l" rtl="0">
-                <a:spcBef>
-                  <a:spcPts val="0"/>
-                </a:spcBef>
-                <a:spcAft>
-                  <a:spcPts val="0"/>
-                </a:spcAft>
-                <a:buNone/>
-              </a:pPr>
-              <a:endParaRPr/>
-            </a:p>
-          </p:txBody>
-        </p:sp>
-        <p:sp>
-          <p:nvSpPr>
-            <p:cNvPr id="245" name="Google Shape;245;p28"/>
-            <p:cNvSpPr/>
-            <p:nvPr/>
-          </p:nvSpPr>
-          <p:spPr>
-            <a:xfrm>
-              <a:off x="2154459" y="2045701"/>
-              <a:ext cx="83670" cy="208296"/>
-            </a:xfrm>
-            <a:custGeom>
-              <a:avLst/>
-              <a:gdLst/>
-              <a:ahLst/>
-              <a:cxnLst/>
-              <a:rect l="l" t="t" r="r" b="b"/>
-              <a:pathLst>
-                <a:path w="2478" h="6169" extrusionOk="0">
-                  <a:moveTo>
-                    <a:pt x="1239" y="1"/>
-                  </a:moveTo>
-                  <a:cubicBezTo>
-                    <a:pt x="548" y="1"/>
-                    <a:pt x="1" y="548"/>
-                    <a:pt x="1" y="1239"/>
-                  </a:cubicBezTo>
-                  <a:lnTo>
-                    <a:pt x="1" y="4097"/>
-                  </a:lnTo>
-                  <a:cubicBezTo>
-                    <a:pt x="1" y="4168"/>
-                    <a:pt x="48" y="4240"/>
-                    <a:pt x="143" y="4240"/>
-                  </a:cubicBezTo>
-                  <a:cubicBezTo>
-                    <a:pt x="215" y="4240"/>
-                    <a:pt x="286" y="4168"/>
-                    <a:pt x="286" y="4097"/>
-                  </a:cubicBezTo>
-                  <a:lnTo>
-                    <a:pt x="286" y="1239"/>
-                  </a:lnTo>
-                  <a:cubicBezTo>
-                    <a:pt x="286" y="715"/>
-                    <a:pt x="715" y="286"/>
-                    <a:pt x="1239" y="286"/>
-                  </a:cubicBezTo>
-                  <a:cubicBezTo>
-                    <a:pt x="1763" y="286"/>
-                    <a:pt x="2191" y="715"/>
-                    <a:pt x="2191" y="1239"/>
-                  </a:cubicBezTo>
-                  <a:lnTo>
-                    <a:pt x="2191" y="4930"/>
-                  </a:lnTo>
-                  <a:cubicBezTo>
-                    <a:pt x="2191" y="5454"/>
-                    <a:pt x="1763" y="5883"/>
-                    <a:pt x="1239" y="5883"/>
-                  </a:cubicBezTo>
-                  <a:cubicBezTo>
-                    <a:pt x="715" y="5883"/>
-                    <a:pt x="286" y="5454"/>
-                    <a:pt x="286" y="4930"/>
-                  </a:cubicBezTo>
-                  <a:lnTo>
-                    <a:pt x="286" y="4645"/>
-                  </a:lnTo>
-                  <a:cubicBezTo>
-                    <a:pt x="286" y="4573"/>
-                    <a:pt x="215" y="4502"/>
-                    <a:pt x="143" y="4502"/>
-                  </a:cubicBezTo>
-                  <a:cubicBezTo>
-                    <a:pt x="48" y="4502"/>
-                    <a:pt x="1" y="4573"/>
-                    <a:pt x="1" y="4645"/>
-                  </a:cubicBezTo>
-                  <a:lnTo>
-                    <a:pt x="1" y="4930"/>
-                  </a:lnTo>
-                  <a:cubicBezTo>
-                    <a:pt x="1" y="5621"/>
-                    <a:pt x="548" y="6169"/>
-                    <a:pt x="1239" y="6169"/>
-                  </a:cubicBezTo>
-                  <a:cubicBezTo>
-                    <a:pt x="1906" y="6169"/>
-                    <a:pt x="2477" y="5621"/>
-                    <a:pt x="2477" y="4930"/>
-                  </a:cubicBezTo>
-                  <a:lnTo>
-                    <a:pt x="2477" y="1239"/>
-                  </a:lnTo>
-                  <a:cubicBezTo>
-                    <a:pt x="2477" y="548"/>
-                    <a:pt x="1906" y="1"/>
-                    <a:pt x="1239" y="1"/>
-                  </a:cubicBezTo>
-                  <a:close/>
-                </a:path>
-              </a:pathLst>
-            </a:custGeom>
-            <a:solidFill>
-              <a:schemeClr val="dk1"/>
-            </a:solidFill>
-            <a:ln>
-              <a:noFill/>
-            </a:ln>
-          </p:spPr>
-          <p:txBody>
-            <a:bodyPr spcFirstLastPara="1" wrap="square" lIns="91425" tIns="91425" rIns="91425" bIns="91425" anchor="ctr" anchorCtr="0">
-              <a:noAutofit/>
-            </a:bodyPr>
-            <a:lstStyle/>
-            <a:p>
-              <a:pPr marL="0" lvl="0" indent="0" algn="l" rtl="0">
-                <a:spcBef>
-                  <a:spcPts val="0"/>
-                </a:spcBef>
-                <a:spcAft>
-                  <a:spcPts val="0"/>
-                </a:spcAft>
-                <a:buNone/>
-              </a:pPr>
-              <a:endParaRPr/>
-            </a:p>
-          </p:txBody>
-        </p:sp>
-        <p:sp>
-          <p:nvSpPr>
-            <p:cNvPr id="246" name="Google Shape;246;p28"/>
-            <p:cNvSpPr/>
-            <p:nvPr/>
-          </p:nvSpPr>
-          <p:spPr>
-            <a:xfrm>
-              <a:off x="2113434" y="1970135"/>
-              <a:ext cx="283086" cy="333733"/>
-            </a:xfrm>
-            <a:custGeom>
-              <a:avLst/>
-              <a:gdLst/>
-              <a:ahLst/>
-              <a:cxnLst/>
-              <a:rect l="l" t="t" r="r" b="b"/>
-              <a:pathLst>
-                <a:path w="8384" h="9884" extrusionOk="0">
-                  <a:moveTo>
-                    <a:pt x="2001" y="9073"/>
-                  </a:moveTo>
-                  <a:cubicBezTo>
-                    <a:pt x="2144" y="9073"/>
-                    <a:pt x="2263" y="9169"/>
-                    <a:pt x="2335" y="9288"/>
-                  </a:cubicBezTo>
-                  <a:lnTo>
-                    <a:pt x="2478" y="9574"/>
-                  </a:lnTo>
-                  <a:lnTo>
-                    <a:pt x="573" y="9574"/>
-                  </a:lnTo>
-                  <a:cubicBezTo>
-                    <a:pt x="430" y="9574"/>
-                    <a:pt x="287" y="9454"/>
-                    <a:pt x="287" y="9312"/>
-                  </a:cubicBezTo>
-                  <a:lnTo>
-                    <a:pt x="287" y="9073"/>
-                  </a:lnTo>
-                  <a:close/>
-                  <a:moveTo>
-                    <a:pt x="573" y="0"/>
-                  </a:moveTo>
-                  <a:cubicBezTo>
-                    <a:pt x="263" y="0"/>
-                    <a:pt x="1" y="262"/>
-                    <a:pt x="1" y="572"/>
-                  </a:cubicBezTo>
-                  <a:lnTo>
-                    <a:pt x="1" y="9312"/>
-                  </a:lnTo>
-                  <a:cubicBezTo>
-                    <a:pt x="1" y="9621"/>
-                    <a:pt x="263" y="9883"/>
-                    <a:pt x="573" y="9883"/>
-                  </a:cubicBezTo>
-                  <a:lnTo>
-                    <a:pt x="7812" y="9883"/>
-                  </a:lnTo>
-                  <a:cubicBezTo>
-                    <a:pt x="8122" y="9883"/>
-                    <a:pt x="8384" y="9621"/>
-                    <a:pt x="8384" y="9312"/>
-                  </a:cubicBezTo>
-                  <a:lnTo>
-                    <a:pt x="8384" y="572"/>
-                  </a:lnTo>
-                  <a:cubicBezTo>
-                    <a:pt x="8384" y="262"/>
-                    <a:pt x="8122" y="0"/>
-                    <a:pt x="7812" y="0"/>
-                  </a:cubicBezTo>
-                  <a:lnTo>
-                    <a:pt x="7383" y="0"/>
-                  </a:lnTo>
-                  <a:cubicBezTo>
-                    <a:pt x="7312" y="0"/>
-                    <a:pt x="7241" y="72"/>
-                    <a:pt x="7241" y="167"/>
-                  </a:cubicBezTo>
-                  <a:cubicBezTo>
-                    <a:pt x="7241" y="238"/>
-                    <a:pt x="7312" y="310"/>
-                    <a:pt x="7383" y="310"/>
-                  </a:cubicBezTo>
-                  <a:lnTo>
-                    <a:pt x="7812" y="310"/>
-                  </a:lnTo>
-                  <a:cubicBezTo>
-                    <a:pt x="7979" y="310"/>
-                    <a:pt x="8098" y="429"/>
-                    <a:pt x="8098" y="596"/>
-                  </a:cubicBezTo>
-                  <a:lnTo>
-                    <a:pt x="8098" y="9312"/>
-                  </a:lnTo>
-                  <a:cubicBezTo>
-                    <a:pt x="8098" y="9454"/>
-                    <a:pt x="7979" y="9597"/>
-                    <a:pt x="7812" y="9597"/>
-                  </a:cubicBezTo>
-                  <a:lnTo>
-                    <a:pt x="2787" y="9597"/>
-                  </a:lnTo>
-                  <a:lnTo>
-                    <a:pt x="2597" y="9169"/>
-                  </a:lnTo>
-                  <a:cubicBezTo>
-                    <a:pt x="2478" y="8954"/>
-                    <a:pt x="2263" y="8788"/>
-                    <a:pt x="2001" y="8788"/>
-                  </a:cubicBezTo>
-                  <a:lnTo>
-                    <a:pt x="287" y="8788"/>
-                  </a:lnTo>
-                  <a:lnTo>
-                    <a:pt x="287" y="596"/>
-                  </a:lnTo>
-                  <a:cubicBezTo>
-                    <a:pt x="287" y="429"/>
-                    <a:pt x="430" y="310"/>
-                    <a:pt x="573" y="310"/>
-                  </a:cubicBezTo>
-                  <a:lnTo>
-                    <a:pt x="6836" y="310"/>
-                  </a:lnTo>
-                  <a:cubicBezTo>
-                    <a:pt x="6907" y="310"/>
-                    <a:pt x="6979" y="238"/>
-                    <a:pt x="6979" y="167"/>
-                  </a:cubicBezTo>
-                  <a:cubicBezTo>
-                    <a:pt x="6979" y="72"/>
-                    <a:pt x="6907" y="0"/>
-                    <a:pt x="6836" y="0"/>
-                  </a:cubicBezTo>
-                  <a:close/>
-                </a:path>
-              </a:pathLst>
-            </a:custGeom>
-            <a:solidFill>
-              <a:schemeClr val="dk1"/>
-            </a:solidFill>
-            <a:ln>
-              <a:noFill/>
-            </a:ln>
-          </p:spPr>
-          <p:txBody>
-            <a:bodyPr spcFirstLastPara="1" wrap="square" lIns="91425" tIns="91425" rIns="91425" bIns="91425" anchor="ctr" anchorCtr="0">
-              <a:noAutofit/>
-            </a:bodyPr>
-            <a:lstStyle/>
-            <a:p>
-              <a:pPr marL="0" lvl="0" indent="0" algn="l" rtl="0">
-                <a:spcBef>
-                  <a:spcPts val="0"/>
-                </a:spcBef>
-                <a:spcAft>
-                  <a:spcPts val="0"/>
-                </a:spcAft>
-                <a:buNone/>
-              </a:pPr>
-              <a:endParaRPr/>
-            </a:p>
-          </p:txBody>
-        </p:sp>
-        <p:sp>
-          <p:nvSpPr>
-            <p:cNvPr id="247" name="Google Shape;247;p28"/>
-            <p:cNvSpPr/>
-            <p:nvPr/>
-          </p:nvSpPr>
-          <p:spPr>
-            <a:xfrm>
-              <a:off x="2199501" y="1986208"/>
-              <a:ext cx="110986" cy="41024"/>
-            </a:xfrm>
-            <a:custGeom>
-              <a:avLst/>
-              <a:gdLst/>
-              <a:ahLst/>
-              <a:cxnLst/>
-              <a:rect l="l" t="t" r="r" b="b"/>
-              <a:pathLst>
-                <a:path w="3287" h="1215" extrusionOk="0">
-                  <a:moveTo>
-                    <a:pt x="1667" y="286"/>
-                  </a:moveTo>
-                  <a:cubicBezTo>
-                    <a:pt x="1762" y="286"/>
-                    <a:pt x="1834" y="358"/>
-                    <a:pt x="1858" y="429"/>
-                  </a:cubicBezTo>
-                  <a:cubicBezTo>
-                    <a:pt x="1905" y="596"/>
-                    <a:pt x="2072" y="691"/>
-                    <a:pt x="2239" y="691"/>
-                  </a:cubicBezTo>
-                  <a:lnTo>
-                    <a:pt x="2882" y="691"/>
-                  </a:lnTo>
-                  <a:cubicBezTo>
-                    <a:pt x="2953" y="691"/>
-                    <a:pt x="3001" y="739"/>
-                    <a:pt x="3001" y="810"/>
-                  </a:cubicBezTo>
-                  <a:cubicBezTo>
-                    <a:pt x="3001" y="882"/>
-                    <a:pt x="2953" y="929"/>
-                    <a:pt x="2882" y="929"/>
-                  </a:cubicBezTo>
-                  <a:lnTo>
-                    <a:pt x="405" y="929"/>
-                  </a:lnTo>
-                  <a:cubicBezTo>
-                    <a:pt x="334" y="929"/>
-                    <a:pt x="286" y="882"/>
-                    <a:pt x="286" y="810"/>
-                  </a:cubicBezTo>
-                  <a:cubicBezTo>
-                    <a:pt x="286" y="739"/>
-                    <a:pt x="334" y="691"/>
-                    <a:pt x="405" y="691"/>
-                  </a:cubicBezTo>
-                  <a:lnTo>
-                    <a:pt x="1048" y="691"/>
-                  </a:lnTo>
-                  <a:cubicBezTo>
-                    <a:pt x="1215" y="691"/>
-                    <a:pt x="1381" y="596"/>
-                    <a:pt x="1429" y="429"/>
-                  </a:cubicBezTo>
-                  <a:cubicBezTo>
-                    <a:pt x="1477" y="358"/>
-                    <a:pt x="1548" y="286"/>
-                    <a:pt x="1620" y="286"/>
-                  </a:cubicBezTo>
-                  <a:close/>
-                  <a:moveTo>
-                    <a:pt x="1620" y="0"/>
-                  </a:moveTo>
-                  <a:cubicBezTo>
-                    <a:pt x="1405" y="0"/>
-                    <a:pt x="1238" y="143"/>
-                    <a:pt x="1167" y="334"/>
-                  </a:cubicBezTo>
-                  <a:cubicBezTo>
-                    <a:pt x="1143" y="381"/>
-                    <a:pt x="1096" y="405"/>
-                    <a:pt x="1048" y="405"/>
-                  </a:cubicBezTo>
-                  <a:lnTo>
-                    <a:pt x="405" y="405"/>
-                  </a:lnTo>
-                  <a:cubicBezTo>
-                    <a:pt x="191" y="405"/>
-                    <a:pt x="0" y="596"/>
-                    <a:pt x="0" y="810"/>
-                  </a:cubicBezTo>
-                  <a:cubicBezTo>
-                    <a:pt x="0" y="1024"/>
-                    <a:pt x="191" y="1215"/>
-                    <a:pt x="405" y="1215"/>
-                  </a:cubicBezTo>
-                  <a:lnTo>
-                    <a:pt x="2882" y="1215"/>
-                  </a:lnTo>
-                  <a:cubicBezTo>
-                    <a:pt x="3120" y="1215"/>
-                    <a:pt x="3287" y="1024"/>
-                    <a:pt x="3287" y="810"/>
-                  </a:cubicBezTo>
-                  <a:cubicBezTo>
-                    <a:pt x="3287" y="596"/>
-                    <a:pt x="3120" y="405"/>
-                    <a:pt x="2882" y="405"/>
-                  </a:cubicBezTo>
-                  <a:lnTo>
-                    <a:pt x="2239" y="405"/>
-                  </a:lnTo>
-                  <a:cubicBezTo>
-                    <a:pt x="2191" y="405"/>
-                    <a:pt x="2143" y="381"/>
-                    <a:pt x="2120" y="334"/>
-                  </a:cubicBezTo>
-                  <a:cubicBezTo>
-                    <a:pt x="2048" y="143"/>
-                    <a:pt x="1881" y="0"/>
-                    <a:pt x="1667" y="0"/>
-                  </a:cubicBezTo>
-                  <a:close/>
-                </a:path>
-              </a:pathLst>
-            </a:custGeom>
-            <a:solidFill>
-              <a:schemeClr val="dk1"/>
-            </a:solidFill>
-            <a:ln>
-              <a:noFill/>
-            </a:ln>
-          </p:spPr>
-          <p:txBody>
-            <a:bodyPr spcFirstLastPara="1" wrap="square" lIns="91425" tIns="91425" rIns="91425" bIns="91425" anchor="ctr" anchorCtr="0">
-              <a:noAutofit/>
-            </a:bodyPr>
-            <a:lstStyle/>
-            <a:p>
-              <a:pPr marL="0" lvl="0" indent="0" algn="l" rtl="0">
-                <a:spcBef>
-                  <a:spcPts val="0"/>
-                </a:spcBef>
-                <a:spcAft>
-                  <a:spcPts val="0"/>
-                </a:spcAft>
-                <a:buNone/>
-              </a:pPr>
-              <a:endParaRPr/>
-            </a:p>
-          </p:txBody>
-        </p:sp>
-        <p:sp>
-          <p:nvSpPr>
-            <p:cNvPr id="248" name="Google Shape;248;p28"/>
-            <p:cNvSpPr/>
-            <p:nvPr/>
-          </p:nvSpPr>
-          <p:spPr>
-            <a:xfrm>
-              <a:off x="2291950" y="2113265"/>
-              <a:ext cx="45076" cy="73203"/>
-            </a:xfrm>
-            <a:custGeom>
-              <a:avLst/>
-              <a:gdLst/>
-              <a:ahLst/>
-              <a:cxnLst/>
-              <a:rect l="l" t="t" r="r" b="b"/>
-              <a:pathLst>
-                <a:path w="1335" h="2168" extrusionOk="0">
-                  <a:moveTo>
-                    <a:pt x="334" y="0"/>
-                  </a:moveTo>
-                  <a:cubicBezTo>
-                    <a:pt x="144" y="0"/>
-                    <a:pt x="1" y="143"/>
-                    <a:pt x="1" y="334"/>
-                  </a:cubicBezTo>
-                  <a:lnTo>
-                    <a:pt x="1" y="1834"/>
-                  </a:lnTo>
-                  <a:cubicBezTo>
-                    <a:pt x="1" y="2024"/>
-                    <a:pt x="144" y="2167"/>
-                    <a:pt x="334" y="2167"/>
-                  </a:cubicBezTo>
-                  <a:lnTo>
-                    <a:pt x="977" y="2167"/>
-                  </a:lnTo>
-                  <a:cubicBezTo>
-                    <a:pt x="1168" y="2167"/>
-                    <a:pt x="1334" y="2024"/>
-                    <a:pt x="1334" y="1834"/>
-                  </a:cubicBezTo>
-                  <a:lnTo>
-                    <a:pt x="1334" y="1429"/>
-                  </a:lnTo>
-                  <a:cubicBezTo>
-                    <a:pt x="1334" y="1358"/>
-                    <a:pt x="1263" y="1286"/>
-                    <a:pt x="1168" y="1286"/>
-                  </a:cubicBezTo>
-                  <a:cubicBezTo>
-                    <a:pt x="1096" y="1286"/>
-                    <a:pt x="1025" y="1358"/>
-                    <a:pt x="1025" y="1429"/>
-                  </a:cubicBezTo>
-                  <a:lnTo>
-                    <a:pt x="1025" y="1834"/>
-                  </a:lnTo>
-                  <a:cubicBezTo>
-                    <a:pt x="1025" y="1858"/>
-                    <a:pt x="1001" y="1881"/>
-                    <a:pt x="977" y="1881"/>
-                  </a:cubicBezTo>
-                  <a:lnTo>
-                    <a:pt x="334" y="1881"/>
-                  </a:lnTo>
-                  <a:cubicBezTo>
-                    <a:pt x="310" y="1881"/>
-                    <a:pt x="287" y="1858"/>
-                    <a:pt x="287" y="1834"/>
-                  </a:cubicBezTo>
-                  <a:lnTo>
-                    <a:pt x="287" y="334"/>
-                  </a:lnTo>
-                  <a:cubicBezTo>
-                    <a:pt x="287" y="310"/>
-                    <a:pt x="310" y="286"/>
-                    <a:pt x="334" y="286"/>
-                  </a:cubicBezTo>
-                  <a:lnTo>
-                    <a:pt x="977" y="286"/>
-                  </a:lnTo>
-                  <a:cubicBezTo>
-                    <a:pt x="1001" y="286"/>
-                    <a:pt x="1025" y="310"/>
-                    <a:pt x="1025" y="334"/>
-                  </a:cubicBezTo>
-                  <a:lnTo>
-                    <a:pt x="1025" y="881"/>
-                  </a:lnTo>
-                  <a:cubicBezTo>
-                    <a:pt x="1025" y="953"/>
-                    <a:pt x="1096" y="1024"/>
-                    <a:pt x="1168" y="1024"/>
-                  </a:cubicBezTo>
-                  <a:cubicBezTo>
-                    <a:pt x="1263" y="1024"/>
-                    <a:pt x="1334" y="953"/>
-                    <a:pt x="1334" y="881"/>
-                  </a:cubicBezTo>
-                  <a:lnTo>
-                    <a:pt x="1334" y="334"/>
-                  </a:lnTo>
-                  <a:cubicBezTo>
-                    <a:pt x="1334" y="143"/>
-                    <a:pt x="1168" y="0"/>
-                    <a:pt x="977" y="0"/>
-                  </a:cubicBezTo>
-                  <a:close/>
-                </a:path>
-              </a:pathLst>
-            </a:custGeom>
-            <a:solidFill>
-              <a:schemeClr val="dk1"/>
-            </a:solidFill>
-            <a:ln>
-              <a:noFill/>
-            </a:ln>
-          </p:spPr>
-          <p:txBody>
-            <a:bodyPr spcFirstLastPara="1" wrap="square" lIns="91425" tIns="91425" rIns="91425" bIns="91425" anchor="ctr" anchorCtr="0">
-              <a:noAutofit/>
-            </a:bodyPr>
-            <a:lstStyle/>
-            <a:p>
-              <a:pPr marL="0" lvl="0" indent="0" algn="l" rtl="0">
-                <a:spcBef>
-                  <a:spcPts val="0"/>
-                </a:spcBef>
-                <a:spcAft>
-                  <a:spcPts val="0"/>
-                </a:spcAft>
-                <a:buNone/>
-              </a:pPr>
-              <a:endParaRPr/>
-            </a:p>
-          </p:txBody>
-        </p:sp>
-        <p:sp>
-          <p:nvSpPr>
-            <p:cNvPr id="249" name="Google Shape;249;p28"/>
-            <p:cNvSpPr/>
-            <p:nvPr/>
-          </p:nvSpPr>
-          <p:spPr>
-            <a:xfrm>
-              <a:off x="2250149" y="2110834"/>
-              <a:ext cx="9691" cy="78031"/>
-            </a:xfrm>
-            <a:custGeom>
-              <a:avLst/>
-              <a:gdLst/>
-              <a:ahLst/>
-              <a:cxnLst/>
-              <a:rect l="l" t="t" r="r" b="b"/>
-              <a:pathLst>
-                <a:path w="287" h="2311" extrusionOk="0">
-                  <a:moveTo>
-                    <a:pt x="143" y="1"/>
-                  </a:moveTo>
-                  <a:cubicBezTo>
-                    <a:pt x="72" y="1"/>
-                    <a:pt x="0" y="72"/>
-                    <a:pt x="0" y="144"/>
-                  </a:cubicBezTo>
-                  <a:lnTo>
-                    <a:pt x="0" y="2168"/>
-                  </a:lnTo>
-                  <a:cubicBezTo>
-                    <a:pt x="0" y="2239"/>
-                    <a:pt x="72" y="2311"/>
-                    <a:pt x="143" y="2311"/>
-                  </a:cubicBezTo>
-                  <a:cubicBezTo>
-                    <a:pt x="239" y="2311"/>
-                    <a:pt x="286" y="2239"/>
-                    <a:pt x="286" y="2168"/>
-                  </a:cubicBezTo>
-                  <a:lnTo>
-                    <a:pt x="286" y="144"/>
-                  </a:lnTo>
-                  <a:cubicBezTo>
-                    <a:pt x="286" y="72"/>
-                    <a:pt x="239" y="1"/>
-                    <a:pt x="143" y="1"/>
-                  </a:cubicBezTo>
-                  <a:close/>
-                </a:path>
-              </a:pathLst>
-            </a:custGeom>
-            <a:solidFill>
-              <a:schemeClr val="dk1"/>
-            </a:solidFill>
-            <a:ln>
-              <a:noFill/>
-            </a:ln>
-          </p:spPr>
-          <p:txBody>
-            <a:bodyPr spcFirstLastPara="1" wrap="square" lIns="91425" tIns="91425" rIns="91425" bIns="91425" anchor="ctr" anchorCtr="0">
-              <a:noAutofit/>
-            </a:bodyPr>
-            <a:lstStyle/>
-            <a:p>
-              <a:pPr marL="0" lvl="0" indent="0" algn="l" rtl="0">
-                <a:spcBef>
-                  <a:spcPts val="0"/>
-                </a:spcBef>
-                <a:spcAft>
-                  <a:spcPts val="0"/>
-                </a:spcAft>
-                <a:buNone/>
-              </a:pPr>
-              <a:endParaRPr/>
-            </a:p>
-          </p:txBody>
-        </p:sp>
-      </p:grpSp>
-      <p:grpSp>
-        <p:nvGrpSpPr>
-          <p:cNvPr id="250" name="Google Shape;250;p28"/>
-          <p:cNvGrpSpPr/>
-          <p:nvPr/>
-        </p:nvGrpSpPr>
-        <p:grpSpPr>
-          <a:xfrm>
-            <a:off x="4970271" y="1961994"/>
-            <a:ext cx="368962" cy="548624"/>
-            <a:chOff x="3443438" y="2583645"/>
-            <a:chExt cx="221161" cy="332923"/>
-          </a:xfrm>
-        </p:grpSpPr>
-        <p:sp>
-          <p:nvSpPr>
-            <p:cNvPr id="251" name="Google Shape;251;p28"/>
-            <p:cNvSpPr/>
-            <p:nvPr/>
-          </p:nvSpPr>
-          <p:spPr>
-            <a:xfrm>
-              <a:off x="3514986" y="2597320"/>
-              <a:ext cx="9691" cy="18537"/>
-            </a:xfrm>
-            <a:custGeom>
-              <a:avLst/>
-              <a:gdLst/>
-              <a:ahLst/>
-              <a:cxnLst/>
-              <a:rect l="l" t="t" r="r" b="b"/>
-              <a:pathLst>
-                <a:path w="287" h="549" extrusionOk="0">
-                  <a:moveTo>
-                    <a:pt x="144" y="0"/>
-                  </a:moveTo>
-                  <a:cubicBezTo>
-                    <a:pt x="72" y="24"/>
-                    <a:pt x="1" y="72"/>
-                    <a:pt x="1" y="167"/>
-                  </a:cubicBezTo>
-                  <a:lnTo>
-                    <a:pt x="1" y="405"/>
-                  </a:lnTo>
-                  <a:cubicBezTo>
-                    <a:pt x="1" y="500"/>
-                    <a:pt x="72" y="548"/>
-                    <a:pt x="144" y="548"/>
-                  </a:cubicBezTo>
-                  <a:cubicBezTo>
-                    <a:pt x="239" y="548"/>
-                    <a:pt x="286" y="500"/>
-                    <a:pt x="286" y="405"/>
-                  </a:cubicBezTo>
-                  <a:lnTo>
-                    <a:pt x="286" y="167"/>
-                  </a:lnTo>
-                  <a:cubicBezTo>
-                    <a:pt x="286" y="72"/>
-                    <a:pt x="239" y="0"/>
-                    <a:pt x="144" y="0"/>
-                  </a:cubicBezTo>
-                  <a:close/>
-                </a:path>
-              </a:pathLst>
-            </a:custGeom>
-            <a:solidFill>
-              <a:schemeClr val="dk1"/>
-            </a:solidFill>
-            <a:ln>
-              <a:noFill/>
-            </a:ln>
-          </p:spPr>
-          <p:txBody>
-            <a:bodyPr spcFirstLastPara="1" wrap="square" lIns="91425" tIns="91425" rIns="91425" bIns="91425" anchor="ctr" anchorCtr="0">
-              <a:noAutofit/>
-            </a:bodyPr>
-            <a:lstStyle/>
-            <a:p>
-              <a:pPr marL="0" lvl="0" indent="0" algn="l" rtl="0">
-                <a:spcBef>
-                  <a:spcPts val="0"/>
-                </a:spcBef>
-                <a:spcAft>
-                  <a:spcPts val="0"/>
-                </a:spcAft>
-                <a:buNone/>
-              </a:pPr>
-              <a:endParaRPr/>
-            </a:p>
-          </p:txBody>
-        </p:sp>
-        <p:sp>
-          <p:nvSpPr>
-            <p:cNvPr id="252" name="Google Shape;252;p28"/>
-            <p:cNvSpPr/>
-            <p:nvPr/>
-          </p:nvSpPr>
-          <p:spPr>
-            <a:xfrm>
-              <a:off x="3531868" y="2597320"/>
-              <a:ext cx="10501" cy="18537"/>
-            </a:xfrm>
-            <a:custGeom>
-              <a:avLst/>
-              <a:gdLst/>
-              <a:ahLst/>
-              <a:cxnLst/>
-              <a:rect l="l" t="t" r="r" b="b"/>
-              <a:pathLst>
-                <a:path w="311" h="549" extrusionOk="0">
-                  <a:moveTo>
-                    <a:pt x="144" y="0"/>
-                  </a:moveTo>
-                  <a:cubicBezTo>
-                    <a:pt x="72" y="24"/>
-                    <a:pt x="1" y="72"/>
-                    <a:pt x="1" y="167"/>
-                  </a:cubicBezTo>
-                  <a:lnTo>
-                    <a:pt x="1" y="405"/>
-                  </a:lnTo>
-                  <a:cubicBezTo>
-                    <a:pt x="1" y="500"/>
-                    <a:pt x="72" y="548"/>
-                    <a:pt x="144" y="548"/>
-                  </a:cubicBezTo>
-                  <a:cubicBezTo>
-                    <a:pt x="239" y="548"/>
-                    <a:pt x="310" y="500"/>
-                    <a:pt x="310" y="405"/>
-                  </a:cubicBezTo>
-                  <a:lnTo>
-                    <a:pt x="310" y="167"/>
-                  </a:lnTo>
-                  <a:cubicBezTo>
-                    <a:pt x="310" y="72"/>
-                    <a:pt x="239" y="0"/>
-                    <a:pt x="144" y="0"/>
-                  </a:cubicBezTo>
-                  <a:close/>
-                </a:path>
-              </a:pathLst>
-            </a:custGeom>
-            <a:solidFill>
-              <a:schemeClr val="dk1"/>
-            </a:solidFill>
-            <a:ln>
-              <a:noFill/>
-            </a:ln>
-          </p:spPr>
-          <p:txBody>
-            <a:bodyPr spcFirstLastPara="1" wrap="square" lIns="91425" tIns="91425" rIns="91425" bIns="91425" anchor="ctr" anchorCtr="0">
-              <a:noAutofit/>
-            </a:bodyPr>
-            <a:lstStyle/>
-            <a:p>
-              <a:pPr marL="0" lvl="0" indent="0" algn="l" rtl="0">
-                <a:spcBef>
-                  <a:spcPts val="0"/>
-                </a:spcBef>
-                <a:spcAft>
-                  <a:spcPts val="0"/>
-                </a:spcAft>
-                <a:buNone/>
-              </a:pPr>
-              <a:endParaRPr/>
-            </a:p>
-          </p:txBody>
-        </p:sp>
-        <p:sp>
-          <p:nvSpPr>
-            <p:cNvPr id="253" name="Google Shape;253;p28"/>
-            <p:cNvSpPr/>
-            <p:nvPr/>
-          </p:nvSpPr>
-          <p:spPr>
-            <a:xfrm>
-              <a:off x="3548751" y="2597320"/>
-              <a:ext cx="10501" cy="18537"/>
-            </a:xfrm>
-            <a:custGeom>
-              <a:avLst/>
-              <a:gdLst/>
-              <a:ahLst/>
-              <a:cxnLst/>
-              <a:rect l="l" t="t" r="r" b="b"/>
-              <a:pathLst>
-                <a:path w="311" h="549" extrusionOk="0">
-                  <a:moveTo>
-                    <a:pt x="144" y="0"/>
-                  </a:moveTo>
-                  <a:cubicBezTo>
-                    <a:pt x="72" y="24"/>
-                    <a:pt x="1" y="72"/>
-                    <a:pt x="1" y="167"/>
-                  </a:cubicBezTo>
-                  <a:lnTo>
-                    <a:pt x="1" y="405"/>
-                  </a:lnTo>
-                  <a:cubicBezTo>
-                    <a:pt x="1" y="500"/>
-                    <a:pt x="72" y="548"/>
-                    <a:pt x="144" y="548"/>
-                  </a:cubicBezTo>
-                  <a:cubicBezTo>
-                    <a:pt x="239" y="548"/>
-                    <a:pt x="310" y="500"/>
-                    <a:pt x="310" y="405"/>
-                  </a:cubicBezTo>
-                  <a:lnTo>
-                    <a:pt x="310" y="167"/>
-                  </a:lnTo>
-                  <a:cubicBezTo>
-                    <a:pt x="310" y="72"/>
-                    <a:pt x="239" y="0"/>
-                    <a:pt x="144" y="0"/>
-                  </a:cubicBezTo>
-                  <a:close/>
-                </a:path>
-              </a:pathLst>
-            </a:custGeom>
-            <a:solidFill>
-              <a:schemeClr val="dk1"/>
-            </a:solidFill>
-            <a:ln>
-              <a:noFill/>
-            </a:ln>
-          </p:spPr>
-          <p:txBody>
-            <a:bodyPr spcFirstLastPara="1" wrap="square" lIns="91425" tIns="91425" rIns="91425" bIns="91425" anchor="ctr" anchorCtr="0">
-              <a:noAutofit/>
-            </a:bodyPr>
-            <a:lstStyle/>
-            <a:p>
-              <a:pPr marL="0" lvl="0" indent="0" algn="l" rtl="0">
-                <a:spcBef>
-                  <a:spcPts val="0"/>
-                </a:spcBef>
-                <a:spcAft>
-                  <a:spcPts val="0"/>
-                </a:spcAft>
-                <a:buNone/>
-              </a:pPr>
-              <a:endParaRPr/>
-            </a:p>
-          </p:txBody>
-        </p:sp>
-        <p:sp>
-          <p:nvSpPr>
-            <p:cNvPr id="254" name="Google Shape;254;p28"/>
-            <p:cNvSpPr/>
-            <p:nvPr/>
-          </p:nvSpPr>
-          <p:spPr>
-            <a:xfrm>
-              <a:off x="3565633" y="2598131"/>
-              <a:ext cx="10501" cy="18503"/>
-            </a:xfrm>
-            <a:custGeom>
-              <a:avLst/>
-              <a:gdLst/>
-              <a:ahLst/>
-              <a:cxnLst/>
-              <a:rect l="l" t="t" r="r" b="b"/>
-              <a:pathLst>
-                <a:path w="311" h="548" extrusionOk="0">
-                  <a:moveTo>
-                    <a:pt x="168" y="0"/>
-                  </a:moveTo>
-                  <a:cubicBezTo>
-                    <a:pt x="72" y="0"/>
-                    <a:pt x="1" y="48"/>
-                    <a:pt x="1" y="143"/>
-                  </a:cubicBezTo>
-                  <a:lnTo>
-                    <a:pt x="1" y="381"/>
-                  </a:lnTo>
-                  <a:cubicBezTo>
-                    <a:pt x="1" y="476"/>
-                    <a:pt x="72" y="548"/>
-                    <a:pt x="168" y="548"/>
-                  </a:cubicBezTo>
-                  <a:cubicBezTo>
-                    <a:pt x="239" y="548"/>
-                    <a:pt x="311" y="476"/>
-                    <a:pt x="311" y="381"/>
-                  </a:cubicBezTo>
-                  <a:lnTo>
-                    <a:pt x="311" y="143"/>
-                  </a:lnTo>
-                  <a:cubicBezTo>
-                    <a:pt x="311" y="48"/>
-                    <a:pt x="239" y="0"/>
-                    <a:pt x="168" y="0"/>
-                  </a:cubicBezTo>
-                  <a:close/>
-                </a:path>
-              </a:pathLst>
-            </a:custGeom>
-            <a:solidFill>
-              <a:schemeClr val="dk1"/>
-            </a:solidFill>
-            <a:ln>
-              <a:noFill/>
-            </a:ln>
-          </p:spPr>
-          <p:txBody>
-            <a:bodyPr spcFirstLastPara="1" wrap="square" lIns="91425" tIns="91425" rIns="91425" bIns="91425" anchor="ctr" anchorCtr="0">
-              <a:noAutofit/>
-            </a:bodyPr>
-            <a:lstStyle/>
-            <a:p>
-              <a:pPr marL="0" lvl="0" indent="0" algn="l" rtl="0">
-                <a:spcBef>
-                  <a:spcPts val="0"/>
-                </a:spcBef>
-                <a:spcAft>
-                  <a:spcPts val="0"/>
-                </a:spcAft>
-                <a:buNone/>
-              </a:pPr>
-              <a:endParaRPr/>
-            </a:p>
-          </p:txBody>
-        </p:sp>
-        <p:sp>
-          <p:nvSpPr>
-            <p:cNvPr id="255" name="Google Shape;255;p28"/>
-            <p:cNvSpPr/>
-            <p:nvPr/>
-          </p:nvSpPr>
-          <p:spPr>
-            <a:xfrm>
-              <a:off x="3582549" y="2598131"/>
-              <a:ext cx="10467" cy="18503"/>
-            </a:xfrm>
-            <a:custGeom>
-              <a:avLst/>
-              <a:gdLst/>
-              <a:ahLst/>
-              <a:cxnLst/>
-              <a:rect l="l" t="t" r="r" b="b"/>
-              <a:pathLst>
-                <a:path w="310" h="548" extrusionOk="0">
-                  <a:moveTo>
-                    <a:pt x="143" y="0"/>
-                  </a:moveTo>
-                  <a:cubicBezTo>
-                    <a:pt x="71" y="0"/>
-                    <a:pt x="0" y="48"/>
-                    <a:pt x="0" y="143"/>
-                  </a:cubicBezTo>
-                  <a:lnTo>
-                    <a:pt x="0" y="381"/>
-                  </a:lnTo>
-                  <a:cubicBezTo>
-                    <a:pt x="0" y="476"/>
-                    <a:pt x="71" y="548"/>
-                    <a:pt x="143" y="548"/>
-                  </a:cubicBezTo>
-                  <a:cubicBezTo>
-                    <a:pt x="238" y="524"/>
-                    <a:pt x="310" y="476"/>
-                    <a:pt x="310" y="381"/>
-                  </a:cubicBezTo>
-                  <a:lnTo>
-                    <a:pt x="310" y="143"/>
-                  </a:lnTo>
-                  <a:cubicBezTo>
-                    <a:pt x="310" y="48"/>
-                    <a:pt x="238" y="0"/>
-                    <a:pt x="143" y="0"/>
-                  </a:cubicBezTo>
-                  <a:close/>
-                </a:path>
-              </a:pathLst>
-            </a:custGeom>
-            <a:solidFill>
-              <a:schemeClr val="dk1"/>
-            </a:solidFill>
-            <a:ln>
-              <a:noFill/>
-            </a:ln>
-          </p:spPr>
-          <p:txBody>
-            <a:bodyPr spcFirstLastPara="1" wrap="square" lIns="91425" tIns="91425" rIns="91425" bIns="91425" anchor="ctr" anchorCtr="0">
-              <a:noAutofit/>
-            </a:bodyPr>
-            <a:lstStyle/>
-            <a:p>
-              <a:pPr marL="0" lvl="0" indent="0" algn="l" rtl="0">
-                <a:spcBef>
-                  <a:spcPts val="0"/>
-                </a:spcBef>
-                <a:spcAft>
-                  <a:spcPts val="0"/>
-                </a:spcAft>
-                <a:buNone/>
-              </a:pPr>
-              <a:endParaRPr/>
-            </a:p>
-          </p:txBody>
-        </p:sp>
-        <p:sp>
-          <p:nvSpPr>
-            <p:cNvPr id="256" name="Google Shape;256;p28"/>
-            <p:cNvSpPr/>
-            <p:nvPr/>
-          </p:nvSpPr>
-          <p:spPr>
-            <a:xfrm>
-              <a:off x="3487636" y="2735622"/>
-              <a:ext cx="34609" cy="34609"/>
-            </a:xfrm>
-            <a:custGeom>
-              <a:avLst/>
-              <a:gdLst/>
-              <a:ahLst/>
-              <a:cxnLst/>
-              <a:rect l="l" t="t" r="r" b="b"/>
-              <a:pathLst>
-                <a:path w="1025" h="1025" extrusionOk="0">
-                  <a:moveTo>
-                    <a:pt x="501" y="0"/>
-                  </a:moveTo>
-                  <a:cubicBezTo>
-                    <a:pt x="430" y="0"/>
-                    <a:pt x="358" y="72"/>
-                    <a:pt x="358" y="143"/>
-                  </a:cubicBezTo>
-                  <a:lnTo>
-                    <a:pt x="358" y="358"/>
-                  </a:lnTo>
-                  <a:lnTo>
-                    <a:pt x="144" y="358"/>
-                  </a:lnTo>
-                  <a:cubicBezTo>
-                    <a:pt x="72" y="358"/>
-                    <a:pt x="1" y="429"/>
-                    <a:pt x="1" y="501"/>
-                  </a:cubicBezTo>
-                  <a:cubicBezTo>
-                    <a:pt x="1" y="596"/>
-                    <a:pt x="72" y="667"/>
-                    <a:pt x="144" y="667"/>
-                  </a:cubicBezTo>
-                  <a:lnTo>
-                    <a:pt x="358" y="667"/>
-                  </a:lnTo>
-                  <a:lnTo>
-                    <a:pt x="358" y="882"/>
-                  </a:lnTo>
-                  <a:cubicBezTo>
-                    <a:pt x="358" y="953"/>
-                    <a:pt x="430" y="1024"/>
-                    <a:pt x="501" y="1024"/>
-                  </a:cubicBezTo>
-                  <a:cubicBezTo>
-                    <a:pt x="596" y="1024"/>
-                    <a:pt x="668" y="953"/>
-                    <a:pt x="668" y="882"/>
-                  </a:cubicBezTo>
-                  <a:lnTo>
-                    <a:pt x="668" y="667"/>
-                  </a:lnTo>
-                  <a:lnTo>
-                    <a:pt x="882" y="667"/>
-                  </a:lnTo>
-                  <a:cubicBezTo>
-                    <a:pt x="954" y="667"/>
-                    <a:pt x="1025" y="596"/>
-                    <a:pt x="1025" y="501"/>
-                  </a:cubicBezTo>
-                  <a:cubicBezTo>
-                    <a:pt x="1025" y="429"/>
-                    <a:pt x="954" y="358"/>
-                    <a:pt x="882" y="358"/>
-                  </a:cubicBezTo>
-                  <a:lnTo>
-                    <a:pt x="668" y="358"/>
-                  </a:lnTo>
-                  <a:lnTo>
-                    <a:pt x="668" y="143"/>
-                  </a:lnTo>
-                  <a:cubicBezTo>
-                    <a:pt x="668" y="72"/>
-                    <a:pt x="596" y="0"/>
-                    <a:pt x="501" y="0"/>
-                  </a:cubicBezTo>
-                  <a:close/>
-                </a:path>
-              </a:pathLst>
-            </a:custGeom>
-            <a:solidFill>
-              <a:schemeClr val="dk1"/>
-            </a:solidFill>
-            <a:ln>
-              <a:noFill/>
-            </a:ln>
-          </p:spPr>
-          <p:txBody>
-            <a:bodyPr spcFirstLastPara="1" wrap="square" lIns="91425" tIns="91425" rIns="91425" bIns="91425" anchor="ctr" anchorCtr="0">
-              <a:noAutofit/>
-            </a:bodyPr>
-            <a:lstStyle/>
-            <a:p>
-              <a:pPr marL="0" lvl="0" indent="0" algn="l" rtl="0">
-                <a:spcBef>
-                  <a:spcPts val="0"/>
-                </a:spcBef>
-                <a:spcAft>
-                  <a:spcPts val="0"/>
-                </a:spcAft>
-                <a:buNone/>
-              </a:pPr>
-              <a:endParaRPr/>
-            </a:p>
-          </p:txBody>
-        </p:sp>
-        <p:sp>
-          <p:nvSpPr>
-            <p:cNvPr id="257" name="Google Shape;257;p28"/>
-            <p:cNvSpPr/>
-            <p:nvPr/>
-          </p:nvSpPr>
-          <p:spPr>
-            <a:xfrm>
-              <a:off x="3547974" y="2736432"/>
-              <a:ext cx="72392" cy="9691"/>
-            </a:xfrm>
-            <a:custGeom>
-              <a:avLst/>
-              <a:gdLst/>
-              <a:ahLst/>
-              <a:cxnLst/>
-              <a:rect l="l" t="t" r="r" b="b"/>
-              <a:pathLst>
-                <a:path w="2144" h="287" extrusionOk="0">
-                  <a:moveTo>
-                    <a:pt x="143" y="0"/>
-                  </a:moveTo>
-                  <a:cubicBezTo>
-                    <a:pt x="48" y="0"/>
-                    <a:pt x="0" y="48"/>
-                    <a:pt x="0" y="143"/>
-                  </a:cubicBezTo>
-                  <a:cubicBezTo>
-                    <a:pt x="0" y="215"/>
-                    <a:pt x="48" y="286"/>
-                    <a:pt x="143" y="286"/>
-                  </a:cubicBezTo>
-                  <a:lnTo>
-                    <a:pt x="1977" y="286"/>
-                  </a:lnTo>
-                  <a:cubicBezTo>
-                    <a:pt x="2072" y="286"/>
-                    <a:pt x="2143" y="215"/>
-                    <a:pt x="2143" y="143"/>
-                  </a:cubicBezTo>
-                  <a:cubicBezTo>
-                    <a:pt x="2143" y="48"/>
-                    <a:pt x="2072" y="0"/>
-                    <a:pt x="1977" y="0"/>
-                  </a:cubicBezTo>
-                  <a:close/>
-                </a:path>
-              </a:pathLst>
-            </a:custGeom>
-            <a:solidFill>
-              <a:schemeClr val="dk1"/>
-            </a:solidFill>
-            <a:ln>
-              <a:noFill/>
-            </a:ln>
-          </p:spPr>
-          <p:txBody>
-            <a:bodyPr spcFirstLastPara="1" wrap="square" lIns="91425" tIns="91425" rIns="91425" bIns="91425" anchor="ctr" anchorCtr="0">
-              <a:noAutofit/>
-            </a:bodyPr>
-            <a:lstStyle/>
-            <a:p>
-              <a:pPr marL="0" lvl="0" indent="0" algn="l" rtl="0">
-                <a:spcBef>
-                  <a:spcPts val="0"/>
-                </a:spcBef>
-                <a:spcAft>
-                  <a:spcPts val="0"/>
-                </a:spcAft>
-                <a:buNone/>
-              </a:pPr>
-              <a:endParaRPr/>
-            </a:p>
-          </p:txBody>
-        </p:sp>
-        <p:sp>
-          <p:nvSpPr>
-            <p:cNvPr id="258" name="Google Shape;258;p28"/>
-            <p:cNvSpPr/>
-            <p:nvPr/>
-          </p:nvSpPr>
-          <p:spPr>
-            <a:xfrm>
-              <a:off x="3547974" y="2756522"/>
-              <a:ext cx="72392" cy="10501"/>
-            </a:xfrm>
-            <a:custGeom>
-              <a:avLst/>
-              <a:gdLst/>
-              <a:ahLst/>
-              <a:cxnLst/>
-              <a:rect l="l" t="t" r="r" b="b"/>
-              <a:pathLst>
-                <a:path w="2144" h="311" extrusionOk="0">
-                  <a:moveTo>
-                    <a:pt x="143" y="1"/>
-                  </a:moveTo>
-                  <a:cubicBezTo>
-                    <a:pt x="48" y="1"/>
-                    <a:pt x="0" y="72"/>
-                    <a:pt x="0" y="144"/>
-                  </a:cubicBezTo>
-                  <a:cubicBezTo>
-                    <a:pt x="0" y="239"/>
-                    <a:pt x="48" y="310"/>
-                    <a:pt x="143" y="310"/>
-                  </a:cubicBezTo>
-                  <a:lnTo>
-                    <a:pt x="1977" y="310"/>
-                  </a:lnTo>
-                  <a:cubicBezTo>
-                    <a:pt x="2072" y="310"/>
-                    <a:pt x="2143" y="239"/>
-                    <a:pt x="2143" y="144"/>
-                  </a:cubicBezTo>
-                  <a:cubicBezTo>
-                    <a:pt x="2143" y="72"/>
-                    <a:pt x="2072" y="1"/>
-                    <a:pt x="1977" y="1"/>
-                  </a:cubicBezTo>
-                  <a:close/>
-                </a:path>
-              </a:pathLst>
-            </a:custGeom>
-            <a:solidFill>
-              <a:schemeClr val="dk1"/>
-            </a:solidFill>
-            <a:ln>
-              <a:noFill/>
-            </a:ln>
-          </p:spPr>
-          <p:txBody>
-            <a:bodyPr spcFirstLastPara="1" wrap="square" lIns="91425" tIns="91425" rIns="91425" bIns="91425" anchor="ctr" anchorCtr="0">
-              <a:noAutofit/>
-            </a:bodyPr>
-            <a:lstStyle/>
-            <a:p>
-              <a:pPr marL="0" lvl="0" indent="0" algn="l" rtl="0">
-                <a:spcBef>
-                  <a:spcPts val="0"/>
-                </a:spcBef>
-                <a:spcAft>
-                  <a:spcPts val="0"/>
-                </a:spcAft>
-                <a:buNone/>
-              </a:pPr>
-              <a:endParaRPr/>
-            </a:p>
-          </p:txBody>
-        </p:sp>
-        <p:sp>
-          <p:nvSpPr>
-            <p:cNvPr id="259" name="Google Shape;259;p28"/>
-            <p:cNvSpPr/>
-            <p:nvPr/>
-          </p:nvSpPr>
-          <p:spPr>
-            <a:xfrm>
-              <a:off x="3547974" y="2777423"/>
-              <a:ext cx="72392" cy="9691"/>
-            </a:xfrm>
-            <a:custGeom>
-              <a:avLst/>
-              <a:gdLst/>
-              <a:ahLst/>
-              <a:cxnLst/>
-              <a:rect l="l" t="t" r="r" b="b"/>
-              <a:pathLst>
-                <a:path w="2144" h="287" extrusionOk="0">
-                  <a:moveTo>
-                    <a:pt x="143" y="1"/>
-                  </a:moveTo>
-                  <a:cubicBezTo>
-                    <a:pt x="48" y="1"/>
-                    <a:pt x="0" y="72"/>
-                    <a:pt x="0" y="144"/>
-                  </a:cubicBezTo>
-                  <a:cubicBezTo>
-                    <a:pt x="0" y="239"/>
-                    <a:pt x="48" y="287"/>
-                    <a:pt x="143" y="287"/>
-                  </a:cubicBezTo>
-                  <a:lnTo>
-                    <a:pt x="1977" y="287"/>
-                  </a:lnTo>
-                  <a:cubicBezTo>
-                    <a:pt x="2072" y="287"/>
-                    <a:pt x="2143" y="239"/>
-                    <a:pt x="2143" y="144"/>
-                  </a:cubicBezTo>
-                  <a:cubicBezTo>
-                    <a:pt x="2143" y="72"/>
-                    <a:pt x="2072" y="1"/>
-                    <a:pt x="1977" y="1"/>
-                  </a:cubicBezTo>
-                  <a:close/>
-                </a:path>
-              </a:pathLst>
-            </a:custGeom>
-            <a:solidFill>
-              <a:schemeClr val="dk1"/>
-            </a:solidFill>
-            <a:ln>
-              <a:noFill/>
-            </a:ln>
-          </p:spPr>
-          <p:txBody>
-            <a:bodyPr spcFirstLastPara="1" wrap="square" lIns="91425" tIns="91425" rIns="91425" bIns="91425" anchor="ctr" anchorCtr="0">
-              <a:noAutofit/>
-            </a:bodyPr>
-            <a:lstStyle/>
-            <a:p>
-              <a:pPr marL="0" lvl="0" indent="0" algn="l" rtl="0">
-                <a:spcBef>
-                  <a:spcPts val="0"/>
-                </a:spcBef>
-                <a:spcAft>
-                  <a:spcPts val="0"/>
-                </a:spcAft>
-                <a:buNone/>
-              </a:pPr>
-              <a:endParaRPr/>
-            </a:p>
-          </p:txBody>
-        </p:sp>
-        <p:sp>
-          <p:nvSpPr>
-            <p:cNvPr id="260" name="Google Shape;260;p28"/>
-            <p:cNvSpPr/>
-            <p:nvPr/>
-          </p:nvSpPr>
-          <p:spPr>
-            <a:xfrm>
-              <a:off x="3547974" y="2798323"/>
-              <a:ext cx="72392" cy="9691"/>
-            </a:xfrm>
-            <a:custGeom>
-              <a:avLst/>
-              <a:gdLst/>
-              <a:ahLst/>
-              <a:cxnLst/>
-              <a:rect l="l" t="t" r="r" b="b"/>
-              <a:pathLst>
-                <a:path w="2144" h="287" extrusionOk="0">
-                  <a:moveTo>
-                    <a:pt x="143" y="1"/>
-                  </a:moveTo>
-                  <a:cubicBezTo>
-                    <a:pt x="48" y="1"/>
-                    <a:pt x="0" y="72"/>
-                    <a:pt x="0" y="144"/>
-                  </a:cubicBezTo>
-                  <a:cubicBezTo>
-                    <a:pt x="0" y="239"/>
-                    <a:pt x="48" y="287"/>
-                    <a:pt x="143" y="287"/>
-                  </a:cubicBezTo>
-                  <a:lnTo>
-                    <a:pt x="1977" y="287"/>
-                  </a:lnTo>
-                  <a:cubicBezTo>
-                    <a:pt x="2072" y="287"/>
-                    <a:pt x="2143" y="239"/>
-                    <a:pt x="2143" y="144"/>
-                  </a:cubicBezTo>
-                  <a:cubicBezTo>
-                    <a:pt x="2143" y="72"/>
-                    <a:pt x="2072" y="1"/>
-                    <a:pt x="1977" y="1"/>
-                  </a:cubicBezTo>
-                  <a:close/>
-                </a:path>
-              </a:pathLst>
-            </a:custGeom>
-            <a:solidFill>
-              <a:schemeClr val="dk1"/>
-            </a:solidFill>
-            <a:ln>
-              <a:noFill/>
-            </a:ln>
-          </p:spPr>
-          <p:txBody>
-            <a:bodyPr spcFirstLastPara="1" wrap="square" lIns="91425" tIns="91425" rIns="91425" bIns="91425" anchor="ctr" anchorCtr="0">
-              <a:noAutofit/>
-            </a:bodyPr>
-            <a:lstStyle/>
-            <a:p>
-              <a:pPr marL="0" lvl="0" indent="0" algn="l" rtl="0">
-                <a:spcBef>
-                  <a:spcPts val="0"/>
-                </a:spcBef>
-                <a:spcAft>
-                  <a:spcPts val="0"/>
-                </a:spcAft>
-                <a:buNone/>
-              </a:pPr>
-              <a:endParaRPr/>
-            </a:p>
-          </p:txBody>
-        </p:sp>
-        <p:sp>
-          <p:nvSpPr>
-            <p:cNvPr id="261" name="Google Shape;261;p28"/>
-            <p:cNvSpPr/>
-            <p:nvPr/>
-          </p:nvSpPr>
-          <p:spPr>
-            <a:xfrm>
-              <a:off x="3443438" y="2583645"/>
-              <a:ext cx="221161" cy="332923"/>
-            </a:xfrm>
-            <a:custGeom>
-              <a:avLst/>
-              <a:gdLst/>
-              <a:ahLst/>
-              <a:cxnLst/>
-              <a:rect l="l" t="t" r="r" b="b"/>
-              <a:pathLst>
-                <a:path w="6550" h="9860" extrusionOk="0">
-                  <a:moveTo>
-                    <a:pt x="1953" y="1"/>
-                  </a:moveTo>
-                  <a:cubicBezTo>
-                    <a:pt x="1762" y="1"/>
-                    <a:pt x="1620" y="143"/>
-                    <a:pt x="1620" y="334"/>
-                  </a:cubicBezTo>
-                  <a:lnTo>
-                    <a:pt x="1620" y="1048"/>
-                  </a:lnTo>
-                  <a:cubicBezTo>
-                    <a:pt x="1620" y="1239"/>
-                    <a:pt x="1762" y="1382"/>
-                    <a:pt x="1953" y="1382"/>
-                  </a:cubicBezTo>
-                  <a:lnTo>
-                    <a:pt x="2072" y="1382"/>
-                  </a:lnTo>
-                  <a:lnTo>
-                    <a:pt x="2072" y="1929"/>
-                  </a:lnTo>
-                  <a:cubicBezTo>
-                    <a:pt x="2072" y="2096"/>
-                    <a:pt x="1977" y="2239"/>
-                    <a:pt x="1810" y="2311"/>
-                  </a:cubicBezTo>
-                  <a:lnTo>
-                    <a:pt x="405" y="2834"/>
-                  </a:lnTo>
-                  <a:cubicBezTo>
-                    <a:pt x="167" y="2906"/>
-                    <a:pt x="0" y="3144"/>
-                    <a:pt x="0" y="3406"/>
-                  </a:cubicBezTo>
-                  <a:lnTo>
-                    <a:pt x="0" y="8336"/>
-                  </a:lnTo>
-                  <a:cubicBezTo>
-                    <a:pt x="0" y="8598"/>
-                    <a:pt x="72" y="8883"/>
-                    <a:pt x="214" y="9121"/>
-                  </a:cubicBezTo>
-                  <a:cubicBezTo>
-                    <a:pt x="245" y="9168"/>
-                    <a:pt x="296" y="9194"/>
-                    <a:pt x="347" y="9194"/>
-                  </a:cubicBezTo>
-                  <a:cubicBezTo>
-                    <a:pt x="375" y="9194"/>
-                    <a:pt x="403" y="9186"/>
-                    <a:pt x="429" y="9169"/>
-                  </a:cubicBezTo>
-                  <a:cubicBezTo>
-                    <a:pt x="500" y="9121"/>
-                    <a:pt x="524" y="9026"/>
-                    <a:pt x="476" y="8979"/>
-                  </a:cubicBezTo>
-                  <a:cubicBezTo>
-                    <a:pt x="357" y="8764"/>
-                    <a:pt x="286" y="8550"/>
-                    <a:pt x="286" y="8336"/>
-                  </a:cubicBezTo>
-                  <a:lnTo>
-                    <a:pt x="286" y="3406"/>
-                  </a:lnTo>
-                  <a:cubicBezTo>
-                    <a:pt x="286" y="3263"/>
-                    <a:pt x="381" y="3144"/>
-                    <a:pt x="524" y="3096"/>
-                  </a:cubicBezTo>
-                  <a:lnTo>
-                    <a:pt x="1905" y="2572"/>
-                  </a:lnTo>
-                  <a:cubicBezTo>
-                    <a:pt x="2191" y="2477"/>
-                    <a:pt x="2358" y="2215"/>
-                    <a:pt x="2358" y="1929"/>
-                  </a:cubicBezTo>
-                  <a:lnTo>
-                    <a:pt x="2358" y="1382"/>
-                  </a:lnTo>
-                  <a:lnTo>
-                    <a:pt x="4191" y="1382"/>
-                  </a:lnTo>
-                  <a:lnTo>
-                    <a:pt x="4191" y="1929"/>
-                  </a:lnTo>
-                  <a:cubicBezTo>
-                    <a:pt x="4191" y="2215"/>
-                    <a:pt x="4382" y="2477"/>
-                    <a:pt x="4644" y="2572"/>
-                  </a:cubicBezTo>
-                  <a:lnTo>
-                    <a:pt x="6049" y="3096"/>
-                  </a:lnTo>
-                  <a:cubicBezTo>
-                    <a:pt x="6168" y="3144"/>
-                    <a:pt x="6263" y="3263"/>
-                    <a:pt x="6263" y="3406"/>
-                  </a:cubicBezTo>
-                  <a:lnTo>
-                    <a:pt x="6263" y="8336"/>
-                  </a:lnTo>
-                  <a:cubicBezTo>
-                    <a:pt x="6263" y="9002"/>
-                    <a:pt x="5692" y="9574"/>
-                    <a:pt x="5025" y="9574"/>
-                  </a:cubicBezTo>
-                  <a:lnTo>
-                    <a:pt x="1548" y="9574"/>
-                  </a:lnTo>
-                  <a:cubicBezTo>
-                    <a:pt x="1286" y="9574"/>
-                    <a:pt x="1024" y="9479"/>
-                    <a:pt x="810" y="9336"/>
-                  </a:cubicBezTo>
-                  <a:cubicBezTo>
-                    <a:pt x="783" y="9318"/>
-                    <a:pt x="755" y="9310"/>
-                    <a:pt x="729" y="9310"/>
-                  </a:cubicBezTo>
-                  <a:cubicBezTo>
-                    <a:pt x="687" y="9310"/>
-                    <a:pt x="649" y="9330"/>
-                    <a:pt x="619" y="9360"/>
-                  </a:cubicBezTo>
-                  <a:cubicBezTo>
-                    <a:pt x="572" y="9431"/>
-                    <a:pt x="572" y="9526"/>
-                    <a:pt x="643" y="9574"/>
-                  </a:cubicBezTo>
-                  <a:cubicBezTo>
-                    <a:pt x="905" y="9764"/>
-                    <a:pt x="1215" y="9860"/>
-                    <a:pt x="1548" y="9860"/>
-                  </a:cubicBezTo>
-                  <a:lnTo>
-                    <a:pt x="5025" y="9860"/>
-                  </a:lnTo>
-                  <a:cubicBezTo>
-                    <a:pt x="5858" y="9860"/>
-                    <a:pt x="6549" y="9169"/>
-                    <a:pt x="6549" y="8336"/>
-                  </a:cubicBezTo>
-                  <a:lnTo>
-                    <a:pt x="6549" y="3406"/>
-                  </a:lnTo>
-                  <a:cubicBezTo>
-                    <a:pt x="6549" y="3144"/>
-                    <a:pt x="6382" y="2906"/>
-                    <a:pt x="6144" y="2834"/>
-                  </a:cubicBezTo>
-                  <a:lnTo>
-                    <a:pt x="4739" y="2311"/>
-                  </a:lnTo>
-                  <a:cubicBezTo>
-                    <a:pt x="4573" y="2239"/>
-                    <a:pt x="4477" y="2096"/>
-                    <a:pt x="4477" y="1929"/>
-                  </a:cubicBezTo>
-                  <a:lnTo>
-                    <a:pt x="4477" y="1382"/>
-                  </a:lnTo>
-                  <a:lnTo>
-                    <a:pt x="4596" y="1382"/>
-                  </a:lnTo>
-                  <a:cubicBezTo>
-                    <a:pt x="4787" y="1382"/>
-                    <a:pt x="4930" y="1239"/>
-                    <a:pt x="4930" y="1048"/>
-                  </a:cubicBezTo>
-                  <a:lnTo>
-                    <a:pt x="4930" y="334"/>
-                  </a:lnTo>
-                  <a:cubicBezTo>
-                    <a:pt x="4930" y="143"/>
-                    <a:pt x="4787" y="1"/>
-                    <a:pt x="4596" y="1"/>
-                  </a:cubicBezTo>
-                  <a:lnTo>
-                    <a:pt x="4049" y="1"/>
-                  </a:lnTo>
-                  <a:cubicBezTo>
-                    <a:pt x="3977" y="1"/>
-                    <a:pt x="3906" y="72"/>
-                    <a:pt x="3906" y="143"/>
-                  </a:cubicBezTo>
-                  <a:cubicBezTo>
-                    <a:pt x="3906" y="215"/>
-                    <a:pt x="3977" y="286"/>
-                    <a:pt x="4049" y="286"/>
-                  </a:cubicBezTo>
-                  <a:lnTo>
-                    <a:pt x="4596" y="286"/>
-                  </a:lnTo>
-                  <a:cubicBezTo>
-                    <a:pt x="4620" y="286"/>
-                    <a:pt x="4644" y="310"/>
-                    <a:pt x="4644" y="334"/>
-                  </a:cubicBezTo>
-                  <a:lnTo>
-                    <a:pt x="4644" y="1048"/>
-                  </a:lnTo>
-                  <a:cubicBezTo>
-                    <a:pt x="4644" y="1072"/>
-                    <a:pt x="4620" y="1096"/>
-                    <a:pt x="4596" y="1096"/>
-                  </a:cubicBezTo>
-                  <a:lnTo>
-                    <a:pt x="1953" y="1096"/>
-                  </a:lnTo>
-                  <a:cubicBezTo>
-                    <a:pt x="1929" y="1096"/>
-                    <a:pt x="1905" y="1072"/>
-                    <a:pt x="1905" y="1048"/>
-                  </a:cubicBezTo>
-                  <a:lnTo>
-                    <a:pt x="1905" y="334"/>
-                  </a:lnTo>
-                  <a:cubicBezTo>
-                    <a:pt x="1905" y="310"/>
-                    <a:pt x="1929" y="286"/>
-                    <a:pt x="1953" y="286"/>
-                  </a:cubicBezTo>
-                  <a:lnTo>
-                    <a:pt x="3501" y="286"/>
-                  </a:lnTo>
-                  <a:cubicBezTo>
-                    <a:pt x="3572" y="286"/>
-                    <a:pt x="3644" y="215"/>
-                    <a:pt x="3644" y="143"/>
-                  </a:cubicBezTo>
-                  <a:cubicBezTo>
-                    <a:pt x="3644" y="72"/>
-                    <a:pt x="3572" y="1"/>
-                    <a:pt x="3501" y="1"/>
-                  </a:cubicBezTo>
-                  <a:close/>
-                </a:path>
-              </a:pathLst>
-            </a:custGeom>
-            <a:solidFill>
-              <a:schemeClr val="dk1"/>
-            </a:solidFill>
-            <a:ln>
-              <a:noFill/>
-            </a:ln>
-          </p:spPr>
-          <p:txBody>
-            <a:bodyPr spcFirstLastPara="1" wrap="square" lIns="91425" tIns="91425" rIns="91425" bIns="91425" anchor="ctr" anchorCtr="0">
-              <a:noAutofit/>
-            </a:bodyPr>
-            <a:lstStyle/>
-            <a:p>
-              <a:pPr marL="0" lvl="0" indent="0" algn="l" rtl="0">
-                <a:spcBef>
-                  <a:spcPts val="0"/>
-                </a:spcBef>
-                <a:spcAft>
-                  <a:spcPts val="0"/>
-                </a:spcAft>
-                <a:buNone/>
-              </a:pPr>
-              <a:endParaRPr/>
-            </a:p>
-          </p:txBody>
-        </p:sp>
-        <p:sp>
-          <p:nvSpPr>
-            <p:cNvPr id="262" name="Google Shape;262;p28"/>
-            <p:cNvSpPr/>
-            <p:nvPr/>
-          </p:nvSpPr>
-          <p:spPr>
-            <a:xfrm>
-              <a:off x="3465925" y="2712290"/>
-              <a:ext cx="176152" cy="146405"/>
-            </a:xfrm>
-            <a:custGeom>
-              <a:avLst/>
-              <a:gdLst/>
-              <a:ahLst/>
-              <a:cxnLst/>
-              <a:rect l="l" t="t" r="r" b="b"/>
-              <a:pathLst>
-                <a:path w="5217" h="4336" extrusionOk="0">
-                  <a:moveTo>
-                    <a:pt x="1692" y="3430"/>
-                  </a:moveTo>
-                  <a:cubicBezTo>
-                    <a:pt x="1787" y="3430"/>
-                    <a:pt x="1882" y="3478"/>
-                    <a:pt x="1930" y="3549"/>
-                  </a:cubicBezTo>
-                  <a:lnTo>
-                    <a:pt x="2216" y="4049"/>
-                  </a:lnTo>
-                  <a:lnTo>
-                    <a:pt x="287" y="4049"/>
-                  </a:lnTo>
-                  <a:lnTo>
-                    <a:pt x="287" y="3430"/>
-                  </a:lnTo>
-                  <a:close/>
-                  <a:moveTo>
-                    <a:pt x="191" y="1"/>
-                  </a:moveTo>
-                  <a:cubicBezTo>
-                    <a:pt x="96" y="1"/>
-                    <a:pt x="1" y="96"/>
-                    <a:pt x="1" y="215"/>
-                  </a:cubicBezTo>
-                  <a:lnTo>
-                    <a:pt x="1" y="4121"/>
-                  </a:lnTo>
-                  <a:cubicBezTo>
-                    <a:pt x="1" y="4240"/>
-                    <a:pt x="96" y="4335"/>
-                    <a:pt x="191" y="4335"/>
-                  </a:cubicBezTo>
-                  <a:lnTo>
-                    <a:pt x="5002" y="4335"/>
-                  </a:lnTo>
-                  <a:cubicBezTo>
-                    <a:pt x="5121" y="4335"/>
-                    <a:pt x="5216" y="4240"/>
-                    <a:pt x="5216" y="4121"/>
-                  </a:cubicBezTo>
-                  <a:lnTo>
-                    <a:pt x="5216" y="1620"/>
-                  </a:lnTo>
-                  <a:cubicBezTo>
-                    <a:pt x="5216" y="1549"/>
-                    <a:pt x="5145" y="1477"/>
-                    <a:pt x="5073" y="1477"/>
-                  </a:cubicBezTo>
-                  <a:cubicBezTo>
-                    <a:pt x="5002" y="1477"/>
-                    <a:pt x="4931" y="1549"/>
-                    <a:pt x="4931" y="1620"/>
-                  </a:cubicBezTo>
-                  <a:lnTo>
-                    <a:pt x="4931" y="4049"/>
-                  </a:lnTo>
-                  <a:lnTo>
-                    <a:pt x="2549" y="4049"/>
-                  </a:lnTo>
-                  <a:lnTo>
-                    <a:pt x="2192" y="3406"/>
-                  </a:lnTo>
-                  <a:cubicBezTo>
-                    <a:pt x="2073" y="3240"/>
-                    <a:pt x="1906" y="3144"/>
-                    <a:pt x="1692" y="3144"/>
-                  </a:cubicBezTo>
-                  <a:lnTo>
-                    <a:pt x="287" y="3144"/>
-                  </a:lnTo>
-                  <a:lnTo>
-                    <a:pt x="287" y="310"/>
-                  </a:lnTo>
-                  <a:lnTo>
-                    <a:pt x="4931" y="310"/>
-                  </a:lnTo>
-                  <a:lnTo>
-                    <a:pt x="4931" y="1072"/>
-                  </a:lnTo>
-                  <a:cubicBezTo>
-                    <a:pt x="4931" y="1144"/>
-                    <a:pt x="5002" y="1215"/>
-                    <a:pt x="5073" y="1215"/>
-                  </a:cubicBezTo>
-                  <a:cubicBezTo>
-                    <a:pt x="5145" y="1215"/>
-                    <a:pt x="5216" y="1144"/>
-                    <a:pt x="5216" y="1072"/>
-                  </a:cubicBezTo>
-                  <a:lnTo>
-                    <a:pt x="5216" y="215"/>
-                  </a:lnTo>
-                  <a:cubicBezTo>
-                    <a:pt x="5216" y="96"/>
-                    <a:pt x="5121" y="1"/>
-                    <a:pt x="5002" y="1"/>
-                  </a:cubicBezTo>
-                  <a:close/>
-                </a:path>
-              </a:pathLst>
-            </a:custGeom>
-            <a:solidFill>
-              <a:schemeClr val="dk1"/>
-            </a:solidFill>
-            <a:ln>
-              <a:noFill/>
-            </a:ln>
-          </p:spPr>
-          <p:txBody>
-            <a:bodyPr spcFirstLastPara="1" wrap="square" lIns="91425" tIns="91425" rIns="91425" bIns="91425" anchor="ctr" anchorCtr="0">
-              <a:noAutofit/>
-            </a:bodyPr>
-            <a:lstStyle/>
-            <a:p>
-              <a:pPr marL="0" lvl="0" indent="0" algn="l" rtl="0">
-                <a:spcBef>
-                  <a:spcPts val="0"/>
-                </a:spcBef>
-                <a:spcAft>
-                  <a:spcPts val="0"/>
-                </a:spcAft>
-                <a:buNone/>
-              </a:pPr>
-              <a:endParaRPr/>
-            </a:p>
-          </p:txBody>
-        </p:sp>
-      </p:grpSp>
-      <p:grpSp>
-        <p:nvGrpSpPr>
-          <p:cNvPr id="263" name="Google Shape;263;p28"/>
-          <p:cNvGrpSpPr/>
-          <p:nvPr/>
-        </p:nvGrpSpPr>
-        <p:grpSpPr>
-          <a:xfrm>
-            <a:off x="7658946" y="1961994"/>
-            <a:ext cx="355556" cy="548624"/>
-            <a:chOff x="4143791" y="2583645"/>
-            <a:chExt cx="213125" cy="332923"/>
-          </a:xfrm>
-        </p:grpSpPr>
-        <p:sp>
-          <p:nvSpPr>
-            <p:cNvPr id="264" name="Google Shape;264;p28"/>
-            <p:cNvSpPr/>
-            <p:nvPr/>
-          </p:nvSpPr>
-          <p:spPr>
-            <a:xfrm>
-              <a:off x="4245120" y="2616600"/>
-              <a:ext cx="9657" cy="267014"/>
-            </a:xfrm>
-            <a:custGeom>
-              <a:avLst/>
-              <a:gdLst/>
-              <a:ahLst/>
-              <a:cxnLst/>
-              <a:rect l="l" t="t" r="r" b="b"/>
-              <a:pathLst>
-                <a:path w="286" h="7908" extrusionOk="0">
-                  <a:moveTo>
-                    <a:pt x="143" y="1"/>
-                  </a:moveTo>
-                  <a:cubicBezTo>
-                    <a:pt x="72" y="1"/>
-                    <a:pt x="0" y="72"/>
-                    <a:pt x="0" y="144"/>
-                  </a:cubicBezTo>
-                  <a:lnTo>
-                    <a:pt x="0" y="7741"/>
-                  </a:lnTo>
-                  <a:cubicBezTo>
-                    <a:pt x="0" y="7836"/>
-                    <a:pt x="72" y="7907"/>
-                    <a:pt x="143" y="7907"/>
-                  </a:cubicBezTo>
-                  <a:cubicBezTo>
-                    <a:pt x="238" y="7907"/>
-                    <a:pt x="286" y="7836"/>
-                    <a:pt x="286" y="7741"/>
-                  </a:cubicBezTo>
-                  <a:lnTo>
-                    <a:pt x="286" y="144"/>
-                  </a:lnTo>
-                  <a:cubicBezTo>
-                    <a:pt x="286" y="72"/>
-                    <a:pt x="238" y="1"/>
-                    <a:pt x="143" y="1"/>
-                  </a:cubicBezTo>
-                  <a:close/>
-                </a:path>
-              </a:pathLst>
-            </a:custGeom>
-            <a:solidFill>
-              <a:schemeClr val="dk1"/>
-            </a:solidFill>
-            <a:ln>
-              <a:noFill/>
-            </a:ln>
-          </p:spPr>
-          <p:txBody>
-            <a:bodyPr spcFirstLastPara="1" wrap="square" lIns="91425" tIns="91425" rIns="91425" bIns="91425" anchor="ctr" anchorCtr="0">
-              <a:noAutofit/>
-            </a:bodyPr>
-            <a:lstStyle/>
-            <a:p>
-              <a:pPr marL="0" lvl="0" indent="0" algn="l" rtl="0">
-                <a:spcBef>
-                  <a:spcPts val="0"/>
-                </a:spcBef>
-                <a:spcAft>
-                  <a:spcPts val="0"/>
-                </a:spcAft>
-                <a:buNone/>
-              </a:pPr>
-              <a:endParaRPr/>
-            </a:p>
-          </p:txBody>
-        </p:sp>
-        <p:sp>
-          <p:nvSpPr>
-            <p:cNvPr id="265" name="Google Shape;265;p28"/>
-            <p:cNvSpPr/>
-            <p:nvPr/>
-          </p:nvSpPr>
-          <p:spPr>
-            <a:xfrm>
-              <a:off x="4143791" y="2583645"/>
-              <a:ext cx="213125" cy="332923"/>
-            </a:xfrm>
-            <a:custGeom>
-              <a:avLst/>
-              <a:gdLst/>
-              <a:ahLst/>
-              <a:cxnLst/>
-              <a:rect l="l" t="t" r="r" b="b"/>
-              <a:pathLst>
-                <a:path w="6312" h="9860" extrusionOk="0">
-                  <a:moveTo>
-                    <a:pt x="501" y="1"/>
-                  </a:moveTo>
-                  <a:cubicBezTo>
-                    <a:pt x="215" y="1"/>
-                    <a:pt x="1" y="215"/>
-                    <a:pt x="1" y="501"/>
-                  </a:cubicBezTo>
-                  <a:lnTo>
-                    <a:pt x="1" y="9360"/>
-                  </a:lnTo>
-                  <a:cubicBezTo>
-                    <a:pt x="1" y="9622"/>
-                    <a:pt x="215" y="9860"/>
-                    <a:pt x="501" y="9860"/>
-                  </a:cubicBezTo>
-                  <a:lnTo>
-                    <a:pt x="5787" y="9860"/>
-                  </a:lnTo>
-                  <a:cubicBezTo>
-                    <a:pt x="6073" y="9860"/>
-                    <a:pt x="6311" y="9645"/>
-                    <a:pt x="6311" y="9360"/>
-                  </a:cubicBezTo>
-                  <a:lnTo>
-                    <a:pt x="6311" y="501"/>
-                  </a:lnTo>
-                  <a:cubicBezTo>
-                    <a:pt x="6311" y="215"/>
-                    <a:pt x="6073" y="1"/>
-                    <a:pt x="5787" y="1"/>
-                  </a:cubicBezTo>
-                  <a:lnTo>
-                    <a:pt x="5264" y="1"/>
-                  </a:lnTo>
-                  <a:cubicBezTo>
-                    <a:pt x="5192" y="1"/>
-                    <a:pt x="5121" y="72"/>
-                    <a:pt x="5121" y="143"/>
-                  </a:cubicBezTo>
-                  <a:cubicBezTo>
-                    <a:pt x="5121" y="215"/>
-                    <a:pt x="5192" y="286"/>
-                    <a:pt x="5264" y="286"/>
-                  </a:cubicBezTo>
-                  <a:lnTo>
-                    <a:pt x="5787" y="286"/>
-                  </a:lnTo>
-                  <a:cubicBezTo>
-                    <a:pt x="5907" y="286"/>
-                    <a:pt x="6002" y="382"/>
-                    <a:pt x="6002" y="501"/>
-                  </a:cubicBezTo>
-                  <a:lnTo>
-                    <a:pt x="6002" y="9360"/>
-                  </a:lnTo>
-                  <a:cubicBezTo>
-                    <a:pt x="6002" y="9479"/>
-                    <a:pt x="5907" y="9574"/>
-                    <a:pt x="5787" y="9574"/>
-                  </a:cubicBezTo>
-                  <a:lnTo>
-                    <a:pt x="2334" y="9574"/>
-                  </a:lnTo>
-                  <a:lnTo>
-                    <a:pt x="2072" y="9098"/>
-                  </a:lnTo>
-                  <a:cubicBezTo>
-                    <a:pt x="2001" y="9002"/>
-                    <a:pt x="1882" y="8931"/>
-                    <a:pt x="1739" y="8931"/>
-                  </a:cubicBezTo>
-                  <a:lnTo>
-                    <a:pt x="1334" y="8931"/>
-                  </a:lnTo>
-                  <a:cubicBezTo>
-                    <a:pt x="1263" y="8931"/>
-                    <a:pt x="1191" y="8979"/>
-                    <a:pt x="1191" y="9074"/>
-                  </a:cubicBezTo>
-                  <a:cubicBezTo>
-                    <a:pt x="1191" y="9145"/>
-                    <a:pt x="1263" y="9217"/>
-                    <a:pt x="1334" y="9217"/>
-                  </a:cubicBezTo>
-                  <a:lnTo>
-                    <a:pt x="1739" y="9217"/>
-                  </a:lnTo>
-                  <a:cubicBezTo>
-                    <a:pt x="1787" y="9217"/>
-                    <a:pt x="1810" y="9217"/>
-                    <a:pt x="1810" y="9264"/>
-                  </a:cubicBezTo>
-                  <a:lnTo>
-                    <a:pt x="2001" y="9574"/>
-                  </a:lnTo>
-                  <a:lnTo>
-                    <a:pt x="501" y="9574"/>
-                  </a:lnTo>
-                  <a:cubicBezTo>
-                    <a:pt x="382" y="9574"/>
-                    <a:pt x="286" y="9479"/>
-                    <a:pt x="286" y="9360"/>
-                  </a:cubicBezTo>
-                  <a:lnTo>
-                    <a:pt x="286" y="9217"/>
-                  </a:lnTo>
-                  <a:lnTo>
-                    <a:pt x="763" y="9217"/>
-                  </a:lnTo>
-                  <a:cubicBezTo>
-                    <a:pt x="858" y="9217"/>
-                    <a:pt x="929" y="9145"/>
-                    <a:pt x="929" y="9074"/>
-                  </a:cubicBezTo>
-                  <a:cubicBezTo>
-                    <a:pt x="929" y="8979"/>
-                    <a:pt x="858" y="8931"/>
-                    <a:pt x="763" y="8931"/>
-                  </a:cubicBezTo>
-                  <a:lnTo>
-                    <a:pt x="286" y="8931"/>
-                  </a:lnTo>
-                  <a:lnTo>
-                    <a:pt x="286" y="501"/>
-                  </a:lnTo>
-                  <a:cubicBezTo>
-                    <a:pt x="286" y="382"/>
-                    <a:pt x="382" y="286"/>
-                    <a:pt x="501" y="286"/>
-                  </a:cubicBezTo>
-                  <a:lnTo>
-                    <a:pt x="4716" y="286"/>
-                  </a:lnTo>
-                  <a:cubicBezTo>
-                    <a:pt x="4787" y="286"/>
-                    <a:pt x="4859" y="215"/>
-                    <a:pt x="4859" y="143"/>
-                  </a:cubicBezTo>
-                  <a:cubicBezTo>
-                    <a:pt x="4859" y="72"/>
-                    <a:pt x="4787" y="1"/>
-                    <a:pt x="4716" y="1"/>
-                  </a:cubicBezTo>
-                  <a:close/>
-                </a:path>
-              </a:pathLst>
-            </a:custGeom>
-            <a:solidFill>
-              <a:schemeClr val="dk1"/>
-            </a:solidFill>
-            <a:ln>
-              <a:noFill/>
-            </a:ln>
-          </p:spPr>
-          <p:txBody>
-            <a:bodyPr spcFirstLastPara="1" wrap="square" lIns="91425" tIns="91425" rIns="91425" bIns="91425" anchor="ctr" anchorCtr="0">
-              <a:noAutofit/>
-            </a:bodyPr>
-            <a:lstStyle/>
-            <a:p>
-              <a:pPr marL="0" lvl="0" indent="0" algn="l" rtl="0">
-                <a:spcBef>
-                  <a:spcPts val="0"/>
-                </a:spcBef>
-                <a:spcAft>
-                  <a:spcPts val="0"/>
-                </a:spcAft>
-                <a:buNone/>
-              </a:pPr>
-              <a:endParaRPr/>
-            </a:p>
-          </p:txBody>
-        </p:sp>
-        <p:sp>
-          <p:nvSpPr>
-            <p:cNvPr id="266" name="Google Shape;266;p28"/>
-            <p:cNvSpPr/>
-            <p:nvPr/>
-          </p:nvSpPr>
-          <p:spPr>
-            <a:xfrm>
-              <a:off x="4168710" y="2620618"/>
-              <a:ext cx="64356" cy="40248"/>
-            </a:xfrm>
-            <a:custGeom>
-              <a:avLst/>
-              <a:gdLst/>
-              <a:ahLst/>
-              <a:cxnLst/>
-              <a:rect l="l" t="t" r="r" b="b"/>
-              <a:pathLst>
-                <a:path w="1906" h="1192" extrusionOk="0">
-                  <a:moveTo>
-                    <a:pt x="810" y="287"/>
-                  </a:moveTo>
-                  <a:lnTo>
-                    <a:pt x="810" y="906"/>
-                  </a:lnTo>
-                  <a:lnTo>
-                    <a:pt x="596" y="906"/>
-                  </a:lnTo>
-                  <a:cubicBezTo>
-                    <a:pt x="429" y="906"/>
-                    <a:pt x="287" y="763"/>
-                    <a:pt x="287" y="596"/>
-                  </a:cubicBezTo>
-                  <a:cubicBezTo>
-                    <a:pt x="287" y="430"/>
-                    <a:pt x="406" y="287"/>
-                    <a:pt x="596" y="287"/>
-                  </a:cubicBezTo>
-                  <a:close/>
-                  <a:moveTo>
-                    <a:pt x="1311" y="287"/>
-                  </a:moveTo>
-                  <a:cubicBezTo>
-                    <a:pt x="1477" y="287"/>
-                    <a:pt x="1620" y="430"/>
-                    <a:pt x="1620" y="596"/>
-                  </a:cubicBezTo>
-                  <a:cubicBezTo>
-                    <a:pt x="1620" y="763"/>
-                    <a:pt x="1477" y="906"/>
-                    <a:pt x="1311" y="906"/>
-                  </a:cubicBezTo>
-                  <a:lnTo>
-                    <a:pt x="1096" y="906"/>
-                  </a:lnTo>
-                  <a:lnTo>
-                    <a:pt x="1096" y="287"/>
-                  </a:lnTo>
-                  <a:close/>
-                  <a:moveTo>
-                    <a:pt x="596" y="1"/>
-                  </a:moveTo>
-                  <a:cubicBezTo>
-                    <a:pt x="263" y="1"/>
-                    <a:pt x="1" y="263"/>
-                    <a:pt x="1" y="596"/>
-                  </a:cubicBezTo>
-                  <a:cubicBezTo>
-                    <a:pt x="1" y="930"/>
-                    <a:pt x="263" y="1192"/>
-                    <a:pt x="596" y="1192"/>
-                  </a:cubicBezTo>
-                  <a:lnTo>
-                    <a:pt x="1311" y="1192"/>
-                  </a:lnTo>
-                  <a:cubicBezTo>
-                    <a:pt x="1644" y="1192"/>
-                    <a:pt x="1906" y="930"/>
-                    <a:pt x="1906" y="596"/>
-                  </a:cubicBezTo>
-                  <a:cubicBezTo>
-                    <a:pt x="1906" y="263"/>
-                    <a:pt x="1644" y="1"/>
-                    <a:pt x="1311" y="1"/>
-                  </a:cubicBezTo>
-                  <a:close/>
-                </a:path>
-              </a:pathLst>
-            </a:custGeom>
-            <a:solidFill>
-              <a:schemeClr val="dk1"/>
-            </a:solidFill>
-            <a:ln>
-              <a:noFill/>
-            </a:ln>
-          </p:spPr>
-          <p:txBody>
-            <a:bodyPr spcFirstLastPara="1" wrap="square" lIns="91425" tIns="91425" rIns="91425" bIns="91425" anchor="ctr" anchorCtr="0">
-              <a:noAutofit/>
-            </a:bodyPr>
-            <a:lstStyle/>
-            <a:p>
-              <a:pPr marL="0" lvl="0" indent="0" algn="l" rtl="0">
-                <a:spcBef>
-                  <a:spcPts val="0"/>
-                </a:spcBef>
-                <a:spcAft>
-                  <a:spcPts val="0"/>
-                </a:spcAft>
-                <a:buNone/>
-              </a:pPr>
-              <a:endParaRPr/>
-            </a:p>
-          </p:txBody>
-        </p:sp>
-        <p:sp>
-          <p:nvSpPr>
-            <p:cNvPr id="267" name="Google Shape;267;p28"/>
-            <p:cNvSpPr/>
-            <p:nvPr/>
-          </p:nvSpPr>
-          <p:spPr>
-            <a:xfrm>
-              <a:off x="4168710" y="2685751"/>
-              <a:ext cx="64356" cy="40248"/>
-            </a:xfrm>
-            <a:custGeom>
-              <a:avLst/>
-              <a:gdLst/>
-              <a:ahLst/>
-              <a:cxnLst/>
-              <a:rect l="l" t="t" r="r" b="b"/>
-              <a:pathLst>
-                <a:path w="1906" h="1192" extrusionOk="0">
-                  <a:moveTo>
-                    <a:pt x="810" y="287"/>
-                  </a:moveTo>
-                  <a:lnTo>
-                    <a:pt x="810" y="906"/>
-                  </a:lnTo>
-                  <a:lnTo>
-                    <a:pt x="596" y="906"/>
-                  </a:lnTo>
-                  <a:cubicBezTo>
-                    <a:pt x="429" y="906"/>
-                    <a:pt x="287" y="763"/>
-                    <a:pt x="287" y="596"/>
-                  </a:cubicBezTo>
-                  <a:cubicBezTo>
-                    <a:pt x="287" y="430"/>
-                    <a:pt x="406" y="287"/>
-                    <a:pt x="596" y="287"/>
-                  </a:cubicBezTo>
-                  <a:close/>
-                  <a:moveTo>
-                    <a:pt x="1311" y="287"/>
-                  </a:moveTo>
-                  <a:cubicBezTo>
-                    <a:pt x="1477" y="287"/>
-                    <a:pt x="1620" y="430"/>
-                    <a:pt x="1620" y="596"/>
-                  </a:cubicBezTo>
-                  <a:cubicBezTo>
-                    <a:pt x="1620" y="763"/>
-                    <a:pt x="1477" y="906"/>
-                    <a:pt x="1311" y="906"/>
-                  </a:cubicBezTo>
-                  <a:lnTo>
-                    <a:pt x="1096" y="906"/>
-                  </a:lnTo>
-                  <a:lnTo>
-                    <a:pt x="1096" y="287"/>
-                  </a:lnTo>
-                  <a:close/>
-                  <a:moveTo>
-                    <a:pt x="596" y="1"/>
-                  </a:moveTo>
-                  <a:cubicBezTo>
-                    <a:pt x="263" y="1"/>
-                    <a:pt x="1" y="263"/>
-                    <a:pt x="1" y="596"/>
-                  </a:cubicBezTo>
-                  <a:cubicBezTo>
-                    <a:pt x="1" y="930"/>
-                    <a:pt x="263" y="1192"/>
-                    <a:pt x="596" y="1192"/>
-                  </a:cubicBezTo>
-                  <a:lnTo>
-                    <a:pt x="1311" y="1192"/>
-                  </a:lnTo>
-                  <a:cubicBezTo>
-                    <a:pt x="1644" y="1192"/>
-                    <a:pt x="1906" y="930"/>
-                    <a:pt x="1906" y="596"/>
-                  </a:cubicBezTo>
-                  <a:cubicBezTo>
-                    <a:pt x="1906" y="263"/>
-                    <a:pt x="1644" y="1"/>
-                    <a:pt x="1311" y="1"/>
-                  </a:cubicBezTo>
-                  <a:close/>
-                </a:path>
-              </a:pathLst>
-            </a:custGeom>
-            <a:solidFill>
-              <a:schemeClr val="dk1"/>
-            </a:solidFill>
-            <a:ln>
-              <a:noFill/>
-            </a:ln>
-          </p:spPr>
-          <p:txBody>
-            <a:bodyPr spcFirstLastPara="1" wrap="square" lIns="91425" tIns="91425" rIns="91425" bIns="91425" anchor="ctr" anchorCtr="0">
-              <a:noAutofit/>
-            </a:bodyPr>
-            <a:lstStyle/>
-            <a:p>
-              <a:pPr marL="0" lvl="0" indent="0" algn="l" rtl="0">
-                <a:spcBef>
-                  <a:spcPts val="0"/>
-                </a:spcBef>
-                <a:spcAft>
-                  <a:spcPts val="0"/>
-                </a:spcAft>
-                <a:buNone/>
-              </a:pPr>
-              <a:endParaRPr/>
-            </a:p>
-          </p:txBody>
-        </p:sp>
-        <p:sp>
-          <p:nvSpPr>
-            <p:cNvPr id="268" name="Google Shape;268;p28"/>
-            <p:cNvSpPr/>
-            <p:nvPr/>
-          </p:nvSpPr>
-          <p:spPr>
-            <a:xfrm>
-              <a:off x="4168710" y="2750883"/>
-              <a:ext cx="64356" cy="40248"/>
-            </a:xfrm>
-            <a:custGeom>
-              <a:avLst/>
-              <a:gdLst/>
-              <a:ahLst/>
-              <a:cxnLst/>
-              <a:rect l="l" t="t" r="r" b="b"/>
-              <a:pathLst>
-                <a:path w="1906" h="1192" extrusionOk="0">
-                  <a:moveTo>
-                    <a:pt x="810" y="287"/>
-                  </a:moveTo>
-                  <a:lnTo>
-                    <a:pt x="810" y="906"/>
-                  </a:lnTo>
-                  <a:lnTo>
-                    <a:pt x="596" y="906"/>
-                  </a:lnTo>
-                  <a:cubicBezTo>
-                    <a:pt x="429" y="906"/>
-                    <a:pt x="287" y="763"/>
-                    <a:pt x="287" y="596"/>
-                  </a:cubicBezTo>
-                  <a:cubicBezTo>
-                    <a:pt x="287" y="430"/>
-                    <a:pt x="406" y="287"/>
-                    <a:pt x="596" y="287"/>
-                  </a:cubicBezTo>
-                  <a:close/>
-                  <a:moveTo>
-                    <a:pt x="1311" y="287"/>
-                  </a:moveTo>
-                  <a:cubicBezTo>
-                    <a:pt x="1477" y="287"/>
-                    <a:pt x="1620" y="430"/>
-                    <a:pt x="1620" y="596"/>
-                  </a:cubicBezTo>
-                  <a:cubicBezTo>
-                    <a:pt x="1620" y="763"/>
-                    <a:pt x="1477" y="906"/>
-                    <a:pt x="1311" y="906"/>
-                  </a:cubicBezTo>
-                  <a:lnTo>
-                    <a:pt x="1096" y="906"/>
-                  </a:lnTo>
-                  <a:lnTo>
-                    <a:pt x="1096" y="287"/>
-                  </a:lnTo>
-                  <a:close/>
-                  <a:moveTo>
-                    <a:pt x="596" y="1"/>
-                  </a:moveTo>
-                  <a:cubicBezTo>
-                    <a:pt x="263" y="1"/>
-                    <a:pt x="1" y="263"/>
-                    <a:pt x="1" y="596"/>
-                  </a:cubicBezTo>
-                  <a:cubicBezTo>
-                    <a:pt x="1" y="930"/>
-                    <a:pt x="263" y="1192"/>
-                    <a:pt x="596" y="1192"/>
-                  </a:cubicBezTo>
-                  <a:lnTo>
-                    <a:pt x="1311" y="1192"/>
-                  </a:lnTo>
-                  <a:cubicBezTo>
-                    <a:pt x="1644" y="1192"/>
-                    <a:pt x="1906" y="930"/>
-                    <a:pt x="1906" y="596"/>
-                  </a:cubicBezTo>
-                  <a:cubicBezTo>
-                    <a:pt x="1906" y="263"/>
-                    <a:pt x="1644" y="1"/>
-                    <a:pt x="1311" y="1"/>
-                  </a:cubicBezTo>
-                  <a:close/>
-                </a:path>
-              </a:pathLst>
-            </a:custGeom>
-            <a:solidFill>
-              <a:schemeClr val="dk1"/>
-            </a:solidFill>
-            <a:ln>
-              <a:noFill/>
-            </a:ln>
-          </p:spPr>
-          <p:txBody>
-            <a:bodyPr spcFirstLastPara="1" wrap="square" lIns="91425" tIns="91425" rIns="91425" bIns="91425" anchor="ctr" anchorCtr="0">
-              <a:noAutofit/>
-            </a:bodyPr>
-            <a:lstStyle/>
-            <a:p>
-              <a:pPr marL="0" lvl="0" indent="0" algn="l" rtl="0">
-                <a:spcBef>
-                  <a:spcPts val="0"/>
-                </a:spcBef>
-                <a:spcAft>
-                  <a:spcPts val="0"/>
-                </a:spcAft>
-                <a:buNone/>
-              </a:pPr>
-              <a:endParaRPr/>
-            </a:p>
-          </p:txBody>
-        </p:sp>
-        <p:sp>
-          <p:nvSpPr>
-            <p:cNvPr id="269" name="Google Shape;269;p28"/>
-            <p:cNvSpPr/>
-            <p:nvPr/>
-          </p:nvSpPr>
-          <p:spPr>
-            <a:xfrm>
-              <a:off x="4168710" y="2816016"/>
-              <a:ext cx="64356" cy="40248"/>
-            </a:xfrm>
-            <a:custGeom>
-              <a:avLst/>
-              <a:gdLst/>
-              <a:ahLst/>
-              <a:cxnLst/>
-              <a:rect l="l" t="t" r="r" b="b"/>
-              <a:pathLst>
-                <a:path w="1906" h="1192" extrusionOk="0">
-                  <a:moveTo>
-                    <a:pt x="810" y="287"/>
-                  </a:moveTo>
-                  <a:lnTo>
-                    <a:pt x="810" y="906"/>
-                  </a:lnTo>
-                  <a:lnTo>
-                    <a:pt x="596" y="906"/>
-                  </a:lnTo>
-                  <a:cubicBezTo>
-                    <a:pt x="429" y="906"/>
-                    <a:pt x="287" y="763"/>
-                    <a:pt x="287" y="596"/>
-                  </a:cubicBezTo>
-                  <a:cubicBezTo>
-                    <a:pt x="287" y="430"/>
-                    <a:pt x="406" y="287"/>
-                    <a:pt x="596" y="287"/>
-                  </a:cubicBezTo>
-                  <a:close/>
-                  <a:moveTo>
-                    <a:pt x="1311" y="287"/>
-                  </a:moveTo>
-                  <a:cubicBezTo>
-                    <a:pt x="1477" y="287"/>
-                    <a:pt x="1620" y="430"/>
-                    <a:pt x="1620" y="596"/>
-                  </a:cubicBezTo>
-                  <a:cubicBezTo>
-                    <a:pt x="1620" y="763"/>
-                    <a:pt x="1477" y="906"/>
-                    <a:pt x="1311" y="906"/>
-                  </a:cubicBezTo>
-                  <a:lnTo>
-                    <a:pt x="1096" y="906"/>
-                  </a:lnTo>
-                  <a:lnTo>
-                    <a:pt x="1096" y="287"/>
-                  </a:lnTo>
-                  <a:close/>
-                  <a:moveTo>
-                    <a:pt x="596" y="1"/>
-                  </a:moveTo>
-                  <a:cubicBezTo>
-                    <a:pt x="263" y="1"/>
-                    <a:pt x="1" y="263"/>
-                    <a:pt x="1" y="596"/>
-                  </a:cubicBezTo>
-                  <a:cubicBezTo>
-                    <a:pt x="1" y="930"/>
-                    <a:pt x="263" y="1192"/>
-                    <a:pt x="596" y="1192"/>
-                  </a:cubicBezTo>
-                  <a:lnTo>
-                    <a:pt x="1311" y="1192"/>
-                  </a:lnTo>
-                  <a:cubicBezTo>
-                    <a:pt x="1644" y="1192"/>
-                    <a:pt x="1906" y="930"/>
-                    <a:pt x="1906" y="596"/>
-                  </a:cubicBezTo>
-                  <a:cubicBezTo>
-                    <a:pt x="1906" y="263"/>
-                    <a:pt x="1644" y="1"/>
-                    <a:pt x="1311" y="1"/>
-                  </a:cubicBezTo>
-                  <a:close/>
-                </a:path>
-              </a:pathLst>
-            </a:custGeom>
-            <a:solidFill>
-              <a:schemeClr val="dk1"/>
-            </a:solidFill>
-            <a:ln>
-              <a:noFill/>
-            </a:ln>
-          </p:spPr>
-          <p:txBody>
-            <a:bodyPr spcFirstLastPara="1" wrap="square" lIns="91425" tIns="91425" rIns="91425" bIns="91425" anchor="ctr" anchorCtr="0">
-              <a:noAutofit/>
-            </a:bodyPr>
-            <a:lstStyle/>
-            <a:p>
-              <a:pPr marL="0" lvl="0" indent="0" algn="l" rtl="0">
-                <a:spcBef>
-                  <a:spcPts val="0"/>
-                </a:spcBef>
-                <a:spcAft>
-                  <a:spcPts val="0"/>
-                </a:spcAft>
-                <a:buNone/>
-              </a:pPr>
-              <a:endParaRPr/>
-            </a:p>
-          </p:txBody>
-        </p:sp>
-        <p:sp>
-          <p:nvSpPr>
-            <p:cNvPr id="270" name="Google Shape;270;p28"/>
-            <p:cNvSpPr/>
-            <p:nvPr/>
-          </p:nvSpPr>
-          <p:spPr>
-            <a:xfrm>
-              <a:off x="4266831" y="2620618"/>
-              <a:ext cx="65166" cy="40248"/>
-            </a:xfrm>
-            <a:custGeom>
-              <a:avLst/>
-              <a:gdLst/>
-              <a:ahLst/>
-              <a:cxnLst/>
-              <a:rect l="l" t="t" r="r" b="b"/>
-              <a:pathLst>
-                <a:path w="1930" h="1192" extrusionOk="0">
-                  <a:moveTo>
-                    <a:pt x="810" y="287"/>
-                  </a:moveTo>
-                  <a:lnTo>
-                    <a:pt x="810" y="906"/>
-                  </a:lnTo>
-                  <a:lnTo>
-                    <a:pt x="596" y="906"/>
-                  </a:lnTo>
-                  <a:cubicBezTo>
-                    <a:pt x="429" y="906"/>
-                    <a:pt x="286" y="763"/>
-                    <a:pt x="286" y="596"/>
-                  </a:cubicBezTo>
-                  <a:cubicBezTo>
-                    <a:pt x="286" y="430"/>
-                    <a:pt x="429" y="287"/>
-                    <a:pt x="596" y="287"/>
-                  </a:cubicBezTo>
-                  <a:close/>
-                  <a:moveTo>
-                    <a:pt x="1334" y="287"/>
-                  </a:moveTo>
-                  <a:cubicBezTo>
-                    <a:pt x="1500" y="287"/>
-                    <a:pt x="1643" y="430"/>
-                    <a:pt x="1643" y="596"/>
-                  </a:cubicBezTo>
-                  <a:cubicBezTo>
-                    <a:pt x="1643" y="763"/>
-                    <a:pt x="1500" y="906"/>
-                    <a:pt x="1334" y="906"/>
-                  </a:cubicBezTo>
-                  <a:lnTo>
-                    <a:pt x="1119" y="906"/>
-                  </a:lnTo>
-                  <a:lnTo>
-                    <a:pt x="1119" y="287"/>
-                  </a:lnTo>
-                  <a:close/>
-                  <a:moveTo>
-                    <a:pt x="596" y="1"/>
-                  </a:moveTo>
-                  <a:cubicBezTo>
-                    <a:pt x="286" y="1"/>
-                    <a:pt x="0" y="263"/>
-                    <a:pt x="0" y="596"/>
-                  </a:cubicBezTo>
-                  <a:cubicBezTo>
-                    <a:pt x="0" y="930"/>
-                    <a:pt x="286" y="1192"/>
-                    <a:pt x="596" y="1192"/>
-                  </a:cubicBezTo>
-                  <a:lnTo>
-                    <a:pt x="1334" y="1192"/>
-                  </a:lnTo>
-                  <a:cubicBezTo>
-                    <a:pt x="1667" y="1192"/>
-                    <a:pt x="1929" y="930"/>
-                    <a:pt x="1929" y="596"/>
-                  </a:cubicBezTo>
-                  <a:cubicBezTo>
-                    <a:pt x="1929" y="263"/>
-                    <a:pt x="1667" y="1"/>
-                    <a:pt x="1334" y="1"/>
-                  </a:cubicBezTo>
-                  <a:close/>
-                </a:path>
-              </a:pathLst>
-            </a:custGeom>
-            <a:solidFill>
-              <a:schemeClr val="dk1"/>
-            </a:solidFill>
-            <a:ln>
-              <a:noFill/>
-            </a:ln>
-          </p:spPr>
-          <p:txBody>
-            <a:bodyPr spcFirstLastPara="1" wrap="square" lIns="91425" tIns="91425" rIns="91425" bIns="91425" anchor="ctr" anchorCtr="0">
-              <a:noAutofit/>
-            </a:bodyPr>
-            <a:lstStyle/>
-            <a:p>
-              <a:pPr marL="0" lvl="0" indent="0" algn="l" rtl="0">
-                <a:spcBef>
-                  <a:spcPts val="0"/>
-                </a:spcBef>
-                <a:spcAft>
-                  <a:spcPts val="0"/>
-                </a:spcAft>
-                <a:buNone/>
-              </a:pPr>
-              <a:endParaRPr/>
-            </a:p>
-          </p:txBody>
-        </p:sp>
-        <p:sp>
-          <p:nvSpPr>
-            <p:cNvPr id="271" name="Google Shape;271;p28"/>
-            <p:cNvSpPr/>
-            <p:nvPr/>
-          </p:nvSpPr>
-          <p:spPr>
-            <a:xfrm>
-              <a:off x="4266831" y="2685751"/>
-              <a:ext cx="65166" cy="40248"/>
-            </a:xfrm>
-            <a:custGeom>
-              <a:avLst/>
-              <a:gdLst/>
-              <a:ahLst/>
-              <a:cxnLst/>
-              <a:rect l="l" t="t" r="r" b="b"/>
-              <a:pathLst>
-                <a:path w="1930" h="1192" extrusionOk="0">
-                  <a:moveTo>
-                    <a:pt x="810" y="287"/>
-                  </a:moveTo>
-                  <a:lnTo>
-                    <a:pt x="810" y="906"/>
-                  </a:lnTo>
-                  <a:lnTo>
-                    <a:pt x="596" y="906"/>
-                  </a:lnTo>
-                  <a:cubicBezTo>
-                    <a:pt x="429" y="906"/>
-                    <a:pt x="286" y="763"/>
-                    <a:pt x="286" y="596"/>
-                  </a:cubicBezTo>
-                  <a:cubicBezTo>
-                    <a:pt x="286" y="430"/>
-                    <a:pt x="429" y="287"/>
-                    <a:pt x="596" y="287"/>
-                  </a:cubicBezTo>
-                  <a:close/>
-                  <a:moveTo>
-                    <a:pt x="1334" y="287"/>
-                  </a:moveTo>
-                  <a:cubicBezTo>
-                    <a:pt x="1500" y="287"/>
-                    <a:pt x="1643" y="430"/>
-                    <a:pt x="1643" y="596"/>
-                  </a:cubicBezTo>
-                  <a:cubicBezTo>
-                    <a:pt x="1643" y="763"/>
-                    <a:pt x="1500" y="906"/>
-                    <a:pt x="1334" y="906"/>
-                  </a:cubicBezTo>
-                  <a:lnTo>
-                    <a:pt x="1119" y="906"/>
-                  </a:lnTo>
-                  <a:lnTo>
-                    <a:pt x="1119" y="287"/>
-                  </a:lnTo>
-                  <a:close/>
-                  <a:moveTo>
-                    <a:pt x="596" y="1"/>
-                  </a:moveTo>
-                  <a:cubicBezTo>
-                    <a:pt x="286" y="1"/>
-                    <a:pt x="0" y="263"/>
-                    <a:pt x="0" y="596"/>
-                  </a:cubicBezTo>
-                  <a:cubicBezTo>
-                    <a:pt x="0" y="930"/>
-                    <a:pt x="286" y="1192"/>
-                    <a:pt x="596" y="1192"/>
-                  </a:cubicBezTo>
-                  <a:lnTo>
-                    <a:pt x="1334" y="1192"/>
-                  </a:lnTo>
-                  <a:cubicBezTo>
-                    <a:pt x="1667" y="1192"/>
-                    <a:pt x="1929" y="930"/>
-                    <a:pt x="1929" y="596"/>
-                  </a:cubicBezTo>
-                  <a:cubicBezTo>
-                    <a:pt x="1929" y="263"/>
-                    <a:pt x="1667" y="1"/>
-                    <a:pt x="1334" y="1"/>
-                  </a:cubicBezTo>
-                  <a:close/>
-                </a:path>
-              </a:pathLst>
-            </a:custGeom>
-            <a:solidFill>
-              <a:schemeClr val="dk1"/>
-            </a:solidFill>
-            <a:ln>
-              <a:noFill/>
-            </a:ln>
-          </p:spPr>
-          <p:txBody>
-            <a:bodyPr spcFirstLastPara="1" wrap="square" lIns="91425" tIns="91425" rIns="91425" bIns="91425" anchor="ctr" anchorCtr="0">
-              <a:noAutofit/>
-            </a:bodyPr>
-            <a:lstStyle/>
-            <a:p>
-              <a:pPr marL="0" lvl="0" indent="0" algn="l" rtl="0">
-                <a:spcBef>
-                  <a:spcPts val="0"/>
-                </a:spcBef>
-                <a:spcAft>
-                  <a:spcPts val="0"/>
-                </a:spcAft>
-                <a:buNone/>
-              </a:pPr>
-              <a:endParaRPr/>
-            </a:p>
-          </p:txBody>
-        </p:sp>
-        <p:sp>
-          <p:nvSpPr>
-            <p:cNvPr id="272" name="Google Shape;272;p28"/>
-            <p:cNvSpPr/>
-            <p:nvPr/>
-          </p:nvSpPr>
-          <p:spPr>
-            <a:xfrm>
-              <a:off x="4266831" y="2750883"/>
-              <a:ext cx="65166" cy="40248"/>
-            </a:xfrm>
-            <a:custGeom>
-              <a:avLst/>
-              <a:gdLst/>
-              <a:ahLst/>
-              <a:cxnLst/>
-              <a:rect l="l" t="t" r="r" b="b"/>
-              <a:pathLst>
-                <a:path w="1930" h="1192" extrusionOk="0">
-                  <a:moveTo>
-                    <a:pt x="810" y="287"/>
-                  </a:moveTo>
-                  <a:lnTo>
-                    <a:pt x="810" y="906"/>
-                  </a:lnTo>
-                  <a:lnTo>
-                    <a:pt x="596" y="906"/>
-                  </a:lnTo>
-                  <a:cubicBezTo>
-                    <a:pt x="429" y="906"/>
-                    <a:pt x="286" y="763"/>
-                    <a:pt x="286" y="596"/>
-                  </a:cubicBezTo>
-                  <a:cubicBezTo>
-                    <a:pt x="286" y="430"/>
-                    <a:pt x="429" y="287"/>
-                    <a:pt x="596" y="287"/>
-                  </a:cubicBezTo>
-                  <a:close/>
-                  <a:moveTo>
-                    <a:pt x="1334" y="287"/>
-                  </a:moveTo>
-                  <a:cubicBezTo>
-                    <a:pt x="1500" y="287"/>
-                    <a:pt x="1643" y="430"/>
-                    <a:pt x="1643" y="596"/>
-                  </a:cubicBezTo>
-                  <a:cubicBezTo>
-                    <a:pt x="1643" y="763"/>
-                    <a:pt x="1500" y="906"/>
-                    <a:pt x="1334" y="906"/>
-                  </a:cubicBezTo>
-                  <a:lnTo>
-                    <a:pt x="1119" y="906"/>
-                  </a:lnTo>
-                  <a:lnTo>
-                    <a:pt x="1119" y="287"/>
-                  </a:lnTo>
-                  <a:close/>
-                  <a:moveTo>
-                    <a:pt x="596" y="1"/>
-                  </a:moveTo>
-                  <a:cubicBezTo>
-                    <a:pt x="286" y="1"/>
-                    <a:pt x="0" y="263"/>
-                    <a:pt x="0" y="596"/>
-                  </a:cubicBezTo>
-                  <a:cubicBezTo>
-                    <a:pt x="0" y="930"/>
-                    <a:pt x="286" y="1192"/>
-                    <a:pt x="596" y="1192"/>
-                  </a:cubicBezTo>
-                  <a:lnTo>
-                    <a:pt x="1334" y="1192"/>
-                  </a:lnTo>
-                  <a:cubicBezTo>
-                    <a:pt x="1667" y="1192"/>
-                    <a:pt x="1929" y="930"/>
-                    <a:pt x="1929" y="596"/>
-                  </a:cubicBezTo>
-                  <a:cubicBezTo>
-                    <a:pt x="1929" y="263"/>
-                    <a:pt x="1667" y="1"/>
-                    <a:pt x="1334" y="1"/>
-                  </a:cubicBezTo>
-                  <a:close/>
-                </a:path>
-              </a:pathLst>
-            </a:custGeom>
-            <a:solidFill>
-              <a:schemeClr val="dk1"/>
-            </a:solidFill>
-            <a:ln>
-              <a:noFill/>
-            </a:ln>
-          </p:spPr>
-          <p:txBody>
-            <a:bodyPr spcFirstLastPara="1" wrap="square" lIns="91425" tIns="91425" rIns="91425" bIns="91425" anchor="ctr" anchorCtr="0">
-              <a:noAutofit/>
-            </a:bodyPr>
-            <a:lstStyle/>
-            <a:p>
-              <a:pPr marL="0" lvl="0" indent="0" algn="l" rtl="0">
-                <a:spcBef>
-                  <a:spcPts val="0"/>
-                </a:spcBef>
-                <a:spcAft>
-                  <a:spcPts val="0"/>
-                </a:spcAft>
-                <a:buNone/>
-              </a:pPr>
-              <a:endParaRPr/>
-            </a:p>
-          </p:txBody>
-        </p:sp>
-        <p:sp>
-          <p:nvSpPr>
-            <p:cNvPr id="273" name="Google Shape;273;p28"/>
-            <p:cNvSpPr/>
-            <p:nvPr/>
-          </p:nvSpPr>
-          <p:spPr>
-            <a:xfrm>
-              <a:off x="4266831" y="2816016"/>
-              <a:ext cx="65166" cy="40248"/>
-            </a:xfrm>
-            <a:custGeom>
-              <a:avLst/>
-              <a:gdLst/>
-              <a:ahLst/>
-              <a:cxnLst/>
-              <a:rect l="l" t="t" r="r" b="b"/>
-              <a:pathLst>
-                <a:path w="1930" h="1192" extrusionOk="0">
-                  <a:moveTo>
-                    <a:pt x="810" y="287"/>
-                  </a:moveTo>
-                  <a:lnTo>
-                    <a:pt x="810" y="906"/>
-                  </a:lnTo>
-                  <a:lnTo>
-                    <a:pt x="596" y="906"/>
-                  </a:lnTo>
-                  <a:cubicBezTo>
-                    <a:pt x="429" y="906"/>
-                    <a:pt x="286" y="763"/>
-                    <a:pt x="286" y="596"/>
-                  </a:cubicBezTo>
-                  <a:cubicBezTo>
-                    <a:pt x="286" y="430"/>
-                    <a:pt x="429" y="287"/>
-                    <a:pt x="596" y="287"/>
-                  </a:cubicBezTo>
-                  <a:close/>
-                  <a:moveTo>
-                    <a:pt x="1334" y="287"/>
-                  </a:moveTo>
-                  <a:cubicBezTo>
-                    <a:pt x="1500" y="287"/>
-                    <a:pt x="1643" y="430"/>
-                    <a:pt x="1643" y="596"/>
-                  </a:cubicBezTo>
-                  <a:cubicBezTo>
-                    <a:pt x="1643" y="763"/>
-                    <a:pt x="1500" y="906"/>
-                    <a:pt x="1334" y="906"/>
-                  </a:cubicBezTo>
-                  <a:lnTo>
-                    <a:pt x="1119" y="906"/>
-                  </a:lnTo>
-                  <a:lnTo>
-                    <a:pt x="1119" y="287"/>
-                  </a:lnTo>
-                  <a:close/>
-                  <a:moveTo>
-                    <a:pt x="596" y="1"/>
-                  </a:moveTo>
-                  <a:cubicBezTo>
-                    <a:pt x="286" y="1"/>
-                    <a:pt x="0" y="263"/>
-                    <a:pt x="0" y="596"/>
-                  </a:cubicBezTo>
-                  <a:cubicBezTo>
-                    <a:pt x="0" y="930"/>
-                    <a:pt x="286" y="1192"/>
-                    <a:pt x="596" y="1192"/>
-                  </a:cubicBezTo>
-                  <a:lnTo>
-                    <a:pt x="1334" y="1192"/>
-                  </a:lnTo>
-                  <a:cubicBezTo>
-                    <a:pt x="1667" y="1192"/>
-                    <a:pt x="1929" y="930"/>
-                    <a:pt x="1929" y="596"/>
-                  </a:cubicBezTo>
-                  <a:cubicBezTo>
-                    <a:pt x="1929" y="263"/>
-                    <a:pt x="1667" y="1"/>
-                    <a:pt x="1334" y="1"/>
-                  </a:cubicBezTo>
-                  <a:close/>
-                </a:path>
-              </a:pathLst>
-            </a:custGeom>
-            <a:solidFill>
-              <a:schemeClr val="dk1"/>
-            </a:solidFill>
-            <a:ln>
-              <a:noFill/>
-            </a:ln>
-          </p:spPr>
-          <p:txBody>
-            <a:bodyPr spcFirstLastPara="1" wrap="square" lIns="91425" tIns="91425" rIns="91425" bIns="91425" anchor="ctr" anchorCtr="0">
-              <a:noAutofit/>
-            </a:bodyPr>
-            <a:lstStyle/>
-            <a:p>
-              <a:pPr marL="0" lvl="0" indent="0" algn="l" rtl="0">
-                <a:spcBef>
-                  <a:spcPts val="0"/>
-                </a:spcBef>
-                <a:spcAft>
-                  <a:spcPts val="0"/>
-                </a:spcAft>
-                <a:buNone/>
-              </a:pPr>
-              <a:endParaRPr/>
-            </a:p>
-          </p:txBody>
-        </p:sp>
-      </p:grpSp>
-    </p:spTree>
-  </p:cSld>
-  <p:clrMapOvr>
-    <a:masterClrMapping/>
-  </p:clrMapOvr>
-</p:sld>
-</file>
-
-<file path=ppt/slides/slide3.xml><?xml version="1.0" encoding="utf-8"?>
-<p:sld xmlns:a="http://schemas.openxmlformats.org/drawingml/2006/main" xmlns:r="http://schemas.openxmlformats.org/officeDocument/2006/relationships" xmlns:p="http://schemas.openxmlformats.org/presentationml/2006/main">
-  <p:cSld>
-    <p:spTree>
-      <p:nvGrpSpPr>
         <p:cNvPr id="1" name="Shape 277"/>
         <p:cNvGrpSpPr/>
         <p:nvPr/>
@@ -29001,7 +21150,7 @@
 </p:sld>
 </file>
 
-<file path=ppt/slides/slide4.xml><?xml version="1.0" encoding="utf-8"?>
+<file path=ppt/slides/slide3.xml><?xml version="1.0" encoding="utf-8"?>
 <p:sld xmlns:a="http://schemas.openxmlformats.org/drawingml/2006/main" xmlns:r="http://schemas.openxmlformats.org/officeDocument/2006/relationships" xmlns:p="http://schemas.openxmlformats.org/presentationml/2006/main">
   <p:cSld>
     <p:spTree>
@@ -29165,7 +21314,7 @@
 </p:sld>
 </file>
 
-<file path=ppt/slides/slide5.xml><?xml version="1.0" encoding="utf-8"?>
+<file path=ppt/slides/slide4.xml><?xml version="1.0" encoding="utf-8"?>
 <p:sld xmlns:a="http://schemas.openxmlformats.org/drawingml/2006/main" xmlns:r="http://schemas.openxmlformats.org/officeDocument/2006/relationships" xmlns:p="http://schemas.openxmlformats.org/presentationml/2006/main">
   <p:cSld>
     <p:spTree>
@@ -29716,7 +21865,7 @@
 </p:sld>
 </file>
 
-<file path=ppt/slides/slide6.xml><?xml version="1.0" encoding="utf-8"?>
+<file path=ppt/slides/slide5.xml><?xml version="1.0" encoding="utf-8"?>
 <p:sld xmlns:a="http://schemas.openxmlformats.org/drawingml/2006/main" xmlns:r="http://schemas.openxmlformats.org/officeDocument/2006/relationships" xmlns:p="http://schemas.openxmlformats.org/presentationml/2006/main">
   <p:cSld>
     <p:spTree>
@@ -29891,7 +22040,7 @@
 </p:sld>
 </file>
 
-<file path=ppt/slides/slide7.xml><?xml version="1.0" encoding="utf-8"?>
+<file path=ppt/slides/slide6.xml><?xml version="1.0" encoding="utf-8"?>
 <p:sld xmlns:a="http://schemas.openxmlformats.org/drawingml/2006/main" xmlns:r="http://schemas.openxmlformats.org/officeDocument/2006/relationships" xmlns:p="http://schemas.openxmlformats.org/presentationml/2006/main">
   <p:cSld>
     <p:spTree>
